--- a/Donut Giveup Group 4 HbA1c Working Draft.pptx
+++ b/Donut Giveup Group 4 HbA1c Working Draft.pptx
@@ -5,10 +5,10 @@
     <p:sldMasterId id="2147483648" r:id="rId1"/>
   </p:sldMasterIdLst>
   <p:notesMasterIdLst>
-    <p:notesMasterId r:id="rId27"/>
+    <p:notesMasterId r:id="rId29"/>
   </p:notesMasterIdLst>
   <p:handoutMasterIdLst>
-    <p:handoutMasterId r:id="rId28"/>
+    <p:handoutMasterId r:id="rId30"/>
   </p:handoutMasterIdLst>
   <p:sldIdLst>
     <p:sldId id="256" r:id="rId2"/>
@@ -17,25 +17,27 @@
     <p:sldId id="279" r:id="rId5"/>
     <p:sldId id="282" r:id="rId6"/>
     <p:sldId id="280" r:id="rId7"/>
-    <p:sldId id="283" r:id="rId8"/>
-    <p:sldId id="284" r:id="rId9"/>
-    <p:sldId id="287" r:id="rId10"/>
-    <p:sldId id="288" r:id="rId11"/>
-    <p:sldId id="289" r:id="rId12"/>
-    <p:sldId id="290" r:id="rId13"/>
-    <p:sldId id="295" r:id="rId14"/>
-    <p:sldId id="296" r:id="rId15"/>
-    <p:sldId id="291" r:id="rId16"/>
-    <p:sldId id="292" r:id="rId17"/>
-    <p:sldId id="293" r:id="rId18"/>
-    <p:sldId id="294" r:id="rId19"/>
-    <p:sldId id="285" r:id="rId20"/>
-    <p:sldId id="286" r:id="rId21"/>
-    <p:sldId id="278" r:id="rId22"/>
-    <p:sldId id="274" r:id="rId23"/>
-    <p:sldId id="276" r:id="rId24"/>
-    <p:sldId id="275" r:id="rId25"/>
-    <p:sldId id="297" r:id="rId26"/>
+    <p:sldId id="298" r:id="rId8"/>
+    <p:sldId id="299" r:id="rId9"/>
+    <p:sldId id="283" r:id="rId10"/>
+    <p:sldId id="284" r:id="rId11"/>
+    <p:sldId id="287" r:id="rId12"/>
+    <p:sldId id="288" r:id="rId13"/>
+    <p:sldId id="289" r:id="rId14"/>
+    <p:sldId id="290" r:id="rId15"/>
+    <p:sldId id="295" r:id="rId16"/>
+    <p:sldId id="296" r:id="rId17"/>
+    <p:sldId id="291" r:id="rId18"/>
+    <p:sldId id="292" r:id="rId19"/>
+    <p:sldId id="293" r:id="rId20"/>
+    <p:sldId id="294" r:id="rId21"/>
+    <p:sldId id="285" r:id="rId22"/>
+    <p:sldId id="286" r:id="rId23"/>
+    <p:sldId id="278" r:id="rId24"/>
+    <p:sldId id="274" r:id="rId25"/>
+    <p:sldId id="276" r:id="rId26"/>
+    <p:sldId id="275" r:id="rId27"/>
+    <p:sldId id="297" r:id="rId28"/>
   </p:sldIdLst>
   <p:sldSz cx="12192000" cy="6858000"/>
   <p:notesSz cx="6858000" cy="9296400"/>
@@ -3698,7 +3700,7 @@
                 <a:latin typeface="Times New Roman" panose="02020603050405020304" pitchFamily="18" charset="0"/>
                 <a:cs typeface="Times New Roman" panose="02020603050405020304" pitchFamily="18" charset="0"/>
               </a:rPr>
-              <a:t>March 19, 2019 (update with future versions)</a:t>
+              <a:t>March 20, 2019 (update with future versions)</a:t>
             </a:r>
             <a:endParaRPr lang="en-US" dirty="0">
               <a:latin typeface="Times New Roman" panose="02020603050405020304" pitchFamily="18" charset="0"/>
@@ -4040,7 +4042,7 @@
                 <a:latin typeface="Times New Roman" panose="02020603050405020304" pitchFamily="18" charset="0"/>
                 <a:cs typeface="Times New Roman" panose="02020603050405020304" pitchFamily="18" charset="0"/>
               </a:rPr>
-              <a:t>Suggestions for Improving this Measure</a:t>
+              <a:t>Current State of the Measure</a:t>
             </a:r>
           </a:p>
         </p:txBody>
@@ -4095,8 +4097,8 @@
         </p:nvSpPr>
         <p:spPr>
           <a:xfrm>
-            <a:off x="710045" y="1219767"/>
-            <a:ext cx="10583597" cy="4708981"/>
+            <a:off x="710045" y="1020077"/>
+            <a:ext cx="10583597" cy="5262979"/>
           </a:xfrm>
           <a:prstGeom prst="rect">
             <a:avLst/>
@@ -4114,11 +4116,11 @@
               <a:buChar char="•"/>
             </a:pPr>
             <a:r>
-              <a:rPr lang="en-US" sz="2000" dirty="0">
+              <a:rPr lang="en-US" sz="2400" dirty="0">
                 <a:latin typeface="Times New Roman" panose="02020603050405020304" pitchFamily="18" charset="0"/>
                 <a:cs typeface="Times New Roman" panose="02020603050405020304" pitchFamily="18" charset="0"/>
               </a:rPr>
-              <a:t>As part of improving this measure, primary care offices could offered a free software program to throw a flag any time someone meets the screening criteria proposed by the ADA. </a:t>
+              <a:t>Type 1 diabetes mellitus (T1DM)</a:t>
             </a:r>
           </a:p>
           <a:p>
@@ -4127,11 +4129,24 @@
               <a:buChar char="•"/>
             </a:pPr>
             <a:r>
-              <a:rPr lang="en-US" sz="2000" dirty="0">
+              <a:rPr lang="en-US" sz="2400" dirty="0">
                 <a:latin typeface="Times New Roman" panose="02020603050405020304" pitchFamily="18" charset="0"/>
                 <a:cs typeface="Times New Roman" panose="02020603050405020304" pitchFamily="18" charset="0"/>
               </a:rPr>
-              <a:t>First-degree relative with diabetes</a:t>
+              <a:t>Screening is generally not recommended for T1DM because it is infrequent (1 in 500)</a:t>
+            </a:r>
+          </a:p>
+          <a:p>
+            <a:pPr marL="342900" indent="-342900">
+              <a:buFont typeface="Arial" panose="020B0604020202020204" pitchFamily="34" charset="0"/>
+              <a:buChar char="•"/>
+            </a:pPr>
+            <a:r>
+              <a:rPr lang="en-US" sz="2400" dirty="0">
+                <a:latin typeface="Times New Roman" panose="02020603050405020304" pitchFamily="18" charset="0"/>
+                <a:cs typeface="Times New Roman" panose="02020603050405020304" pitchFamily="18" charset="0"/>
+              </a:rPr>
+              <a:t>Gestational Diabetes Mellitus (GDM)</a:t>
             </a:r>
           </a:p>
           <a:p>
@@ -4140,11 +4155,24 @@
               <a:buChar char="•"/>
             </a:pPr>
             <a:r>
-              <a:rPr lang="en-US" sz="2000" dirty="0">
+              <a:rPr lang="en-US" sz="2400" dirty="0">
                 <a:latin typeface="Times New Roman" panose="02020603050405020304" pitchFamily="18" charset="0"/>
                 <a:cs typeface="Times New Roman" panose="02020603050405020304" pitchFamily="18" charset="0"/>
               </a:rPr>
-              <a:t>High risk race/ethnicity (African American, Latino, Native American, Asian American, or Pacific Islander)</a:t>
+              <a:t>Pregnant women are routinely screened for gestational diabetes using an oral glucose test</a:t>
+            </a:r>
+          </a:p>
+          <a:p>
+            <a:pPr marL="342900" indent="-342900">
+              <a:buFont typeface="Arial" panose="020B0604020202020204" pitchFamily="34" charset="0"/>
+              <a:buChar char="•"/>
+            </a:pPr>
+            <a:r>
+              <a:rPr lang="en-US" sz="2400" dirty="0">
+                <a:latin typeface="Times New Roman" panose="02020603050405020304" pitchFamily="18" charset="0"/>
+                <a:cs typeface="Times New Roman" panose="02020603050405020304" pitchFamily="18" charset="0"/>
+              </a:rPr>
+              <a:t>Type 2 diabetes mellitus (T2DM) </a:t>
             </a:r>
           </a:p>
           <a:p>
@@ -4153,11 +4181,11 @@
               <a:buChar char="•"/>
             </a:pPr>
             <a:r>
-              <a:rPr lang="en-US" sz="2000" dirty="0">
+              <a:rPr lang="en-US" sz="2400" dirty="0">
                 <a:latin typeface="Times New Roman" panose="02020603050405020304" pitchFamily="18" charset="0"/>
                 <a:cs typeface="Times New Roman" panose="02020603050405020304" pitchFamily="18" charset="0"/>
               </a:rPr>
-              <a:t>History of Cardiovascular Disease (CVD)</a:t>
+              <a:t>It is estimated that 25%-33% of patients with type 2 diabetes are undiagnosed</a:t>
             </a:r>
           </a:p>
           <a:p>
@@ -4166,11 +4194,25 @@
               <a:buChar char="•"/>
             </a:pPr>
             <a:r>
-              <a:rPr lang="en-US" sz="2000" dirty="0">
+              <a:rPr lang="en-US" sz="2400" dirty="0">
                 <a:latin typeface="Times New Roman" panose="02020603050405020304" pitchFamily="18" charset="0"/>
                 <a:cs typeface="Times New Roman" panose="02020603050405020304" pitchFamily="18" charset="0"/>
               </a:rPr>
-              <a:t>Hypertension</a:t>
+              <a:t>Approximately 56% of local health departments in 2005 had obesity prevention programs, 51% had diabetes screening programs, and 34% had both (</a:t>
+            </a:r>
+            <a:r>
+              <a:rPr lang="en-US" sz="2400" dirty="0" err="1">
+                <a:latin typeface="Times New Roman" panose="02020603050405020304" pitchFamily="18" charset="0"/>
+                <a:cs typeface="Times New Roman" panose="02020603050405020304" pitchFamily="18" charset="0"/>
+              </a:rPr>
+              <a:t>zhang</a:t>
+            </a:r>
+            <a:r>
+              <a:rPr lang="en-US" sz="2400" dirty="0">
+                <a:latin typeface="Times New Roman" panose="02020603050405020304" pitchFamily="18" charset="0"/>
+                <a:cs typeface="Times New Roman" panose="02020603050405020304" pitchFamily="18" charset="0"/>
+              </a:rPr>
+              <a:t> 2010 Am J Public Health, obesity prevention and diabetes screening)</a:t>
             </a:r>
           </a:p>
           <a:p>
@@ -4179,102 +4221,11 @@
               <a:buChar char="•"/>
             </a:pPr>
             <a:r>
-              <a:rPr lang="en-US" sz="2000" dirty="0">
+              <a:rPr lang="en-US" sz="2400" dirty="0">
                 <a:latin typeface="Times New Roman" panose="02020603050405020304" pitchFamily="18" charset="0"/>
                 <a:cs typeface="Times New Roman" panose="02020603050405020304" pitchFamily="18" charset="0"/>
               </a:rPr>
-              <a:t>Low HDL Cholesterol or high LDL Cholesterol</a:t>
-            </a:r>
-          </a:p>
-          <a:p>
-            <a:pPr marL="800100" lvl="1" indent="-342900">
-              <a:buFont typeface="Arial" panose="020B0604020202020204" pitchFamily="34" charset="0"/>
-              <a:buChar char="•"/>
-            </a:pPr>
-            <a:r>
-              <a:rPr lang="en-US" sz="2000" dirty="0">
-                <a:latin typeface="Times New Roman" panose="02020603050405020304" pitchFamily="18" charset="0"/>
-                <a:cs typeface="Times New Roman" panose="02020603050405020304" pitchFamily="18" charset="0"/>
-              </a:rPr>
-              <a:t>Physical inactivity</a:t>
-            </a:r>
-          </a:p>
-          <a:p>
-            <a:pPr marL="800100" lvl="1" indent="-342900">
-              <a:buFont typeface="Arial" panose="020B0604020202020204" pitchFamily="34" charset="0"/>
-              <a:buChar char="•"/>
-            </a:pPr>
-            <a:r>
-              <a:rPr lang="en-US" sz="2000" dirty="0">
-                <a:latin typeface="Times New Roman" panose="02020603050405020304" pitchFamily="18" charset="0"/>
-                <a:cs typeface="Times New Roman" panose="02020603050405020304" pitchFamily="18" charset="0"/>
-              </a:rPr>
-              <a:t>Women with polycystic ovarian syndrome</a:t>
-            </a:r>
-          </a:p>
-          <a:p>
-            <a:pPr marL="800100" lvl="1" indent="-342900">
-              <a:buFont typeface="Arial" panose="020B0604020202020204" pitchFamily="34" charset="0"/>
-              <a:buChar char="•"/>
-            </a:pPr>
-            <a:r>
-              <a:rPr lang="en-US" sz="2000" dirty="0">
-                <a:latin typeface="Times New Roman" panose="02020603050405020304" pitchFamily="18" charset="0"/>
-                <a:cs typeface="Times New Roman" panose="02020603050405020304" pitchFamily="18" charset="0"/>
-              </a:rPr>
-              <a:t>Over 45 years of age</a:t>
-            </a:r>
-          </a:p>
-          <a:p>
-            <a:pPr marL="800100" lvl="1" indent="-342900">
-              <a:buFont typeface="Arial" panose="020B0604020202020204" pitchFamily="34" charset="0"/>
-              <a:buChar char="•"/>
-            </a:pPr>
-            <a:r>
-              <a:rPr lang="en-US" sz="2000" dirty="0">
-                <a:latin typeface="Times New Roman" panose="02020603050405020304" pitchFamily="18" charset="0"/>
-                <a:cs typeface="Times New Roman" panose="02020603050405020304" pitchFamily="18" charset="0"/>
-              </a:rPr>
-              <a:t>It has been more than the recommended time since you last HbA1c test</a:t>
-            </a:r>
-          </a:p>
-          <a:p>
-            <a:pPr marL="1257300" lvl="2" indent="-342900">
-              <a:buFont typeface="Arial" panose="020B0604020202020204" pitchFamily="34" charset="0"/>
-              <a:buChar char="•"/>
-            </a:pPr>
-            <a:r>
-              <a:rPr lang="en-US" sz="2000" dirty="0">
-                <a:latin typeface="Times New Roman" panose="02020603050405020304" pitchFamily="18" charset="0"/>
-                <a:cs typeface="Times New Roman" panose="02020603050405020304" pitchFamily="18" charset="0"/>
-              </a:rPr>
-              <a:t>Every year for prediabetics</a:t>
-            </a:r>
-          </a:p>
-          <a:p>
-            <a:pPr marL="1257300" lvl="2" indent="-342900">
-              <a:buFont typeface="Arial" panose="020B0604020202020204" pitchFamily="34" charset="0"/>
-              <a:buChar char="•"/>
-            </a:pPr>
-            <a:r>
-              <a:rPr lang="en-US" sz="2000" dirty="0">
-                <a:latin typeface="Times New Roman" panose="02020603050405020304" pitchFamily="18" charset="0"/>
-                <a:cs typeface="Times New Roman" panose="02020603050405020304" pitchFamily="18" charset="0"/>
-              </a:rPr>
-              <a:t>Every 3 years for women that have had gestational diabetes</a:t>
-            </a:r>
-          </a:p>
-          <a:p>
-            <a:pPr marL="1257300" lvl="2" indent="-342900">
-              <a:buFont typeface="Arial" panose="020B0604020202020204" pitchFamily="34" charset="0"/>
-              <a:buChar char="•"/>
-            </a:pPr>
-            <a:r>
-              <a:rPr lang="en-US" sz="2000" dirty="0">
-                <a:latin typeface="Times New Roman" panose="02020603050405020304" pitchFamily="18" charset="0"/>
-                <a:cs typeface="Times New Roman" panose="02020603050405020304" pitchFamily="18" charset="0"/>
-              </a:rPr>
-              <a:t>Every 3 years for individuals over 45 years of age</a:t>
+              <a:t>It appears very few screening programs outside of public health departments exist. </a:t>
             </a:r>
           </a:p>
         </p:txBody>
@@ -4382,7 +4333,7 @@
     </p:spTree>
     <p:extLst>
       <p:ext uri="{BB962C8B-B14F-4D97-AF65-F5344CB8AC3E}">
-        <p14:creationId xmlns:p14="http://schemas.microsoft.com/office/powerpoint/2010/main" val="2040519113"/>
+        <p14:creationId xmlns:p14="http://schemas.microsoft.com/office/powerpoint/2010/main" val="580854311"/>
       </p:ext>
     </p:extLst>
   </p:cSld>
@@ -4503,7 +4454,7 @@
                 <a:latin typeface="Times New Roman" panose="02020603050405020304" pitchFamily="18" charset="0"/>
                 <a:cs typeface="Times New Roman" panose="02020603050405020304" pitchFamily="18" charset="0"/>
               </a:rPr>
-              <a:t>How Would We Measure Success?</a:t>
+              <a:t>Suggestions for Improving this Measure</a:t>
             </a:r>
           </a:p>
         </p:txBody>
@@ -4559,7 +4510,7 @@
         <p:spPr>
           <a:xfrm>
             <a:off x="710045" y="1219767"/>
-            <a:ext cx="10583597" cy="2862322"/>
+            <a:ext cx="10583597" cy="4401205"/>
           </a:xfrm>
           <a:prstGeom prst="rect">
             <a:avLst/>
@@ -4581,11 +4532,11 @@
                 <a:latin typeface="Times New Roman" panose="02020603050405020304" pitchFamily="18" charset="0"/>
                 <a:cs typeface="Times New Roman" panose="02020603050405020304" pitchFamily="18" charset="0"/>
               </a:rPr>
-              <a:t>Successful implementation of a screening program would be measured by public health surveillance systems. </a:t>
-            </a:r>
-          </a:p>
-          <a:p>
-            <a:pPr marL="800100" lvl="1" indent="-342900">
+              <a:t>PLAN: Doctors have already been trained to screen for gestational diabetes. We suggest that they should now be trained to screen for type 2 diabetes for those at risk.</a:t>
+            </a:r>
+          </a:p>
+          <a:p>
+            <a:pPr marL="342900" indent="-342900">
               <a:buFont typeface="Arial" panose="020B0604020202020204" pitchFamily="34" charset="0"/>
               <a:buChar char="•"/>
             </a:pPr>
@@ -4594,7 +4545,7 @@
                 <a:latin typeface="Times New Roman" panose="02020603050405020304" pitchFamily="18" charset="0"/>
                 <a:cs typeface="Times New Roman" panose="02020603050405020304" pitchFamily="18" charset="0"/>
               </a:rPr>
-              <a:t>These systems can review health records to determine which patients should have been screened and which of those received screening. This would have to be completed by the local health departments because the nation is just too large to do this at a national scale. </a:t>
+              <a:t>DO: This would probably need to go through the American Medical College and be taught in medical schools and residency programs. Letters should be sent out to current primary care providers informing them of the screening guidelines set forth by the American Diabetes Association. Additionally, sources of funding for the testing needs to be determined. This will likely come from the insurance companies, which means that policies for insurance companies might need to be adjusted and public health funding for uninsured individuals will need to be set aside (which will need to be collected through increased taxes).</a:t>
             </a:r>
           </a:p>
           <a:p>
@@ -4607,7 +4558,20 @@
                 <a:latin typeface="Times New Roman" panose="02020603050405020304" pitchFamily="18" charset="0"/>
                 <a:cs typeface="Times New Roman" panose="02020603050405020304" pitchFamily="18" charset="0"/>
               </a:rPr>
-              <a:t>Any increase in screening rate would be considered a success, but a good first mark to achieve would be testing at least 50% of individuals that presented at each clinic that are considered at risk. After the first year, we would have to reassess. We might find that it would have been a stretch to reach 25%, or we might find that 75% of the hospitals or clinics achieved over 50%. </a:t>
+              <a:t>STUDY: Every year, a survey can be taken to determine the percentage of at-risk individuals that have been screened for T2DM per provider, clinic, hospital, city, county, and state. </a:t>
+            </a:r>
+          </a:p>
+          <a:p>
+            <a:pPr marL="342900" indent="-342900">
+              <a:buFont typeface="Arial" panose="020B0604020202020204" pitchFamily="34" charset="0"/>
+              <a:buChar char="•"/>
+            </a:pPr>
+            <a:r>
+              <a:rPr lang="en-US" sz="2000" dirty="0">
+                <a:latin typeface="Times New Roman" panose="02020603050405020304" pitchFamily="18" charset="0"/>
+                <a:cs typeface="Times New Roman" panose="02020603050405020304" pitchFamily="18" charset="0"/>
+              </a:rPr>
+              <a:t>ACT: As the results of the survey are collected, some incentive should be given to providers that have had good screening rates. Those that have not improved screening rates should be informed of incentives to offer screening to at-risk individuals. </a:t>
             </a:r>
           </a:p>
         </p:txBody>
@@ -4715,7 +4679,7 @@
     </p:spTree>
     <p:extLst>
       <p:ext uri="{BB962C8B-B14F-4D97-AF65-F5344CB8AC3E}">
-        <p14:creationId xmlns:p14="http://schemas.microsoft.com/office/powerpoint/2010/main" val="3960532613"/>
+        <p14:creationId xmlns:p14="http://schemas.microsoft.com/office/powerpoint/2010/main" val="2001725047"/>
       </p:ext>
     </p:extLst>
   </p:cSld>
@@ -4836,7 +4800,7 @@
                 <a:latin typeface="Times New Roman" panose="02020603050405020304" pitchFamily="18" charset="0"/>
                 <a:cs typeface="Times New Roman" panose="02020603050405020304" pitchFamily="18" charset="0"/>
               </a:rPr>
-              <a:t>Obtaining and Displaying Data</a:t>
+              <a:t>Suggestions for Improving this Measure</a:t>
             </a:r>
           </a:p>
         </p:txBody>
@@ -4892,7 +4856,7 @@
         <p:spPr>
           <a:xfrm>
             <a:off x="710045" y="1219767"/>
-            <a:ext cx="10583597" cy="5016758"/>
+            <a:ext cx="10583597" cy="4708981"/>
           </a:xfrm>
           <a:prstGeom prst="rect">
             <a:avLst/>
@@ -4914,11 +4878,11 @@
                 <a:latin typeface="Times New Roman" panose="02020603050405020304" pitchFamily="18" charset="0"/>
                 <a:cs typeface="Times New Roman" panose="02020603050405020304" pitchFamily="18" charset="0"/>
               </a:rPr>
-              <a:t>Data would be gathered by local health departments from clinics and hospitals that provide primary care. This must include both those that were screened and those that should have been screened.</a:t>
-            </a:r>
-          </a:p>
-          <a:p>
-            <a:pPr marL="342900" indent="-342900">
+              <a:t>As part of improving this measure, primary care offices could offered a free software program to throw a flag any time someone meets the screening criteria proposed by the ADA. </a:t>
+            </a:r>
+          </a:p>
+          <a:p>
+            <a:pPr marL="800100" lvl="1" indent="-342900">
               <a:buFont typeface="Arial" panose="020B0604020202020204" pitchFamily="34" charset="0"/>
               <a:buChar char="•"/>
             </a:pPr>
@@ -4927,7 +4891,7 @@
                 <a:latin typeface="Times New Roman" panose="02020603050405020304" pitchFamily="18" charset="0"/>
                 <a:cs typeface="Times New Roman" panose="02020603050405020304" pitchFamily="18" charset="0"/>
               </a:rPr>
-              <a:t>Data would be analyzed by groups in the local health departments. Although each local health department would display the results in their own style, a couple of suggestions might be:</a:t>
+              <a:t>First-degree relative with diabetes</a:t>
             </a:r>
           </a:p>
           <a:p>
@@ -4940,7 +4904,7 @@
                 <a:latin typeface="Times New Roman" panose="02020603050405020304" pitchFamily="18" charset="0"/>
                 <a:cs typeface="Times New Roman" panose="02020603050405020304" pitchFamily="18" charset="0"/>
               </a:rPr>
-              <a:t>Map of the area where each county (or portion of the county) is shaded a different color based on the average screening success of the clinics in the area</a:t>
+              <a:t>High risk race/ethnicity (African American, Latino, Native American, Asian American, or Pacific Islander)</a:t>
             </a:r>
           </a:p>
           <a:p>
@@ -4953,7 +4917,7 @@
                 <a:latin typeface="Times New Roman" panose="02020603050405020304" pitchFamily="18" charset="0"/>
                 <a:cs typeface="Times New Roman" panose="02020603050405020304" pitchFamily="18" charset="0"/>
               </a:rPr>
-              <a:t>Map of the area with different dots for each hospital or clinic. The size of the dot could represent the number of patients that presented at that clinic that needed screening and the color could represent the proportion that received screening. </a:t>
+              <a:t>History of Cardiovascular Disease (CVD)</a:t>
             </a:r>
           </a:p>
           <a:p>
@@ -4966,7 +4930,111 @@
                 <a:latin typeface="Times New Roman" panose="02020603050405020304" pitchFamily="18" charset="0"/>
                 <a:cs typeface="Times New Roman" panose="02020603050405020304" pitchFamily="18" charset="0"/>
               </a:rPr>
-              <a:t>This one would require addresses and thus probably IRB approval, but it would be interesting to show maps of the neighborhoods where individuals live that needed screening and received it versus didn’t receive it. This would indicate things such as areas that perhaps have a low SES status or cultural or other barriers (like language) that prevented them from being willing to be screened. This could inform us of the need for other interventions, such as opening more low income clinics or Spanish clinics in those areas. </a:t>
+              <a:t>Hypertension</a:t>
+            </a:r>
+          </a:p>
+          <a:p>
+            <a:pPr marL="800100" lvl="1" indent="-342900">
+              <a:buFont typeface="Arial" panose="020B0604020202020204" pitchFamily="34" charset="0"/>
+              <a:buChar char="•"/>
+            </a:pPr>
+            <a:r>
+              <a:rPr lang="en-US" sz="2000" dirty="0">
+                <a:latin typeface="Times New Roman" panose="02020603050405020304" pitchFamily="18" charset="0"/>
+                <a:cs typeface="Times New Roman" panose="02020603050405020304" pitchFamily="18" charset="0"/>
+              </a:rPr>
+              <a:t>Low HDL Cholesterol or high LDL Cholesterol</a:t>
+            </a:r>
+          </a:p>
+          <a:p>
+            <a:pPr marL="800100" lvl="1" indent="-342900">
+              <a:buFont typeface="Arial" panose="020B0604020202020204" pitchFamily="34" charset="0"/>
+              <a:buChar char="•"/>
+            </a:pPr>
+            <a:r>
+              <a:rPr lang="en-US" sz="2000" dirty="0">
+                <a:latin typeface="Times New Roman" panose="02020603050405020304" pitchFamily="18" charset="0"/>
+                <a:cs typeface="Times New Roman" panose="02020603050405020304" pitchFamily="18" charset="0"/>
+              </a:rPr>
+              <a:t>Physical inactivity</a:t>
+            </a:r>
+          </a:p>
+          <a:p>
+            <a:pPr marL="800100" lvl="1" indent="-342900">
+              <a:buFont typeface="Arial" panose="020B0604020202020204" pitchFamily="34" charset="0"/>
+              <a:buChar char="•"/>
+            </a:pPr>
+            <a:r>
+              <a:rPr lang="en-US" sz="2000" dirty="0">
+                <a:latin typeface="Times New Roman" panose="02020603050405020304" pitchFamily="18" charset="0"/>
+                <a:cs typeface="Times New Roman" panose="02020603050405020304" pitchFamily="18" charset="0"/>
+              </a:rPr>
+              <a:t>Women with polycystic ovarian syndrome</a:t>
+            </a:r>
+          </a:p>
+          <a:p>
+            <a:pPr marL="800100" lvl="1" indent="-342900">
+              <a:buFont typeface="Arial" panose="020B0604020202020204" pitchFamily="34" charset="0"/>
+              <a:buChar char="•"/>
+            </a:pPr>
+            <a:r>
+              <a:rPr lang="en-US" sz="2000" dirty="0">
+                <a:latin typeface="Times New Roman" panose="02020603050405020304" pitchFamily="18" charset="0"/>
+                <a:cs typeface="Times New Roman" panose="02020603050405020304" pitchFamily="18" charset="0"/>
+              </a:rPr>
+              <a:t>Over 45 years of age</a:t>
+            </a:r>
+          </a:p>
+          <a:p>
+            <a:pPr marL="800100" lvl="1" indent="-342900">
+              <a:buFont typeface="Arial" panose="020B0604020202020204" pitchFamily="34" charset="0"/>
+              <a:buChar char="•"/>
+            </a:pPr>
+            <a:r>
+              <a:rPr lang="en-US" sz="2000" dirty="0">
+                <a:latin typeface="Times New Roman" panose="02020603050405020304" pitchFamily="18" charset="0"/>
+                <a:cs typeface="Times New Roman" panose="02020603050405020304" pitchFamily="18" charset="0"/>
+              </a:rPr>
+              <a:t>It has been more than the recommended time since you last HbA1c test</a:t>
+            </a:r>
+          </a:p>
+          <a:p>
+            <a:pPr marL="1257300" lvl="2" indent="-342900">
+              <a:buFont typeface="Arial" panose="020B0604020202020204" pitchFamily="34" charset="0"/>
+              <a:buChar char="•"/>
+            </a:pPr>
+            <a:r>
+              <a:rPr lang="en-US" sz="2000" dirty="0">
+                <a:latin typeface="Times New Roman" panose="02020603050405020304" pitchFamily="18" charset="0"/>
+                <a:cs typeface="Times New Roman" panose="02020603050405020304" pitchFamily="18" charset="0"/>
+              </a:rPr>
+              <a:t>Every year for prediabetics</a:t>
+            </a:r>
+          </a:p>
+          <a:p>
+            <a:pPr marL="1257300" lvl="2" indent="-342900">
+              <a:buFont typeface="Arial" panose="020B0604020202020204" pitchFamily="34" charset="0"/>
+              <a:buChar char="•"/>
+            </a:pPr>
+            <a:r>
+              <a:rPr lang="en-US" sz="2000" dirty="0">
+                <a:latin typeface="Times New Roman" panose="02020603050405020304" pitchFamily="18" charset="0"/>
+                <a:cs typeface="Times New Roman" panose="02020603050405020304" pitchFamily="18" charset="0"/>
+              </a:rPr>
+              <a:t>Every 3 years for women that have had gestational diabetes</a:t>
+            </a:r>
+          </a:p>
+          <a:p>
+            <a:pPr marL="1257300" lvl="2" indent="-342900">
+              <a:buFont typeface="Arial" panose="020B0604020202020204" pitchFamily="34" charset="0"/>
+              <a:buChar char="•"/>
+            </a:pPr>
+            <a:r>
+              <a:rPr lang="en-US" sz="2000" dirty="0">
+                <a:latin typeface="Times New Roman" panose="02020603050405020304" pitchFamily="18" charset="0"/>
+                <a:cs typeface="Times New Roman" panose="02020603050405020304" pitchFamily="18" charset="0"/>
+              </a:rPr>
+              <a:t>Every 3 years for individuals over 45 years of age</a:t>
             </a:r>
           </a:p>
         </p:txBody>
@@ -5074,7 +5142,7 @@
     </p:spTree>
     <p:extLst>
       <p:ext uri="{BB962C8B-B14F-4D97-AF65-F5344CB8AC3E}">
-        <p14:creationId xmlns:p14="http://schemas.microsoft.com/office/powerpoint/2010/main" val="2897463494"/>
+        <p14:creationId xmlns:p14="http://schemas.microsoft.com/office/powerpoint/2010/main" val="2040519113"/>
       </p:ext>
     </p:extLst>
   </p:cSld>
@@ -5195,7 +5263,7 @@
                 <a:latin typeface="Times New Roman" panose="02020603050405020304" pitchFamily="18" charset="0"/>
                 <a:cs typeface="Times New Roman" panose="02020603050405020304" pitchFamily="18" charset="0"/>
               </a:rPr>
-              <a:t>Obtaining and Displaying Data</a:t>
+              <a:t>How Would We Measure Success?</a:t>
             </a:r>
           </a:p>
         </p:txBody>
@@ -5242,6 +5310,68 @@
           </a:fontRef>
         </p:style>
       </p:cxnSp>
+      <p:sp>
+        <p:nvSpPr>
+          <p:cNvPr id="32" name="TextBox 31"/>
+          <p:cNvSpPr txBox="1"/>
+          <p:nvPr/>
+        </p:nvSpPr>
+        <p:spPr>
+          <a:xfrm>
+            <a:off x="710045" y="1219767"/>
+            <a:ext cx="10583597" cy="2862322"/>
+          </a:xfrm>
+          <a:prstGeom prst="rect">
+            <a:avLst/>
+          </a:prstGeom>
+          <a:noFill/>
+        </p:spPr>
+        <p:txBody>
+          <a:bodyPr wrap="square" rtlCol="0">
+            <a:spAutoFit/>
+          </a:bodyPr>
+          <a:lstStyle/>
+          <a:p>
+            <a:pPr marL="342900" indent="-342900">
+              <a:buFont typeface="Arial" panose="020B0604020202020204" pitchFamily="34" charset="0"/>
+              <a:buChar char="•"/>
+            </a:pPr>
+            <a:r>
+              <a:rPr lang="en-US" sz="2000" dirty="0">
+                <a:latin typeface="Times New Roman" panose="02020603050405020304" pitchFamily="18" charset="0"/>
+                <a:cs typeface="Times New Roman" panose="02020603050405020304" pitchFamily="18" charset="0"/>
+              </a:rPr>
+              <a:t>Successful implementation of a screening program would be measured by public health surveillance systems. </a:t>
+            </a:r>
+          </a:p>
+          <a:p>
+            <a:pPr marL="800100" lvl="1" indent="-342900">
+              <a:buFont typeface="Arial" panose="020B0604020202020204" pitchFamily="34" charset="0"/>
+              <a:buChar char="•"/>
+            </a:pPr>
+            <a:r>
+              <a:rPr lang="en-US" sz="2000" dirty="0">
+                <a:latin typeface="Times New Roman" panose="02020603050405020304" pitchFamily="18" charset="0"/>
+                <a:cs typeface="Times New Roman" panose="02020603050405020304" pitchFamily="18" charset="0"/>
+              </a:rPr>
+              <a:t>These systems can review health records to determine which patients should have been screened and which of those received screening. This would have to be completed by the local health departments because the nation is just too large to do this at a national scale. </a:t>
+            </a:r>
+          </a:p>
+          <a:p>
+            <a:pPr marL="342900" indent="-342900">
+              <a:buFont typeface="Arial" panose="020B0604020202020204" pitchFamily="34" charset="0"/>
+              <a:buChar char="•"/>
+            </a:pPr>
+            <a:r>
+              <a:rPr lang="en-US" sz="2000" dirty="0">
+                <a:latin typeface="Times New Roman" panose="02020603050405020304" pitchFamily="18" charset="0"/>
+                <a:cs typeface="Times New Roman" panose="02020603050405020304" pitchFamily="18" charset="0"/>
+              </a:rPr>
+              <a:t>Any increase in screening rate would be considered a success, but a good first mark to achieve would be testing at least 50% of individuals that presented at each clinic that are considered at risk. After the first year, we would have to reassess. We might find that it would have been a stretch to reach 25%, or we might find that 75% of the hospitals or clinics achieved over 50%. </a:t>
+            </a:r>
+          </a:p>
+        </p:txBody>
+      </p:sp>
       <p:sp>
         <p:nvSpPr>
           <p:cNvPr id="12" name="Rectangle 11">
@@ -5342,138 +5472,10 @@
           </a:fontRef>
         </p:style>
       </p:cxnSp>
-      <p:pic>
-        <p:nvPicPr>
-          <p:cNvPr id="2" name="Picture 1">
-            <a:extLst>
-              <a:ext uri="{FF2B5EF4-FFF2-40B4-BE49-F238E27FC236}">
-                <a16:creationId xmlns:a16="http://schemas.microsoft.com/office/drawing/2014/main" id="{D7B6F34A-5A19-6E4E-8646-BA153585E3D1}"/>
-              </a:ext>
-            </a:extLst>
-          </p:cNvPr>
-          <p:cNvPicPr>
-            <a:picLocks noChangeAspect="1"/>
-          </p:cNvPicPr>
-          <p:nvPr/>
-        </p:nvPicPr>
-        <p:blipFill>
-          <a:blip r:embed="rId3"/>
-          <a:stretch>
-            <a:fillRect/>
-          </a:stretch>
-        </p:blipFill>
-        <p:spPr>
-          <a:xfrm>
-            <a:off x="294566" y="1329862"/>
-            <a:ext cx="5568212" cy="3393129"/>
-          </a:xfrm>
-          <a:prstGeom prst="rect">
-            <a:avLst/>
-          </a:prstGeom>
-        </p:spPr>
-      </p:pic>
-      <p:pic>
-        <p:nvPicPr>
-          <p:cNvPr id="3" name="Picture 2">
-            <a:extLst>
-              <a:ext uri="{FF2B5EF4-FFF2-40B4-BE49-F238E27FC236}">
-                <a16:creationId xmlns:a16="http://schemas.microsoft.com/office/drawing/2014/main" id="{3FC7282B-049F-7E4D-B9F7-2AA36FE55210}"/>
-              </a:ext>
-            </a:extLst>
-          </p:cNvPr>
-          <p:cNvPicPr>
-            <a:picLocks noChangeAspect="1"/>
-          </p:cNvPicPr>
-          <p:nvPr/>
-        </p:nvPicPr>
-        <p:blipFill>
-          <a:blip r:embed="rId4"/>
-          <a:stretch>
-            <a:fillRect/>
-          </a:stretch>
-        </p:blipFill>
-        <p:spPr>
-          <a:xfrm>
-            <a:off x="6329224" y="1328610"/>
-            <a:ext cx="5435441" cy="3767323"/>
-          </a:xfrm>
-          <a:prstGeom prst="rect">
-            <a:avLst/>
-          </a:prstGeom>
-        </p:spPr>
-      </p:pic>
-      <p:sp>
-        <p:nvSpPr>
-          <p:cNvPr id="4" name="TextBox 3">
-            <a:extLst>
-              <a:ext uri="{FF2B5EF4-FFF2-40B4-BE49-F238E27FC236}">
-                <a16:creationId xmlns:a16="http://schemas.microsoft.com/office/drawing/2014/main" id="{CA540424-379D-4943-925B-9C49487365A1}"/>
-              </a:ext>
-            </a:extLst>
-          </p:cNvPr>
-          <p:cNvSpPr txBox="1"/>
-          <p:nvPr/>
-        </p:nvSpPr>
-        <p:spPr>
-          <a:xfrm>
-            <a:off x="3519376" y="5688524"/>
-            <a:ext cx="3987210" cy="923330"/>
-          </a:xfrm>
-          <a:prstGeom prst="rect">
-            <a:avLst/>
-          </a:prstGeom>
-          <a:noFill/>
-        </p:spPr>
-        <p:txBody>
-          <a:bodyPr wrap="square" rtlCol="0">
-            <a:spAutoFit/>
-          </a:bodyPr>
-          <a:lstStyle/>
-          <a:p>
-            <a:r>
-              <a:rPr lang="en-US" dirty="0">
-                <a:latin typeface="Times New Roman" panose="02020603050405020304" pitchFamily="18" charset="0"/>
-                <a:cs typeface="Times New Roman" panose="02020603050405020304" pitchFamily="18" charset="0"/>
-              </a:rPr>
-              <a:t>Examples of color maps, </a:t>
-            </a:r>
-            <a:r>
-              <a:rPr lang="en-US" dirty="0">
-                <a:latin typeface="Times New Roman" panose="02020603050405020304" pitchFamily="18" charset="0"/>
-                <a:cs typeface="Times New Roman" panose="02020603050405020304" pitchFamily="18" charset="0"/>
-                <a:hlinkClick r:id="rId5"/>
-              </a:rPr>
-              <a:t>http://www.city-data.com</a:t>
-            </a:r>
-            <a:r>
-              <a:rPr lang="en-US" dirty="0">
-                <a:latin typeface="Times New Roman" panose="02020603050405020304" pitchFamily="18" charset="0"/>
-                <a:cs typeface="Times New Roman" panose="02020603050405020304" pitchFamily="18" charset="0"/>
-              </a:rPr>
-              <a:t>, </a:t>
-            </a:r>
-            <a:r>
-              <a:rPr lang="en-US" dirty="0">
-                <a:latin typeface="Times New Roman" panose="02020603050405020304" pitchFamily="18" charset="0"/>
-                <a:cs typeface="Times New Roman" panose="02020603050405020304" pitchFamily="18" charset="0"/>
-                <a:hlinkClick r:id="rId6"/>
-              </a:rPr>
-              <a:t>http://shamaniceconomist.blogspot.com</a:t>
-            </a:r>
-            <a:r>
-              <a:rPr lang="en-US" dirty="0">
-                <a:latin typeface="Times New Roman" panose="02020603050405020304" pitchFamily="18" charset="0"/>
-                <a:cs typeface="Times New Roman" panose="02020603050405020304" pitchFamily="18" charset="0"/>
-              </a:rPr>
-              <a:t> </a:t>
-            </a:r>
-          </a:p>
-        </p:txBody>
-      </p:sp>
     </p:spTree>
     <p:extLst>
       <p:ext uri="{BB962C8B-B14F-4D97-AF65-F5344CB8AC3E}">
-        <p14:creationId xmlns:p14="http://schemas.microsoft.com/office/powerpoint/2010/main" val="36358330"/>
+        <p14:creationId xmlns:p14="http://schemas.microsoft.com/office/powerpoint/2010/main" val="3960532613"/>
       </p:ext>
     </p:extLst>
   </p:cSld>
@@ -5643,6 +5645,94 @@
       </p:cxnSp>
       <p:sp>
         <p:nvSpPr>
+          <p:cNvPr id="32" name="TextBox 31"/>
+          <p:cNvSpPr txBox="1"/>
+          <p:nvPr/>
+        </p:nvSpPr>
+        <p:spPr>
+          <a:xfrm>
+            <a:off x="710045" y="1219767"/>
+            <a:ext cx="10583597" cy="5016758"/>
+          </a:xfrm>
+          <a:prstGeom prst="rect">
+            <a:avLst/>
+          </a:prstGeom>
+          <a:noFill/>
+        </p:spPr>
+        <p:txBody>
+          <a:bodyPr wrap="square" rtlCol="0">
+            <a:spAutoFit/>
+          </a:bodyPr>
+          <a:lstStyle/>
+          <a:p>
+            <a:pPr marL="342900" indent="-342900">
+              <a:buFont typeface="Arial" panose="020B0604020202020204" pitchFamily="34" charset="0"/>
+              <a:buChar char="•"/>
+            </a:pPr>
+            <a:r>
+              <a:rPr lang="en-US" sz="2000" dirty="0">
+                <a:latin typeface="Times New Roman" panose="02020603050405020304" pitchFamily="18" charset="0"/>
+                <a:cs typeface="Times New Roman" panose="02020603050405020304" pitchFamily="18" charset="0"/>
+              </a:rPr>
+              <a:t>Data would be gathered by local health departments from clinics and hospitals that provide primary care. This must include both those that were screened and those that should have been screened.</a:t>
+            </a:r>
+          </a:p>
+          <a:p>
+            <a:pPr marL="342900" indent="-342900">
+              <a:buFont typeface="Arial" panose="020B0604020202020204" pitchFamily="34" charset="0"/>
+              <a:buChar char="•"/>
+            </a:pPr>
+            <a:r>
+              <a:rPr lang="en-US" sz="2000" dirty="0">
+                <a:latin typeface="Times New Roman" panose="02020603050405020304" pitchFamily="18" charset="0"/>
+                <a:cs typeface="Times New Roman" panose="02020603050405020304" pitchFamily="18" charset="0"/>
+              </a:rPr>
+              <a:t>Data would be analyzed by groups in the local health departments. Although each local health department would display the results in their own style, a couple of suggestions might be:</a:t>
+            </a:r>
+          </a:p>
+          <a:p>
+            <a:pPr marL="800100" lvl="1" indent="-342900">
+              <a:buFont typeface="Arial" panose="020B0604020202020204" pitchFamily="34" charset="0"/>
+              <a:buChar char="•"/>
+            </a:pPr>
+            <a:r>
+              <a:rPr lang="en-US" sz="2000" dirty="0">
+                <a:latin typeface="Times New Roman" panose="02020603050405020304" pitchFamily="18" charset="0"/>
+                <a:cs typeface="Times New Roman" panose="02020603050405020304" pitchFamily="18" charset="0"/>
+              </a:rPr>
+              <a:t>Map of the area where each county (or portion of the county) is shaded a different color based on the average screening success of the clinics in the area</a:t>
+            </a:r>
+          </a:p>
+          <a:p>
+            <a:pPr marL="800100" lvl="1" indent="-342900">
+              <a:buFont typeface="Arial" panose="020B0604020202020204" pitchFamily="34" charset="0"/>
+              <a:buChar char="•"/>
+            </a:pPr>
+            <a:r>
+              <a:rPr lang="en-US" sz="2000" dirty="0">
+                <a:latin typeface="Times New Roman" panose="02020603050405020304" pitchFamily="18" charset="0"/>
+                <a:cs typeface="Times New Roman" panose="02020603050405020304" pitchFamily="18" charset="0"/>
+              </a:rPr>
+              <a:t>Map of the area with different dots for each hospital or clinic. The size of the dot could represent the number of patients that presented at that clinic that needed screening and the color could represent the proportion that received screening. </a:t>
+            </a:r>
+          </a:p>
+          <a:p>
+            <a:pPr marL="800100" lvl="1" indent="-342900">
+              <a:buFont typeface="Arial" panose="020B0604020202020204" pitchFamily="34" charset="0"/>
+              <a:buChar char="•"/>
+            </a:pPr>
+            <a:r>
+              <a:rPr lang="en-US" sz="2000" dirty="0">
+                <a:latin typeface="Times New Roman" panose="02020603050405020304" pitchFamily="18" charset="0"/>
+                <a:cs typeface="Times New Roman" panose="02020603050405020304" pitchFamily="18" charset="0"/>
+              </a:rPr>
+              <a:t>This one would require addresses and thus probably IRB approval, but it would be interesting to show maps of the neighborhoods where individuals live that needed screening and received it versus didn’t receive it. This would indicate things such as areas that perhaps have a low SES status or cultural or other barriers (like language) that prevented them from being willing to be screened. This could inform us of the need for other interventions, such as opening more low income clinics or Spanish clinics in those areas. </a:t>
+            </a:r>
+          </a:p>
+        </p:txBody>
+      </p:sp>
+      <p:sp>
+        <p:nvSpPr>
           <p:cNvPr id="12" name="Rectangle 11">
             <a:extLst>
               <a:ext uri="{FF2B5EF4-FFF2-40B4-BE49-F238E27FC236}">
@@ -5741,78 +5831,10 @@
           </a:fontRef>
         </p:style>
       </p:cxnSp>
-      <p:sp>
-        <p:nvSpPr>
-          <p:cNvPr id="4" name="TextBox 3">
-            <a:extLst>
-              <a:ext uri="{FF2B5EF4-FFF2-40B4-BE49-F238E27FC236}">
-                <a16:creationId xmlns:a16="http://schemas.microsoft.com/office/drawing/2014/main" id="{CA540424-379D-4943-925B-9C49487365A1}"/>
-              </a:ext>
-            </a:extLst>
-          </p:cNvPr>
-          <p:cNvSpPr txBox="1"/>
-          <p:nvPr/>
-        </p:nvSpPr>
-        <p:spPr>
-          <a:xfrm>
-            <a:off x="3519376" y="5688524"/>
-            <a:ext cx="3987210" cy="369332"/>
-          </a:xfrm>
-          <a:prstGeom prst="rect">
-            <a:avLst/>
-          </a:prstGeom>
-          <a:noFill/>
-        </p:spPr>
-        <p:txBody>
-          <a:bodyPr wrap="square" rtlCol="0">
-            <a:spAutoFit/>
-          </a:bodyPr>
-          <a:lstStyle/>
-          <a:p>
-            <a:r>
-              <a:rPr lang="en-US" dirty="0">
-                <a:latin typeface="Times New Roman" panose="02020603050405020304" pitchFamily="18" charset="0"/>
-                <a:cs typeface="Times New Roman" panose="02020603050405020304" pitchFamily="18" charset="0"/>
-              </a:rPr>
-              <a:t>Examples of map by hospital type plot</a:t>
-            </a:r>
-          </a:p>
-        </p:txBody>
-      </p:sp>
-      <p:pic>
-        <p:nvPicPr>
-          <p:cNvPr id="6" name="Picture 5">
-            <a:extLst>
-              <a:ext uri="{FF2B5EF4-FFF2-40B4-BE49-F238E27FC236}">
-                <a16:creationId xmlns:a16="http://schemas.microsoft.com/office/drawing/2014/main" id="{FA3EC890-B8D8-4C4B-9172-3020F8DA708E}"/>
-              </a:ext>
-            </a:extLst>
-          </p:cNvPr>
-          <p:cNvPicPr>
-            <a:picLocks noChangeAspect="1"/>
-          </p:cNvPicPr>
-          <p:nvPr/>
-        </p:nvPicPr>
-        <p:blipFill>
-          <a:blip r:embed="rId3"/>
-          <a:stretch>
-            <a:fillRect/>
-          </a:stretch>
-        </p:blipFill>
-        <p:spPr>
-          <a:xfrm>
-            <a:off x="2940448" y="1306358"/>
-            <a:ext cx="5588000" cy="3556000"/>
-          </a:xfrm>
-          <a:prstGeom prst="rect">
-            <a:avLst/>
-          </a:prstGeom>
-        </p:spPr>
-      </p:pic>
     </p:spTree>
     <p:extLst>
       <p:ext uri="{BB962C8B-B14F-4D97-AF65-F5344CB8AC3E}">
-        <p14:creationId xmlns:p14="http://schemas.microsoft.com/office/powerpoint/2010/main" val="1498866013"/>
+        <p14:creationId xmlns:p14="http://schemas.microsoft.com/office/powerpoint/2010/main" val="2897463494"/>
       </p:ext>
     </p:extLst>
   </p:cSld>
@@ -5926,6 +5948,744 @@
           <a:p>
             <a:pPr algn="ctr"/>
             <a:r>
+              <a:rPr lang="en-US" sz="2800" b="1" dirty="0">
+                <a:solidFill>
+                  <a:schemeClr val="bg1"/>
+                </a:solidFill>
+                <a:latin typeface="Times New Roman" panose="02020603050405020304" pitchFamily="18" charset="0"/>
+                <a:cs typeface="Times New Roman" panose="02020603050405020304" pitchFamily="18" charset="0"/>
+              </a:rPr>
+              <a:t>Obtaining and Displaying Data</a:t>
+            </a:r>
+          </a:p>
+        </p:txBody>
+      </p:sp>
+      <p:cxnSp>
+        <p:nvCxnSpPr>
+          <p:cNvPr id="13" name="Straight Connector 12"/>
+          <p:cNvCxnSpPr/>
+          <p:nvPr/>
+        </p:nvCxnSpPr>
+        <p:spPr>
+          <a:xfrm flipV="1">
+            <a:off x="0" y="145473"/>
+            <a:ext cx="12192000" cy="0"/>
+          </a:xfrm>
+          <a:prstGeom prst="line">
+            <a:avLst/>
+          </a:prstGeom>
+          <a:ln>
+            <a:solidFill>
+              <a:srgbClr val="B20206"/>
+            </a:solidFill>
+          </a:ln>
+          <a:effectLst>
+            <a:outerShdw blurRad="50800" dist="38100" dir="2700000" algn="tl" rotWithShape="0">
+              <a:prstClr val="black">
+                <a:alpha val="40000"/>
+              </a:prstClr>
+            </a:outerShdw>
+          </a:effectLst>
+        </p:spPr>
+        <p:style>
+          <a:lnRef idx="2">
+            <a:schemeClr val="accent1"/>
+          </a:lnRef>
+          <a:fillRef idx="0">
+            <a:schemeClr val="accent1"/>
+          </a:fillRef>
+          <a:effectRef idx="1">
+            <a:schemeClr val="accent1"/>
+          </a:effectRef>
+          <a:fontRef idx="minor">
+            <a:schemeClr val="tx1"/>
+          </a:fontRef>
+        </p:style>
+      </p:cxnSp>
+      <p:sp>
+        <p:nvSpPr>
+          <p:cNvPr id="12" name="Rectangle 11">
+            <a:extLst>
+              <a:ext uri="{FF2B5EF4-FFF2-40B4-BE49-F238E27FC236}">
+                <a16:creationId xmlns:a16="http://schemas.microsoft.com/office/drawing/2014/main" id="{E3478910-3965-F74F-8647-D94350FC5BD6}"/>
+              </a:ext>
+            </a:extLst>
+          </p:cNvPr>
+          <p:cNvSpPr/>
+          <p:nvPr/>
+        </p:nvSpPr>
+        <p:spPr>
+          <a:xfrm>
+            <a:off x="546299" y="6530225"/>
+            <a:ext cx="2243275" cy="81289"/>
+          </a:xfrm>
+          <a:prstGeom prst="rect">
+            <a:avLst/>
+          </a:prstGeom>
+          <a:solidFill>
+            <a:schemeClr val="bg1"/>
+          </a:solidFill>
+          <a:ln>
+            <a:solidFill>
+              <a:schemeClr val="bg1"/>
+            </a:solidFill>
+          </a:ln>
+        </p:spPr>
+        <p:style>
+          <a:lnRef idx="2">
+            <a:schemeClr val="accent1">
+              <a:shade val="50000"/>
+            </a:schemeClr>
+          </a:lnRef>
+          <a:fillRef idx="1">
+            <a:schemeClr val="accent1"/>
+          </a:fillRef>
+          <a:effectRef idx="0">
+            <a:schemeClr val="accent1"/>
+          </a:effectRef>
+          <a:fontRef idx="minor">
+            <a:schemeClr val="lt1"/>
+          </a:fontRef>
+        </p:style>
+        <p:txBody>
+          <a:bodyPr rtlCol="0" anchor="ctr"/>
+          <a:lstStyle/>
+          <a:p>
+            <a:pPr algn="ctr"/>
+            <a:endParaRPr lang="en-US">
+              <a:latin typeface="Times New Roman" panose="02020603050405020304" pitchFamily="18" charset="0"/>
+              <a:cs typeface="Times New Roman" panose="02020603050405020304" pitchFamily="18" charset="0"/>
+            </a:endParaRPr>
+          </a:p>
+        </p:txBody>
+      </p:sp>
+      <p:cxnSp>
+        <p:nvCxnSpPr>
+          <p:cNvPr id="14" name="Straight Connector 13">
+            <a:extLst>
+              <a:ext uri="{FF2B5EF4-FFF2-40B4-BE49-F238E27FC236}">
+                <a16:creationId xmlns:a16="http://schemas.microsoft.com/office/drawing/2014/main" id="{207B32FE-F21C-414F-AD84-1849211E7F9C}"/>
+              </a:ext>
+            </a:extLst>
+          </p:cNvPr>
+          <p:cNvCxnSpPr>
+            <a:cxnSpLocks/>
+          </p:cNvCxnSpPr>
+          <p:nvPr/>
+        </p:nvCxnSpPr>
+        <p:spPr>
+          <a:xfrm>
+            <a:off x="571012" y="6554505"/>
+            <a:ext cx="11612880" cy="0"/>
+          </a:xfrm>
+          <a:prstGeom prst="line">
+            <a:avLst/>
+          </a:prstGeom>
+          <a:ln>
+            <a:solidFill>
+              <a:srgbClr val="B20206"/>
+            </a:solidFill>
+          </a:ln>
+        </p:spPr>
+        <p:style>
+          <a:lnRef idx="2">
+            <a:schemeClr val="accent1"/>
+          </a:lnRef>
+          <a:fillRef idx="0">
+            <a:schemeClr val="accent1"/>
+          </a:fillRef>
+          <a:effectRef idx="1">
+            <a:schemeClr val="accent1"/>
+          </a:effectRef>
+          <a:fontRef idx="minor">
+            <a:schemeClr val="tx1"/>
+          </a:fontRef>
+        </p:style>
+      </p:cxnSp>
+      <p:pic>
+        <p:nvPicPr>
+          <p:cNvPr id="2" name="Picture 1">
+            <a:extLst>
+              <a:ext uri="{FF2B5EF4-FFF2-40B4-BE49-F238E27FC236}">
+                <a16:creationId xmlns:a16="http://schemas.microsoft.com/office/drawing/2014/main" id="{D7B6F34A-5A19-6E4E-8646-BA153585E3D1}"/>
+              </a:ext>
+            </a:extLst>
+          </p:cNvPr>
+          <p:cNvPicPr>
+            <a:picLocks noChangeAspect="1"/>
+          </p:cNvPicPr>
+          <p:nvPr/>
+        </p:nvPicPr>
+        <p:blipFill>
+          <a:blip r:embed="rId3"/>
+          <a:stretch>
+            <a:fillRect/>
+          </a:stretch>
+        </p:blipFill>
+        <p:spPr>
+          <a:xfrm>
+            <a:off x="294566" y="1329862"/>
+            <a:ext cx="5568212" cy="3393129"/>
+          </a:xfrm>
+          <a:prstGeom prst="rect">
+            <a:avLst/>
+          </a:prstGeom>
+        </p:spPr>
+      </p:pic>
+      <p:pic>
+        <p:nvPicPr>
+          <p:cNvPr id="3" name="Picture 2">
+            <a:extLst>
+              <a:ext uri="{FF2B5EF4-FFF2-40B4-BE49-F238E27FC236}">
+                <a16:creationId xmlns:a16="http://schemas.microsoft.com/office/drawing/2014/main" id="{3FC7282B-049F-7E4D-B9F7-2AA36FE55210}"/>
+              </a:ext>
+            </a:extLst>
+          </p:cNvPr>
+          <p:cNvPicPr>
+            <a:picLocks noChangeAspect="1"/>
+          </p:cNvPicPr>
+          <p:nvPr/>
+        </p:nvPicPr>
+        <p:blipFill>
+          <a:blip r:embed="rId4"/>
+          <a:stretch>
+            <a:fillRect/>
+          </a:stretch>
+        </p:blipFill>
+        <p:spPr>
+          <a:xfrm>
+            <a:off x="6329224" y="1328610"/>
+            <a:ext cx="5435441" cy="3767323"/>
+          </a:xfrm>
+          <a:prstGeom prst="rect">
+            <a:avLst/>
+          </a:prstGeom>
+        </p:spPr>
+      </p:pic>
+      <p:sp>
+        <p:nvSpPr>
+          <p:cNvPr id="4" name="TextBox 3">
+            <a:extLst>
+              <a:ext uri="{FF2B5EF4-FFF2-40B4-BE49-F238E27FC236}">
+                <a16:creationId xmlns:a16="http://schemas.microsoft.com/office/drawing/2014/main" id="{CA540424-379D-4943-925B-9C49487365A1}"/>
+              </a:ext>
+            </a:extLst>
+          </p:cNvPr>
+          <p:cNvSpPr txBox="1"/>
+          <p:nvPr/>
+        </p:nvSpPr>
+        <p:spPr>
+          <a:xfrm>
+            <a:off x="3519376" y="5688524"/>
+            <a:ext cx="3987210" cy="923330"/>
+          </a:xfrm>
+          <a:prstGeom prst="rect">
+            <a:avLst/>
+          </a:prstGeom>
+          <a:noFill/>
+        </p:spPr>
+        <p:txBody>
+          <a:bodyPr wrap="square" rtlCol="0">
+            <a:spAutoFit/>
+          </a:bodyPr>
+          <a:lstStyle/>
+          <a:p>
+            <a:r>
+              <a:rPr lang="en-US" dirty="0">
+                <a:latin typeface="Times New Roman" panose="02020603050405020304" pitchFamily="18" charset="0"/>
+                <a:cs typeface="Times New Roman" panose="02020603050405020304" pitchFamily="18" charset="0"/>
+              </a:rPr>
+              <a:t>Examples of color maps, </a:t>
+            </a:r>
+            <a:r>
+              <a:rPr lang="en-US" dirty="0">
+                <a:latin typeface="Times New Roman" panose="02020603050405020304" pitchFamily="18" charset="0"/>
+                <a:cs typeface="Times New Roman" panose="02020603050405020304" pitchFamily="18" charset="0"/>
+                <a:hlinkClick r:id="rId5"/>
+              </a:rPr>
+              <a:t>http://www.city-data.com</a:t>
+            </a:r>
+            <a:r>
+              <a:rPr lang="en-US" dirty="0">
+                <a:latin typeface="Times New Roman" panose="02020603050405020304" pitchFamily="18" charset="0"/>
+                <a:cs typeface="Times New Roman" panose="02020603050405020304" pitchFamily="18" charset="0"/>
+              </a:rPr>
+              <a:t>, </a:t>
+            </a:r>
+            <a:r>
+              <a:rPr lang="en-US" dirty="0">
+                <a:latin typeface="Times New Roman" panose="02020603050405020304" pitchFamily="18" charset="0"/>
+                <a:cs typeface="Times New Roman" panose="02020603050405020304" pitchFamily="18" charset="0"/>
+                <a:hlinkClick r:id="rId6"/>
+              </a:rPr>
+              <a:t>http://shamaniceconomist.blogspot.com</a:t>
+            </a:r>
+            <a:r>
+              <a:rPr lang="en-US" dirty="0">
+                <a:latin typeface="Times New Roman" panose="02020603050405020304" pitchFamily="18" charset="0"/>
+                <a:cs typeface="Times New Roman" panose="02020603050405020304" pitchFamily="18" charset="0"/>
+              </a:rPr>
+              <a:t> </a:t>
+            </a:r>
+          </a:p>
+        </p:txBody>
+      </p:sp>
+    </p:spTree>
+    <p:extLst>
+      <p:ext uri="{BB962C8B-B14F-4D97-AF65-F5344CB8AC3E}">
+        <p14:creationId xmlns:p14="http://schemas.microsoft.com/office/powerpoint/2010/main" val="36358330"/>
+      </p:ext>
+    </p:extLst>
+  </p:cSld>
+  <p:clrMapOvr>
+    <a:masterClrMapping/>
+  </p:clrMapOvr>
+</p:sld>
+</file>
+
+<file path=ppt/slides/slide16.xml><?xml version="1.0" encoding="utf-8"?>
+<p:sld xmlns:a="http://schemas.openxmlformats.org/drawingml/2006/main" xmlns:r="http://schemas.openxmlformats.org/officeDocument/2006/relationships" xmlns:p="http://schemas.openxmlformats.org/presentationml/2006/main">
+  <p:cSld>
+    <p:spTree>
+      <p:nvGrpSpPr>
+        <p:cNvPr id="1" name=""/>
+        <p:cNvGrpSpPr/>
+        <p:nvPr/>
+      </p:nvGrpSpPr>
+      <p:grpSpPr>
+        <a:xfrm>
+          <a:off x="0" y="0"/>
+          <a:ext cx="0" cy="0"/>
+          <a:chOff x="0" y="0"/>
+          <a:chExt cx="0" cy="0"/>
+        </a:xfrm>
+      </p:grpSpPr>
+      <p:pic>
+        <p:nvPicPr>
+          <p:cNvPr id="11" name="Picture 10">
+            <a:extLst>
+              <a:ext uri="{FF2B5EF4-FFF2-40B4-BE49-F238E27FC236}">
+                <a16:creationId xmlns:a16="http://schemas.microsoft.com/office/drawing/2014/main" id="{23AB49DE-230D-1D4E-8D6D-F5F1BB3119D7}"/>
+              </a:ext>
+            </a:extLst>
+          </p:cNvPr>
+          <p:cNvPicPr>
+            <a:picLocks noChangeAspect="1"/>
+          </p:cNvPicPr>
+          <p:nvPr/>
+        </p:nvPicPr>
+        <p:blipFill rotWithShape="1">
+          <a:blip r:embed="rId2"/>
+          <a:srcRect t="-14245" b="14245"/>
+          <a:stretch/>
+        </p:blipFill>
+        <p:spPr>
+          <a:xfrm>
+            <a:off x="-236" y="5631944"/>
+            <a:ext cx="2470720" cy="1361793"/>
+          </a:xfrm>
+          <a:prstGeom prst="rect">
+            <a:avLst/>
+          </a:prstGeom>
+        </p:spPr>
+      </p:pic>
+      <p:sp>
+        <p:nvSpPr>
+          <p:cNvPr id="5" name="Title 1"/>
+          <p:cNvSpPr txBox="1">
+            <a:spLocks/>
+          </p:cNvSpPr>
+          <p:nvPr/>
+        </p:nvSpPr>
+        <p:spPr>
+          <a:xfrm>
+            <a:off x="0" y="193965"/>
+            <a:ext cx="12192000" cy="598635"/>
+          </a:xfrm>
+          <a:prstGeom prst="rect">
+            <a:avLst/>
+          </a:prstGeom>
+          <a:solidFill>
+            <a:srgbClr val="AD0103"/>
+          </a:solidFill>
+          <a:ln>
+            <a:solidFill>
+              <a:srgbClr val="B20206"/>
+            </a:solidFill>
+          </a:ln>
+          <a:effectLst>
+            <a:outerShdw blurRad="50800" dist="38100" dir="2700000" algn="tl" rotWithShape="0">
+              <a:prstClr val="black">
+                <a:alpha val="40000"/>
+              </a:prstClr>
+            </a:outerShdw>
+          </a:effectLst>
+        </p:spPr>
+        <p:txBody>
+          <a:bodyPr vert="horz" lIns="91440" tIns="45720" rIns="91440" bIns="45720" rtlCol="0" anchor="ctr">
+            <a:normAutofit/>
+          </a:bodyPr>
+          <a:lstStyle>
+            <a:lvl1pPr algn="l" defTabSz="914400" rtl="0" eaLnBrk="1" latinLnBrk="0" hangingPunct="1">
+              <a:lnSpc>
+                <a:spcPct val="90000"/>
+              </a:lnSpc>
+              <a:spcBef>
+                <a:spcPct val="0"/>
+              </a:spcBef>
+              <a:buNone/>
+              <a:defRPr sz="4400" kern="1200">
+                <a:solidFill>
+                  <a:schemeClr val="tx1"/>
+                </a:solidFill>
+                <a:latin typeface="+mj-lt"/>
+                <a:ea typeface="+mj-ea"/>
+                <a:cs typeface="+mj-cs"/>
+              </a:defRPr>
+            </a:lvl1pPr>
+          </a:lstStyle>
+          <a:p>
+            <a:pPr algn="ctr"/>
+            <a:r>
+              <a:rPr lang="en-US" sz="2800" b="1" dirty="0">
+                <a:solidFill>
+                  <a:schemeClr val="bg1"/>
+                </a:solidFill>
+                <a:latin typeface="Times New Roman" panose="02020603050405020304" pitchFamily="18" charset="0"/>
+                <a:cs typeface="Times New Roman" panose="02020603050405020304" pitchFamily="18" charset="0"/>
+              </a:rPr>
+              <a:t>Obtaining and Displaying Data</a:t>
+            </a:r>
+          </a:p>
+        </p:txBody>
+      </p:sp>
+      <p:cxnSp>
+        <p:nvCxnSpPr>
+          <p:cNvPr id="13" name="Straight Connector 12"/>
+          <p:cNvCxnSpPr/>
+          <p:nvPr/>
+        </p:nvCxnSpPr>
+        <p:spPr>
+          <a:xfrm flipV="1">
+            <a:off x="0" y="145473"/>
+            <a:ext cx="12192000" cy="0"/>
+          </a:xfrm>
+          <a:prstGeom prst="line">
+            <a:avLst/>
+          </a:prstGeom>
+          <a:ln>
+            <a:solidFill>
+              <a:srgbClr val="B20206"/>
+            </a:solidFill>
+          </a:ln>
+          <a:effectLst>
+            <a:outerShdw blurRad="50800" dist="38100" dir="2700000" algn="tl" rotWithShape="0">
+              <a:prstClr val="black">
+                <a:alpha val="40000"/>
+              </a:prstClr>
+            </a:outerShdw>
+          </a:effectLst>
+        </p:spPr>
+        <p:style>
+          <a:lnRef idx="2">
+            <a:schemeClr val="accent1"/>
+          </a:lnRef>
+          <a:fillRef idx="0">
+            <a:schemeClr val="accent1"/>
+          </a:fillRef>
+          <a:effectRef idx="1">
+            <a:schemeClr val="accent1"/>
+          </a:effectRef>
+          <a:fontRef idx="minor">
+            <a:schemeClr val="tx1"/>
+          </a:fontRef>
+        </p:style>
+      </p:cxnSp>
+      <p:sp>
+        <p:nvSpPr>
+          <p:cNvPr id="12" name="Rectangle 11">
+            <a:extLst>
+              <a:ext uri="{FF2B5EF4-FFF2-40B4-BE49-F238E27FC236}">
+                <a16:creationId xmlns:a16="http://schemas.microsoft.com/office/drawing/2014/main" id="{E3478910-3965-F74F-8647-D94350FC5BD6}"/>
+              </a:ext>
+            </a:extLst>
+          </p:cNvPr>
+          <p:cNvSpPr/>
+          <p:nvPr/>
+        </p:nvSpPr>
+        <p:spPr>
+          <a:xfrm>
+            <a:off x="546299" y="6530225"/>
+            <a:ext cx="2243275" cy="81289"/>
+          </a:xfrm>
+          <a:prstGeom prst="rect">
+            <a:avLst/>
+          </a:prstGeom>
+          <a:solidFill>
+            <a:schemeClr val="bg1"/>
+          </a:solidFill>
+          <a:ln>
+            <a:solidFill>
+              <a:schemeClr val="bg1"/>
+            </a:solidFill>
+          </a:ln>
+        </p:spPr>
+        <p:style>
+          <a:lnRef idx="2">
+            <a:schemeClr val="accent1">
+              <a:shade val="50000"/>
+            </a:schemeClr>
+          </a:lnRef>
+          <a:fillRef idx="1">
+            <a:schemeClr val="accent1"/>
+          </a:fillRef>
+          <a:effectRef idx="0">
+            <a:schemeClr val="accent1"/>
+          </a:effectRef>
+          <a:fontRef idx="minor">
+            <a:schemeClr val="lt1"/>
+          </a:fontRef>
+        </p:style>
+        <p:txBody>
+          <a:bodyPr rtlCol="0" anchor="ctr"/>
+          <a:lstStyle/>
+          <a:p>
+            <a:pPr algn="ctr"/>
+            <a:endParaRPr lang="en-US">
+              <a:latin typeface="Times New Roman" panose="02020603050405020304" pitchFamily="18" charset="0"/>
+              <a:cs typeface="Times New Roman" panose="02020603050405020304" pitchFamily="18" charset="0"/>
+            </a:endParaRPr>
+          </a:p>
+        </p:txBody>
+      </p:sp>
+      <p:cxnSp>
+        <p:nvCxnSpPr>
+          <p:cNvPr id="14" name="Straight Connector 13">
+            <a:extLst>
+              <a:ext uri="{FF2B5EF4-FFF2-40B4-BE49-F238E27FC236}">
+                <a16:creationId xmlns:a16="http://schemas.microsoft.com/office/drawing/2014/main" id="{207B32FE-F21C-414F-AD84-1849211E7F9C}"/>
+              </a:ext>
+            </a:extLst>
+          </p:cNvPr>
+          <p:cNvCxnSpPr>
+            <a:cxnSpLocks/>
+          </p:cNvCxnSpPr>
+          <p:nvPr/>
+        </p:nvCxnSpPr>
+        <p:spPr>
+          <a:xfrm>
+            <a:off x="571012" y="6554505"/>
+            <a:ext cx="11612880" cy="0"/>
+          </a:xfrm>
+          <a:prstGeom prst="line">
+            <a:avLst/>
+          </a:prstGeom>
+          <a:ln>
+            <a:solidFill>
+              <a:srgbClr val="B20206"/>
+            </a:solidFill>
+          </a:ln>
+        </p:spPr>
+        <p:style>
+          <a:lnRef idx="2">
+            <a:schemeClr val="accent1"/>
+          </a:lnRef>
+          <a:fillRef idx="0">
+            <a:schemeClr val="accent1"/>
+          </a:fillRef>
+          <a:effectRef idx="1">
+            <a:schemeClr val="accent1"/>
+          </a:effectRef>
+          <a:fontRef idx="minor">
+            <a:schemeClr val="tx1"/>
+          </a:fontRef>
+        </p:style>
+      </p:cxnSp>
+      <p:sp>
+        <p:nvSpPr>
+          <p:cNvPr id="4" name="TextBox 3">
+            <a:extLst>
+              <a:ext uri="{FF2B5EF4-FFF2-40B4-BE49-F238E27FC236}">
+                <a16:creationId xmlns:a16="http://schemas.microsoft.com/office/drawing/2014/main" id="{CA540424-379D-4943-925B-9C49487365A1}"/>
+              </a:ext>
+            </a:extLst>
+          </p:cNvPr>
+          <p:cNvSpPr txBox="1"/>
+          <p:nvPr/>
+        </p:nvSpPr>
+        <p:spPr>
+          <a:xfrm>
+            <a:off x="3519376" y="5688524"/>
+            <a:ext cx="3987210" cy="369332"/>
+          </a:xfrm>
+          <a:prstGeom prst="rect">
+            <a:avLst/>
+          </a:prstGeom>
+          <a:noFill/>
+        </p:spPr>
+        <p:txBody>
+          <a:bodyPr wrap="square" rtlCol="0">
+            <a:spAutoFit/>
+          </a:bodyPr>
+          <a:lstStyle/>
+          <a:p>
+            <a:r>
+              <a:rPr lang="en-US" dirty="0">
+                <a:latin typeface="Times New Roman" panose="02020603050405020304" pitchFamily="18" charset="0"/>
+                <a:cs typeface="Times New Roman" panose="02020603050405020304" pitchFamily="18" charset="0"/>
+              </a:rPr>
+              <a:t>Examples of map by hospital type plot</a:t>
+            </a:r>
+          </a:p>
+        </p:txBody>
+      </p:sp>
+      <p:pic>
+        <p:nvPicPr>
+          <p:cNvPr id="6" name="Picture 5">
+            <a:extLst>
+              <a:ext uri="{FF2B5EF4-FFF2-40B4-BE49-F238E27FC236}">
+                <a16:creationId xmlns:a16="http://schemas.microsoft.com/office/drawing/2014/main" id="{FA3EC890-B8D8-4C4B-9172-3020F8DA708E}"/>
+              </a:ext>
+            </a:extLst>
+          </p:cNvPr>
+          <p:cNvPicPr>
+            <a:picLocks noChangeAspect="1"/>
+          </p:cNvPicPr>
+          <p:nvPr/>
+        </p:nvPicPr>
+        <p:blipFill>
+          <a:blip r:embed="rId3"/>
+          <a:stretch>
+            <a:fillRect/>
+          </a:stretch>
+        </p:blipFill>
+        <p:spPr>
+          <a:xfrm>
+            <a:off x="2940448" y="1306358"/>
+            <a:ext cx="5588000" cy="3556000"/>
+          </a:xfrm>
+          <a:prstGeom prst="rect">
+            <a:avLst/>
+          </a:prstGeom>
+        </p:spPr>
+      </p:pic>
+    </p:spTree>
+    <p:extLst>
+      <p:ext uri="{BB962C8B-B14F-4D97-AF65-F5344CB8AC3E}">
+        <p14:creationId xmlns:p14="http://schemas.microsoft.com/office/powerpoint/2010/main" val="1498866013"/>
+      </p:ext>
+    </p:extLst>
+  </p:cSld>
+  <p:clrMapOvr>
+    <a:masterClrMapping/>
+  </p:clrMapOvr>
+</p:sld>
+</file>
+
+<file path=ppt/slides/slide17.xml><?xml version="1.0" encoding="utf-8"?>
+<p:sld xmlns:a="http://schemas.openxmlformats.org/drawingml/2006/main" xmlns:r="http://schemas.openxmlformats.org/officeDocument/2006/relationships" xmlns:p="http://schemas.openxmlformats.org/presentationml/2006/main">
+  <p:cSld>
+    <p:spTree>
+      <p:nvGrpSpPr>
+        <p:cNvPr id="1" name=""/>
+        <p:cNvGrpSpPr/>
+        <p:nvPr/>
+      </p:nvGrpSpPr>
+      <p:grpSpPr>
+        <a:xfrm>
+          <a:off x="0" y="0"/>
+          <a:ext cx="0" cy="0"/>
+          <a:chOff x="0" y="0"/>
+          <a:chExt cx="0" cy="0"/>
+        </a:xfrm>
+      </p:grpSpPr>
+      <p:pic>
+        <p:nvPicPr>
+          <p:cNvPr id="11" name="Picture 10">
+            <a:extLst>
+              <a:ext uri="{FF2B5EF4-FFF2-40B4-BE49-F238E27FC236}">
+                <a16:creationId xmlns:a16="http://schemas.microsoft.com/office/drawing/2014/main" id="{23AB49DE-230D-1D4E-8D6D-F5F1BB3119D7}"/>
+              </a:ext>
+            </a:extLst>
+          </p:cNvPr>
+          <p:cNvPicPr>
+            <a:picLocks noChangeAspect="1"/>
+          </p:cNvPicPr>
+          <p:nvPr/>
+        </p:nvPicPr>
+        <p:blipFill rotWithShape="1">
+          <a:blip r:embed="rId2"/>
+          <a:srcRect t="-14245" b="14245"/>
+          <a:stretch/>
+        </p:blipFill>
+        <p:spPr>
+          <a:xfrm>
+            <a:off x="-236" y="5631944"/>
+            <a:ext cx="2470720" cy="1361793"/>
+          </a:xfrm>
+          <a:prstGeom prst="rect">
+            <a:avLst/>
+          </a:prstGeom>
+        </p:spPr>
+      </p:pic>
+      <p:sp>
+        <p:nvSpPr>
+          <p:cNvPr id="5" name="Title 1"/>
+          <p:cNvSpPr txBox="1">
+            <a:spLocks/>
+          </p:cNvSpPr>
+          <p:nvPr/>
+        </p:nvSpPr>
+        <p:spPr>
+          <a:xfrm>
+            <a:off x="0" y="193965"/>
+            <a:ext cx="12192000" cy="598635"/>
+          </a:xfrm>
+          <a:prstGeom prst="rect">
+            <a:avLst/>
+          </a:prstGeom>
+          <a:solidFill>
+            <a:srgbClr val="AD0103"/>
+          </a:solidFill>
+          <a:ln>
+            <a:solidFill>
+              <a:srgbClr val="B20206"/>
+            </a:solidFill>
+          </a:ln>
+          <a:effectLst>
+            <a:outerShdw blurRad="50800" dist="38100" dir="2700000" algn="tl" rotWithShape="0">
+              <a:prstClr val="black">
+                <a:alpha val="40000"/>
+              </a:prstClr>
+            </a:outerShdw>
+          </a:effectLst>
+        </p:spPr>
+        <p:txBody>
+          <a:bodyPr vert="horz" lIns="91440" tIns="45720" rIns="91440" bIns="45720" rtlCol="0" anchor="ctr">
+            <a:normAutofit/>
+          </a:bodyPr>
+          <a:lstStyle>
+            <a:lvl1pPr algn="l" defTabSz="914400" rtl="0" eaLnBrk="1" latinLnBrk="0" hangingPunct="1">
+              <a:lnSpc>
+                <a:spcPct val="90000"/>
+              </a:lnSpc>
+              <a:spcBef>
+                <a:spcPct val="0"/>
+              </a:spcBef>
+              <a:buNone/>
+              <a:defRPr sz="4400" kern="1200">
+                <a:solidFill>
+                  <a:schemeClr val="tx1"/>
+                </a:solidFill>
+                <a:latin typeface="+mj-lt"/>
+                <a:ea typeface="+mj-ea"/>
+                <a:cs typeface="+mj-cs"/>
+              </a:defRPr>
+            </a:lvl1pPr>
+          </a:lstStyle>
+          <a:p>
+            <a:pPr algn="ctr"/>
+            <a:r>
               <a:rPr lang="en-US" sz="2800" b="1" dirty="0" err="1">
                 <a:solidFill>
                   <a:schemeClr val="bg1"/>
@@ -6136,7 +6896,7 @@
 </p:sld>
 </file>
 
-<file path=ppt/slides/slide16.xml><?xml version="1.0" encoding="utf-8"?>
+<file path=ppt/slides/slide18.xml><?xml version="1.0" encoding="utf-8"?>
 <p:sld xmlns:a="http://schemas.openxmlformats.org/drawingml/2006/main" xmlns:r="http://schemas.openxmlformats.org/officeDocument/2006/relationships" xmlns:p="http://schemas.openxmlformats.org/presentationml/2006/main">
   <p:cSld>
     <p:spTree>
@@ -9604,7 +10364,7 @@
 </p:sld>
 </file>
 
-<file path=ppt/slides/slide17.xml><?xml version="1.0" encoding="utf-8"?>
+<file path=ppt/slides/slide19.xml><?xml version="1.0" encoding="utf-8"?>
 <p:sld xmlns:a="http://schemas.openxmlformats.org/drawingml/2006/main" xmlns:r="http://schemas.openxmlformats.org/officeDocument/2006/relationships" xmlns:p="http://schemas.openxmlformats.org/presentationml/2006/main">
   <p:cSld>
     <p:spTree>
@@ -9937,7 +10697,366 @@
 </p:sld>
 </file>
 
-<file path=ppt/slides/slide18.xml><?xml version="1.0" encoding="utf-8"?>
+<file path=ppt/slides/slide2.xml><?xml version="1.0" encoding="utf-8"?>
+<p:sld xmlns:a="http://schemas.openxmlformats.org/drawingml/2006/main" xmlns:r="http://schemas.openxmlformats.org/officeDocument/2006/relationships" xmlns:p="http://schemas.openxmlformats.org/presentationml/2006/main">
+  <p:cSld>
+    <p:spTree>
+      <p:nvGrpSpPr>
+        <p:cNvPr id="1" name=""/>
+        <p:cNvGrpSpPr/>
+        <p:nvPr/>
+      </p:nvGrpSpPr>
+      <p:grpSpPr>
+        <a:xfrm>
+          <a:off x="0" y="0"/>
+          <a:ext cx="0" cy="0"/>
+          <a:chOff x="0" y="0"/>
+          <a:chExt cx="0" cy="0"/>
+        </a:xfrm>
+      </p:grpSpPr>
+      <p:sp>
+        <p:nvSpPr>
+          <p:cNvPr id="5" name="Title 1"/>
+          <p:cNvSpPr>
+            <a:spLocks noGrp="1"/>
+          </p:cNvSpPr>
+          <p:nvPr>
+            <p:ph type="ctrTitle"/>
+          </p:nvPr>
+        </p:nvSpPr>
+        <p:spPr>
+          <a:xfrm>
+            <a:off x="0" y="838200"/>
+            <a:ext cx="12192000" cy="1170432"/>
+          </a:xfrm>
+          <a:solidFill>
+            <a:srgbClr val="B20206"/>
+          </a:solidFill>
+          <a:effectLst>
+            <a:outerShdw blurRad="50800" dist="38100" dir="2700000" algn="tl" rotWithShape="0">
+              <a:prstClr val="black">
+                <a:alpha val="40000"/>
+              </a:prstClr>
+            </a:outerShdw>
+          </a:effectLst>
+        </p:spPr>
+        <p:txBody>
+          <a:bodyPr>
+            <a:noAutofit/>
+          </a:bodyPr>
+          <a:lstStyle/>
+          <a:p>
+            <a:r>
+              <a:rPr lang="en-US" sz="3600" b="1" dirty="0">
+                <a:solidFill>
+                  <a:schemeClr val="bg1"/>
+                </a:solidFill>
+                <a:latin typeface="Times New Roman" panose="02020603050405020304" pitchFamily="18" charset="0"/>
+                <a:cs typeface="Times New Roman" panose="02020603050405020304" pitchFamily="18" charset="0"/>
+              </a:rPr>
+              <a:t>Quality Measure</a:t>
+            </a:r>
+            <a:br>
+              <a:rPr lang="en-US" sz="3600" b="1" dirty="0">
+                <a:solidFill>
+                  <a:schemeClr val="bg1"/>
+                </a:solidFill>
+                <a:latin typeface="Times New Roman" panose="02020603050405020304" pitchFamily="18" charset="0"/>
+                <a:cs typeface="Times New Roman" panose="02020603050405020304" pitchFamily="18" charset="0"/>
+              </a:rPr>
+            </a:br>
+            <a:endParaRPr lang="en-US" sz="3200" b="1" dirty="0">
+              <a:solidFill>
+                <a:schemeClr val="bg1"/>
+              </a:solidFill>
+              <a:latin typeface="Times New Roman" panose="02020603050405020304" pitchFamily="18" charset="0"/>
+              <a:cs typeface="Times New Roman" panose="02020603050405020304" pitchFamily="18" charset="0"/>
+            </a:endParaRPr>
+          </a:p>
+        </p:txBody>
+      </p:sp>
+      <p:sp>
+        <p:nvSpPr>
+          <p:cNvPr id="6" name="Subtitle 2"/>
+          <p:cNvSpPr>
+            <a:spLocks noGrp="1"/>
+          </p:cNvSpPr>
+          <p:nvPr>
+            <p:ph type="subTitle" idx="1"/>
+          </p:nvPr>
+        </p:nvSpPr>
+        <p:spPr>
+          <a:xfrm>
+            <a:off x="3003810" y="3079907"/>
+            <a:ext cx="6172200" cy="2551966"/>
+          </a:xfrm>
+        </p:spPr>
+        <p:txBody>
+          <a:bodyPr vert="horz" lIns="91440" tIns="45720" rIns="91440" bIns="45720" rtlCol="0" anchor="ctr">
+            <a:noAutofit/>
+          </a:bodyPr>
+          <a:lstStyle/>
+          <a:p>
+            <a:pPr algn="l">
+              <a:spcBef>
+                <a:spcPct val="0"/>
+              </a:spcBef>
+            </a:pPr>
+            <a:r>
+              <a:rPr lang="en-US" b="1" dirty="0">
+                <a:solidFill>
+                  <a:srgbClr val="AD0103"/>
+                </a:solidFill>
+                <a:latin typeface="Times New Roman" panose="02020603050405020304" pitchFamily="18" charset="0"/>
+                <a:ea typeface="+mj-ea"/>
+                <a:cs typeface="Times New Roman" panose="02020603050405020304" pitchFamily="18" charset="0"/>
+              </a:rPr>
+              <a:t>HbA1c</a:t>
+            </a:r>
+          </a:p>
+          <a:p>
+            <a:pPr algn="l">
+              <a:spcBef>
+                <a:spcPct val="0"/>
+              </a:spcBef>
+            </a:pPr>
+            <a:r>
+              <a:rPr lang="en-US" b="1" dirty="0">
+                <a:latin typeface="Times New Roman" panose="02020603050405020304" pitchFamily="18" charset="0"/>
+                <a:cs typeface="Times New Roman" panose="02020603050405020304" pitchFamily="18" charset="0"/>
+              </a:rPr>
+              <a:t>Percent of glycosylated hemoglobin</a:t>
+            </a:r>
+            <a:endParaRPr lang="en-US" dirty="0">
+              <a:latin typeface="Times New Roman" panose="02020603050405020304" pitchFamily="18" charset="0"/>
+              <a:cs typeface="Times New Roman" panose="02020603050405020304" pitchFamily="18" charset="0"/>
+            </a:endParaRPr>
+          </a:p>
+          <a:p>
+            <a:pPr algn="l">
+              <a:spcBef>
+                <a:spcPct val="0"/>
+              </a:spcBef>
+            </a:pPr>
+            <a:r>
+              <a:rPr lang="en-US" b="1" dirty="0">
+                <a:solidFill>
+                  <a:schemeClr val="accent3">
+                    <a:lumMod val="50000"/>
+                  </a:schemeClr>
+                </a:solidFill>
+                <a:latin typeface="Times New Roman" panose="02020603050405020304" pitchFamily="18" charset="0"/>
+                <a:cs typeface="Times New Roman" panose="02020603050405020304" pitchFamily="18" charset="0"/>
+              </a:rPr>
+              <a:t> </a:t>
+            </a:r>
+          </a:p>
+        </p:txBody>
+      </p:sp>
+      <p:cxnSp>
+        <p:nvCxnSpPr>
+          <p:cNvPr id="8" name="Straight Connector 7"/>
+          <p:cNvCxnSpPr/>
+          <p:nvPr/>
+        </p:nvCxnSpPr>
+        <p:spPr>
+          <a:xfrm>
+            <a:off x="0" y="782781"/>
+            <a:ext cx="12179820" cy="0"/>
+          </a:xfrm>
+          <a:prstGeom prst="line">
+            <a:avLst/>
+          </a:prstGeom>
+          <a:ln w="19050" cmpd="sng">
+            <a:solidFill>
+              <a:schemeClr val="tx1"/>
+            </a:solidFill>
+          </a:ln>
+        </p:spPr>
+        <p:style>
+          <a:lnRef idx="2">
+            <a:schemeClr val="accent1"/>
+          </a:lnRef>
+          <a:fillRef idx="0">
+            <a:schemeClr val="accent1"/>
+          </a:fillRef>
+          <a:effectRef idx="1">
+            <a:schemeClr val="accent1"/>
+          </a:effectRef>
+          <a:fontRef idx="minor">
+            <a:schemeClr val="tx1"/>
+          </a:fontRef>
+        </p:style>
+      </p:cxnSp>
+      <p:cxnSp>
+        <p:nvCxnSpPr>
+          <p:cNvPr id="9" name="Straight Connector 8"/>
+          <p:cNvCxnSpPr/>
+          <p:nvPr/>
+        </p:nvCxnSpPr>
+        <p:spPr>
+          <a:xfrm>
+            <a:off x="0" y="2057400"/>
+            <a:ext cx="12179820" cy="0"/>
+          </a:xfrm>
+          <a:prstGeom prst="line">
+            <a:avLst/>
+          </a:prstGeom>
+          <a:ln w="19050" cmpd="sng">
+            <a:solidFill>
+              <a:schemeClr val="tx1"/>
+            </a:solidFill>
+          </a:ln>
+        </p:spPr>
+        <p:style>
+          <a:lnRef idx="2">
+            <a:schemeClr val="accent1"/>
+          </a:lnRef>
+          <a:fillRef idx="0">
+            <a:schemeClr val="accent1"/>
+          </a:fillRef>
+          <a:effectRef idx="1">
+            <a:schemeClr val="accent1"/>
+          </a:effectRef>
+          <a:fontRef idx="minor">
+            <a:schemeClr val="tx1"/>
+          </a:fontRef>
+        </p:style>
+      </p:cxnSp>
+      <p:pic>
+        <p:nvPicPr>
+          <p:cNvPr id="3" name="Picture 2">
+            <a:extLst>
+              <a:ext uri="{FF2B5EF4-FFF2-40B4-BE49-F238E27FC236}">
+                <a16:creationId xmlns:a16="http://schemas.microsoft.com/office/drawing/2014/main" id="{93996BD4-CD36-2A48-80D2-796A727887C3}"/>
+              </a:ext>
+            </a:extLst>
+          </p:cNvPr>
+          <p:cNvPicPr>
+            <a:picLocks noChangeAspect="1"/>
+          </p:cNvPicPr>
+          <p:nvPr/>
+        </p:nvPicPr>
+        <p:blipFill rotWithShape="1">
+          <a:blip r:embed="rId2"/>
+          <a:srcRect t="-14245" b="14245"/>
+          <a:stretch/>
+        </p:blipFill>
+        <p:spPr>
+          <a:xfrm>
+            <a:off x="-236" y="5338852"/>
+            <a:ext cx="2886062" cy="1590718"/>
+          </a:xfrm>
+          <a:prstGeom prst="rect">
+            <a:avLst/>
+          </a:prstGeom>
+        </p:spPr>
+      </p:pic>
+      <p:sp>
+        <p:nvSpPr>
+          <p:cNvPr id="10" name="Rectangle 9">
+            <a:extLst>
+              <a:ext uri="{FF2B5EF4-FFF2-40B4-BE49-F238E27FC236}">
+                <a16:creationId xmlns:a16="http://schemas.microsoft.com/office/drawing/2014/main" id="{EE3554B1-1ADA-944F-A7EB-C5FE5207C3EC}"/>
+              </a:ext>
+            </a:extLst>
+          </p:cNvPr>
+          <p:cNvSpPr/>
+          <p:nvPr/>
+        </p:nvSpPr>
+        <p:spPr>
+          <a:xfrm>
+            <a:off x="642551" y="6401889"/>
+            <a:ext cx="2243275" cy="81289"/>
+          </a:xfrm>
+          <a:prstGeom prst="rect">
+            <a:avLst/>
+          </a:prstGeom>
+          <a:solidFill>
+            <a:schemeClr val="bg1"/>
+          </a:solidFill>
+          <a:ln>
+            <a:solidFill>
+              <a:schemeClr val="bg1"/>
+            </a:solidFill>
+          </a:ln>
+        </p:spPr>
+        <p:style>
+          <a:lnRef idx="2">
+            <a:schemeClr val="accent1">
+              <a:shade val="50000"/>
+            </a:schemeClr>
+          </a:lnRef>
+          <a:fillRef idx="1">
+            <a:schemeClr val="accent1"/>
+          </a:fillRef>
+          <a:effectRef idx="0">
+            <a:schemeClr val="accent1"/>
+          </a:effectRef>
+          <a:fontRef idx="minor">
+            <a:schemeClr val="lt1"/>
+          </a:fontRef>
+        </p:style>
+        <p:txBody>
+          <a:bodyPr rtlCol="0" anchor="ctr"/>
+          <a:lstStyle/>
+          <a:p>
+            <a:pPr algn="ctr"/>
+            <a:endParaRPr lang="en-US"/>
+          </a:p>
+        </p:txBody>
+      </p:sp>
+      <p:cxnSp>
+        <p:nvCxnSpPr>
+          <p:cNvPr id="7" name="Straight Connector 6"/>
+          <p:cNvCxnSpPr>
+            <a:cxnSpLocks/>
+          </p:cNvCxnSpPr>
+          <p:nvPr/>
+        </p:nvCxnSpPr>
+        <p:spPr>
+          <a:xfrm>
+            <a:off x="667264" y="6410127"/>
+            <a:ext cx="11491784" cy="0"/>
+          </a:xfrm>
+          <a:prstGeom prst="line">
+            <a:avLst/>
+          </a:prstGeom>
+          <a:ln>
+            <a:solidFill>
+              <a:srgbClr val="B20206"/>
+            </a:solidFill>
+          </a:ln>
+        </p:spPr>
+        <p:style>
+          <a:lnRef idx="2">
+            <a:schemeClr val="accent1"/>
+          </a:lnRef>
+          <a:fillRef idx="0">
+            <a:schemeClr val="accent1"/>
+          </a:fillRef>
+          <a:effectRef idx="1">
+            <a:schemeClr val="accent1"/>
+          </a:effectRef>
+          <a:fontRef idx="minor">
+            <a:schemeClr val="tx1"/>
+          </a:fontRef>
+        </p:style>
+      </p:cxnSp>
+    </p:spTree>
+    <p:extLst>
+      <p:ext uri="{BB962C8B-B14F-4D97-AF65-F5344CB8AC3E}">
+        <p14:creationId xmlns:p14="http://schemas.microsoft.com/office/powerpoint/2010/main" val="2216585489"/>
+      </p:ext>
+    </p:extLst>
+  </p:cSld>
+  <p:clrMapOvr>
+    <a:masterClrMapping/>
+  </p:clrMapOvr>
+</p:sld>
+</file>
+
+<file path=ppt/slides/slide20.xml><?xml version="1.0" encoding="utf-8"?>
 <p:sld xmlns:a="http://schemas.openxmlformats.org/drawingml/2006/main" xmlns:r="http://schemas.openxmlformats.org/officeDocument/2006/relationships" xmlns:p="http://schemas.openxmlformats.org/presentationml/2006/main">
   <p:cSld>
     <p:spTree>
@@ -10257,7 +11376,7 @@
 </p:sld>
 </file>
 
-<file path=ppt/slides/slide19.xml><?xml version="1.0" encoding="utf-8"?>
+<file path=ppt/slides/slide21.xml><?xml version="1.0" encoding="utf-8"?>
 <p:sld xmlns:a="http://schemas.openxmlformats.org/drawingml/2006/main" xmlns:r="http://schemas.openxmlformats.org/officeDocument/2006/relationships" xmlns:p="http://schemas.openxmlformats.org/presentationml/2006/main">
   <p:cSld>
     <p:spTree>
@@ -10337,366 +11456,7 @@
 </p:sld>
 </file>
 
-<file path=ppt/slides/slide2.xml><?xml version="1.0" encoding="utf-8"?>
-<p:sld xmlns:a="http://schemas.openxmlformats.org/drawingml/2006/main" xmlns:r="http://schemas.openxmlformats.org/officeDocument/2006/relationships" xmlns:p="http://schemas.openxmlformats.org/presentationml/2006/main">
-  <p:cSld>
-    <p:spTree>
-      <p:nvGrpSpPr>
-        <p:cNvPr id="1" name=""/>
-        <p:cNvGrpSpPr/>
-        <p:nvPr/>
-      </p:nvGrpSpPr>
-      <p:grpSpPr>
-        <a:xfrm>
-          <a:off x="0" y="0"/>
-          <a:ext cx="0" cy="0"/>
-          <a:chOff x="0" y="0"/>
-          <a:chExt cx="0" cy="0"/>
-        </a:xfrm>
-      </p:grpSpPr>
-      <p:sp>
-        <p:nvSpPr>
-          <p:cNvPr id="5" name="Title 1"/>
-          <p:cNvSpPr>
-            <a:spLocks noGrp="1"/>
-          </p:cNvSpPr>
-          <p:nvPr>
-            <p:ph type="ctrTitle"/>
-          </p:nvPr>
-        </p:nvSpPr>
-        <p:spPr>
-          <a:xfrm>
-            <a:off x="0" y="838200"/>
-            <a:ext cx="12192000" cy="1170432"/>
-          </a:xfrm>
-          <a:solidFill>
-            <a:srgbClr val="B20206"/>
-          </a:solidFill>
-          <a:effectLst>
-            <a:outerShdw blurRad="50800" dist="38100" dir="2700000" algn="tl" rotWithShape="0">
-              <a:prstClr val="black">
-                <a:alpha val="40000"/>
-              </a:prstClr>
-            </a:outerShdw>
-          </a:effectLst>
-        </p:spPr>
-        <p:txBody>
-          <a:bodyPr>
-            <a:noAutofit/>
-          </a:bodyPr>
-          <a:lstStyle/>
-          <a:p>
-            <a:r>
-              <a:rPr lang="en-US" sz="3600" b="1" dirty="0">
-                <a:solidFill>
-                  <a:schemeClr val="bg1"/>
-                </a:solidFill>
-                <a:latin typeface="Times New Roman" panose="02020603050405020304" pitchFamily="18" charset="0"/>
-                <a:cs typeface="Times New Roman" panose="02020603050405020304" pitchFamily="18" charset="0"/>
-              </a:rPr>
-              <a:t>Quality Measure</a:t>
-            </a:r>
-            <a:br>
-              <a:rPr lang="en-US" sz="3600" b="1" dirty="0">
-                <a:solidFill>
-                  <a:schemeClr val="bg1"/>
-                </a:solidFill>
-                <a:latin typeface="Times New Roman" panose="02020603050405020304" pitchFamily="18" charset="0"/>
-                <a:cs typeface="Times New Roman" panose="02020603050405020304" pitchFamily="18" charset="0"/>
-              </a:rPr>
-            </a:br>
-            <a:endParaRPr lang="en-US" sz="3200" b="1" dirty="0">
-              <a:solidFill>
-                <a:schemeClr val="bg1"/>
-              </a:solidFill>
-              <a:latin typeface="Times New Roman" panose="02020603050405020304" pitchFamily="18" charset="0"/>
-              <a:cs typeface="Times New Roman" panose="02020603050405020304" pitchFamily="18" charset="0"/>
-            </a:endParaRPr>
-          </a:p>
-        </p:txBody>
-      </p:sp>
-      <p:sp>
-        <p:nvSpPr>
-          <p:cNvPr id="6" name="Subtitle 2"/>
-          <p:cNvSpPr>
-            <a:spLocks noGrp="1"/>
-          </p:cNvSpPr>
-          <p:nvPr>
-            <p:ph type="subTitle" idx="1"/>
-          </p:nvPr>
-        </p:nvSpPr>
-        <p:spPr>
-          <a:xfrm>
-            <a:off x="3003810" y="3079907"/>
-            <a:ext cx="6172200" cy="2551966"/>
-          </a:xfrm>
-        </p:spPr>
-        <p:txBody>
-          <a:bodyPr vert="horz" lIns="91440" tIns="45720" rIns="91440" bIns="45720" rtlCol="0" anchor="ctr">
-            <a:noAutofit/>
-          </a:bodyPr>
-          <a:lstStyle/>
-          <a:p>
-            <a:pPr algn="l">
-              <a:spcBef>
-                <a:spcPct val="0"/>
-              </a:spcBef>
-            </a:pPr>
-            <a:r>
-              <a:rPr lang="en-US" b="1" dirty="0">
-                <a:solidFill>
-                  <a:srgbClr val="AD0103"/>
-                </a:solidFill>
-                <a:latin typeface="Times New Roman" panose="02020603050405020304" pitchFamily="18" charset="0"/>
-                <a:ea typeface="+mj-ea"/>
-                <a:cs typeface="Times New Roman" panose="02020603050405020304" pitchFamily="18" charset="0"/>
-              </a:rPr>
-              <a:t>HbA1c</a:t>
-            </a:r>
-          </a:p>
-          <a:p>
-            <a:pPr algn="l">
-              <a:spcBef>
-                <a:spcPct val="0"/>
-              </a:spcBef>
-            </a:pPr>
-            <a:r>
-              <a:rPr lang="en-US" b="1" dirty="0">
-                <a:latin typeface="Times New Roman" panose="02020603050405020304" pitchFamily="18" charset="0"/>
-                <a:cs typeface="Times New Roman" panose="02020603050405020304" pitchFamily="18" charset="0"/>
-              </a:rPr>
-              <a:t>Percent of glycosylated hemoglobin</a:t>
-            </a:r>
-            <a:endParaRPr lang="en-US" dirty="0">
-              <a:latin typeface="Times New Roman" panose="02020603050405020304" pitchFamily="18" charset="0"/>
-              <a:cs typeface="Times New Roman" panose="02020603050405020304" pitchFamily="18" charset="0"/>
-            </a:endParaRPr>
-          </a:p>
-          <a:p>
-            <a:pPr algn="l">
-              <a:spcBef>
-                <a:spcPct val="0"/>
-              </a:spcBef>
-            </a:pPr>
-            <a:r>
-              <a:rPr lang="en-US" b="1" dirty="0">
-                <a:solidFill>
-                  <a:schemeClr val="accent3">
-                    <a:lumMod val="50000"/>
-                  </a:schemeClr>
-                </a:solidFill>
-                <a:latin typeface="Times New Roman" panose="02020603050405020304" pitchFamily="18" charset="0"/>
-                <a:cs typeface="Times New Roman" panose="02020603050405020304" pitchFamily="18" charset="0"/>
-              </a:rPr>
-              <a:t> </a:t>
-            </a:r>
-          </a:p>
-        </p:txBody>
-      </p:sp>
-      <p:cxnSp>
-        <p:nvCxnSpPr>
-          <p:cNvPr id="8" name="Straight Connector 7"/>
-          <p:cNvCxnSpPr/>
-          <p:nvPr/>
-        </p:nvCxnSpPr>
-        <p:spPr>
-          <a:xfrm>
-            <a:off x="0" y="782781"/>
-            <a:ext cx="12179820" cy="0"/>
-          </a:xfrm>
-          <a:prstGeom prst="line">
-            <a:avLst/>
-          </a:prstGeom>
-          <a:ln w="19050" cmpd="sng">
-            <a:solidFill>
-              <a:schemeClr val="tx1"/>
-            </a:solidFill>
-          </a:ln>
-        </p:spPr>
-        <p:style>
-          <a:lnRef idx="2">
-            <a:schemeClr val="accent1"/>
-          </a:lnRef>
-          <a:fillRef idx="0">
-            <a:schemeClr val="accent1"/>
-          </a:fillRef>
-          <a:effectRef idx="1">
-            <a:schemeClr val="accent1"/>
-          </a:effectRef>
-          <a:fontRef idx="minor">
-            <a:schemeClr val="tx1"/>
-          </a:fontRef>
-        </p:style>
-      </p:cxnSp>
-      <p:cxnSp>
-        <p:nvCxnSpPr>
-          <p:cNvPr id="9" name="Straight Connector 8"/>
-          <p:cNvCxnSpPr/>
-          <p:nvPr/>
-        </p:nvCxnSpPr>
-        <p:spPr>
-          <a:xfrm>
-            <a:off x="0" y="2057400"/>
-            <a:ext cx="12179820" cy="0"/>
-          </a:xfrm>
-          <a:prstGeom prst="line">
-            <a:avLst/>
-          </a:prstGeom>
-          <a:ln w="19050" cmpd="sng">
-            <a:solidFill>
-              <a:schemeClr val="tx1"/>
-            </a:solidFill>
-          </a:ln>
-        </p:spPr>
-        <p:style>
-          <a:lnRef idx="2">
-            <a:schemeClr val="accent1"/>
-          </a:lnRef>
-          <a:fillRef idx="0">
-            <a:schemeClr val="accent1"/>
-          </a:fillRef>
-          <a:effectRef idx="1">
-            <a:schemeClr val="accent1"/>
-          </a:effectRef>
-          <a:fontRef idx="minor">
-            <a:schemeClr val="tx1"/>
-          </a:fontRef>
-        </p:style>
-      </p:cxnSp>
-      <p:pic>
-        <p:nvPicPr>
-          <p:cNvPr id="3" name="Picture 2">
-            <a:extLst>
-              <a:ext uri="{FF2B5EF4-FFF2-40B4-BE49-F238E27FC236}">
-                <a16:creationId xmlns:a16="http://schemas.microsoft.com/office/drawing/2014/main" id="{93996BD4-CD36-2A48-80D2-796A727887C3}"/>
-              </a:ext>
-            </a:extLst>
-          </p:cNvPr>
-          <p:cNvPicPr>
-            <a:picLocks noChangeAspect="1"/>
-          </p:cNvPicPr>
-          <p:nvPr/>
-        </p:nvPicPr>
-        <p:blipFill rotWithShape="1">
-          <a:blip r:embed="rId2"/>
-          <a:srcRect t="-14245" b="14245"/>
-          <a:stretch/>
-        </p:blipFill>
-        <p:spPr>
-          <a:xfrm>
-            <a:off x="-236" y="5338852"/>
-            <a:ext cx="2886062" cy="1590718"/>
-          </a:xfrm>
-          <a:prstGeom prst="rect">
-            <a:avLst/>
-          </a:prstGeom>
-        </p:spPr>
-      </p:pic>
-      <p:sp>
-        <p:nvSpPr>
-          <p:cNvPr id="10" name="Rectangle 9">
-            <a:extLst>
-              <a:ext uri="{FF2B5EF4-FFF2-40B4-BE49-F238E27FC236}">
-                <a16:creationId xmlns:a16="http://schemas.microsoft.com/office/drawing/2014/main" id="{EE3554B1-1ADA-944F-A7EB-C5FE5207C3EC}"/>
-              </a:ext>
-            </a:extLst>
-          </p:cNvPr>
-          <p:cNvSpPr/>
-          <p:nvPr/>
-        </p:nvSpPr>
-        <p:spPr>
-          <a:xfrm>
-            <a:off x="642551" y="6401889"/>
-            <a:ext cx="2243275" cy="81289"/>
-          </a:xfrm>
-          <a:prstGeom prst="rect">
-            <a:avLst/>
-          </a:prstGeom>
-          <a:solidFill>
-            <a:schemeClr val="bg1"/>
-          </a:solidFill>
-          <a:ln>
-            <a:solidFill>
-              <a:schemeClr val="bg1"/>
-            </a:solidFill>
-          </a:ln>
-        </p:spPr>
-        <p:style>
-          <a:lnRef idx="2">
-            <a:schemeClr val="accent1">
-              <a:shade val="50000"/>
-            </a:schemeClr>
-          </a:lnRef>
-          <a:fillRef idx="1">
-            <a:schemeClr val="accent1"/>
-          </a:fillRef>
-          <a:effectRef idx="0">
-            <a:schemeClr val="accent1"/>
-          </a:effectRef>
-          <a:fontRef idx="minor">
-            <a:schemeClr val="lt1"/>
-          </a:fontRef>
-        </p:style>
-        <p:txBody>
-          <a:bodyPr rtlCol="0" anchor="ctr"/>
-          <a:lstStyle/>
-          <a:p>
-            <a:pPr algn="ctr"/>
-            <a:endParaRPr lang="en-US"/>
-          </a:p>
-        </p:txBody>
-      </p:sp>
-      <p:cxnSp>
-        <p:nvCxnSpPr>
-          <p:cNvPr id="7" name="Straight Connector 6"/>
-          <p:cNvCxnSpPr>
-            <a:cxnSpLocks/>
-          </p:cNvCxnSpPr>
-          <p:nvPr/>
-        </p:nvCxnSpPr>
-        <p:spPr>
-          <a:xfrm>
-            <a:off x="667264" y="6410127"/>
-            <a:ext cx="11491784" cy="0"/>
-          </a:xfrm>
-          <a:prstGeom prst="line">
-            <a:avLst/>
-          </a:prstGeom>
-          <a:ln>
-            <a:solidFill>
-              <a:srgbClr val="B20206"/>
-            </a:solidFill>
-          </a:ln>
-        </p:spPr>
-        <p:style>
-          <a:lnRef idx="2">
-            <a:schemeClr val="accent1"/>
-          </a:lnRef>
-          <a:fillRef idx="0">
-            <a:schemeClr val="accent1"/>
-          </a:fillRef>
-          <a:effectRef idx="1">
-            <a:schemeClr val="accent1"/>
-          </a:effectRef>
-          <a:fontRef idx="minor">
-            <a:schemeClr val="tx1"/>
-          </a:fontRef>
-        </p:style>
-      </p:cxnSp>
-    </p:spTree>
-    <p:extLst>
-      <p:ext uri="{BB962C8B-B14F-4D97-AF65-F5344CB8AC3E}">
-        <p14:creationId xmlns:p14="http://schemas.microsoft.com/office/powerpoint/2010/main" val="2216585489"/>
-      </p:ext>
-    </p:extLst>
-  </p:cSld>
-  <p:clrMapOvr>
-    <a:masterClrMapping/>
-  </p:clrMapOvr>
-</p:sld>
-</file>
-
-<file path=ppt/slides/slide20.xml><?xml version="1.0" encoding="utf-8"?>
+<file path=ppt/slides/slide22.xml><?xml version="1.0" encoding="utf-8"?>
 <p:sld xmlns:a="http://schemas.openxmlformats.org/drawingml/2006/main" xmlns:r="http://schemas.openxmlformats.org/officeDocument/2006/relationships" xmlns:p="http://schemas.openxmlformats.org/presentationml/2006/main">
   <p:cSld>
     <p:spTree>
@@ -10767,745 +11527,6 @@
     <p:extLst>
       <p:ext uri="{BB962C8B-B14F-4D97-AF65-F5344CB8AC3E}">
         <p14:creationId xmlns:p14="http://schemas.microsoft.com/office/powerpoint/2010/main" val="3111692114"/>
-      </p:ext>
-    </p:extLst>
-  </p:cSld>
-  <p:clrMapOvr>
-    <a:masterClrMapping/>
-  </p:clrMapOvr>
-</p:sld>
-</file>
-
-<file path=ppt/slides/slide21.xml><?xml version="1.0" encoding="utf-8"?>
-<p:sld xmlns:a="http://schemas.openxmlformats.org/drawingml/2006/main" xmlns:r="http://schemas.openxmlformats.org/officeDocument/2006/relationships" xmlns:p="http://schemas.openxmlformats.org/presentationml/2006/main">
-  <p:cSld>
-    <p:spTree>
-      <p:nvGrpSpPr>
-        <p:cNvPr id="1" name=""/>
-        <p:cNvGrpSpPr/>
-        <p:nvPr/>
-      </p:nvGrpSpPr>
-      <p:grpSpPr>
-        <a:xfrm>
-          <a:off x="0" y="0"/>
-          <a:ext cx="0" cy="0"/>
-          <a:chOff x="0" y="0"/>
-          <a:chExt cx="0" cy="0"/>
-        </a:xfrm>
-      </p:grpSpPr>
-      <p:pic>
-        <p:nvPicPr>
-          <p:cNvPr id="11" name="Picture 10">
-            <a:extLst>
-              <a:ext uri="{FF2B5EF4-FFF2-40B4-BE49-F238E27FC236}">
-                <a16:creationId xmlns:a16="http://schemas.microsoft.com/office/drawing/2014/main" id="{23AB49DE-230D-1D4E-8D6D-F5F1BB3119D7}"/>
-              </a:ext>
-            </a:extLst>
-          </p:cNvPr>
-          <p:cNvPicPr>
-            <a:picLocks noChangeAspect="1"/>
-          </p:cNvPicPr>
-          <p:nvPr/>
-        </p:nvPicPr>
-        <p:blipFill rotWithShape="1">
-          <a:blip r:embed="rId2"/>
-          <a:srcRect t="-14245" b="14245"/>
-          <a:stretch/>
-        </p:blipFill>
-        <p:spPr>
-          <a:xfrm>
-            <a:off x="-236" y="5631944"/>
-            <a:ext cx="2470720" cy="1361793"/>
-          </a:xfrm>
-          <a:prstGeom prst="rect">
-            <a:avLst/>
-          </a:prstGeom>
-        </p:spPr>
-      </p:pic>
-      <p:sp>
-        <p:nvSpPr>
-          <p:cNvPr id="5" name="Title 1"/>
-          <p:cNvSpPr txBox="1">
-            <a:spLocks/>
-          </p:cNvSpPr>
-          <p:nvPr/>
-        </p:nvSpPr>
-        <p:spPr>
-          <a:xfrm>
-            <a:off x="0" y="193965"/>
-            <a:ext cx="12192000" cy="598635"/>
-          </a:xfrm>
-          <a:prstGeom prst="rect">
-            <a:avLst/>
-          </a:prstGeom>
-          <a:solidFill>
-            <a:srgbClr val="AD0103"/>
-          </a:solidFill>
-          <a:ln>
-            <a:solidFill>
-              <a:srgbClr val="B20206"/>
-            </a:solidFill>
-          </a:ln>
-          <a:effectLst>
-            <a:outerShdw blurRad="50800" dist="38100" dir="2700000" algn="tl" rotWithShape="0">
-              <a:prstClr val="black">
-                <a:alpha val="40000"/>
-              </a:prstClr>
-            </a:outerShdw>
-          </a:effectLst>
-        </p:spPr>
-        <p:txBody>
-          <a:bodyPr vert="horz" lIns="91440" tIns="45720" rIns="91440" bIns="45720" rtlCol="0" anchor="ctr">
-            <a:normAutofit/>
-          </a:bodyPr>
-          <a:lstStyle>
-            <a:lvl1pPr algn="l" defTabSz="914400" rtl="0" eaLnBrk="1" latinLnBrk="0" hangingPunct="1">
-              <a:lnSpc>
-                <a:spcPct val="90000"/>
-              </a:lnSpc>
-              <a:spcBef>
-                <a:spcPct val="0"/>
-              </a:spcBef>
-              <a:buNone/>
-              <a:defRPr sz="4400" kern="1200">
-                <a:solidFill>
-                  <a:schemeClr val="tx1"/>
-                </a:solidFill>
-                <a:latin typeface="+mj-lt"/>
-                <a:ea typeface="+mj-ea"/>
-                <a:cs typeface="+mj-cs"/>
-              </a:defRPr>
-            </a:lvl1pPr>
-          </a:lstStyle>
-          <a:p>
-            <a:pPr algn="ctr"/>
-            <a:r>
-              <a:rPr lang="en-US" sz="2800" b="1" dirty="0">
-                <a:solidFill>
-                  <a:schemeClr val="bg1"/>
-                </a:solidFill>
-                <a:latin typeface="Times New Roman" panose="02020603050405020304" pitchFamily="18" charset="0"/>
-                <a:cs typeface="Times New Roman" panose="02020603050405020304" pitchFamily="18" charset="0"/>
-              </a:rPr>
-              <a:t>Nutrition for Diabetics</a:t>
-            </a:r>
-          </a:p>
-        </p:txBody>
-      </p:sp>
-      <p:cxnSp>
-        <p:nvCxnSpPr>
-          <p:cNvPr id="13" name="Straight Connector 12"/>
-          <p:cNvCxnSpPr/>
-          <p:nvPr/>
-        </p:nvCxnSpPr>
-        <p:spPr>
-          <a:xfrm flipV="1">
-            <a:off x="0" y="145473"/>
-            <a:ext cx="12192000" cy="0"/>
-          </a:xfrm>
-          <a:prstGeom prst="line">
-            <a:avLst/>
-          </a:prstGeom>
-          <a:ln>
-            <a:solidFill>
-              <a:srgbClr val="B20206"/>
-            </a:solidFill>
-          </a:ln>
-          <a:effectLst>
-            <a:outerShdw blurRad="50800" dist="38100" dir="2700000" algn="tl" rotWithShape="0">
-              <a:prstClr val="black">
-                <a:alpha val="40000"/>
-              </a:prstClr>
-            </a:outerShdw>
-          </a:effectLst>
-        </p:spPr>
-        <p:style>
-          <a:lnRef idx="2">
-            <a:schemeClr val="accent1"/>
-          </a:lnRef>
-          <a:fillRef idx="0">
-            <a:schemeClr val="accent1"/>
-          </a:fillRef>
-          <a:effectRef idx="1">
-            <a:schemeClr val="accent1"/>
-          </a:effectRef>
-          <a:fontRef idx="minor">
-            <a:schemeClr val="tx1"/>
-          </a:fontRef>
-        </p:style>
-      </p:cxnSp>
-      <p:sp>
-        <p:nvSpPr>
-          <p:cNvPr id="32" name="TextBox 31"/>
-          <p:cNvSpPr txBox="1"/>
-          <p:nvPr/>
-        </p:nvSpPr>
-        <p:spPr>
-          <a:xfrm>
-            <a:off x="710045" y="1219767"/>
-            <a:ext cx="10583597" cy="5555367"/>
-          </a:xfrm>
-          <a:prstGeom prst="rect">
-            <a:avLst/>
-          </a:prstGeom>
-          <a:noFill/>
-        </p:spPr>
-        <p:txBody>
-          <a:bodyPr wrap="square" rtlCol="0">
-            <a:spAutoFit/>
-          </a:bodyPr>
-          <a:lstStyle/>
-          <a:p>
-            <a:pPr marL="342900" indent="-342900">
-              <a:buFont typeface="Arial" panose="020B0604020202020204" pitchFamily="34" charset="0"/>
-              <a:buChar char="•"/>
-            </a:pPr>
-            <a:r>
-              <a:rPr lang="en-US" sz="2400" dirty="0"/>
-              <a:t>For many individuals the diet is the hardest part. </a:t>
-            </a:r>
-          </a:p>
-          <a:p>
-            <a:pPr marL="342900" indent="-342900">
-              <a:buFont typeface="Arial" panose="020B0604020202020204" pitchFamily="34" charset="0"/>
-              <a:buChar char="•"/>
-            </a:pPr>
-            <a:r>
-              <a:rPr lang="en-US" sz="2400" dirty="0"/>
-              <a:t>No one-size-fits all eating pattern</a:t>
-            </a:r>
-          </a:p>
-          <a:p>
-            <a:pPr marL="342900" indent="-342900">
-              <a:buFont typeface="Arial" panose="020B0604020202020204" pitchFamily="34" charset="0"/>
-              <a:buChar char="•"/>
-            </a:pPr>
-            <a:r>
-              <a:rPr lang="en-US" sz="2400" dirty="0"/>
-              <a:t>Recommended individualized medical nutrition therapy (</a:t>
-            </a:r>
-            <a:r>
-              <a:rPr lang="en-US" sz="2400" dirty="0">
-                <a:highlight>
-                  <a:srgbClr val="FFFF00"/>
-                </a:highlight>
-              </a:rPr>
-              <a:t>MNT</a:t>
-            </a:r>
-            <a:r>
-              <a:rPr lang="en-US" sz="2400" dirty="0"/>
-              <a:t>), associated with a 0.3%-1% decrease in HbA1C for type 1 and 0.5%-2% for type 2. The larger change in diet for type 2 is likely a matter of a worse diet at time of diagnosis leading to a greater change in diet.</a:t>
-            </a:r>
-          </a:p>
-          <a:p>
-            <a:pPr marL="342900" indent="-342900">
-              <a:buFont typeface="Arial" panose="020B0604020202020204" pitchFamily="34" charset="0"/>
-              <a:buChar char="•"/>
-            </a:pPr>
-            <a:r>
-              <a:rPr lang="en-US" sz="2400" dirty="0"/>
-              <a:t>Goals: Emphasize nutrient-dense foods in appropriate portion sizes (maintain bodyweight goals), address personal and cultural preferences and health literacy, “nonjudgmental messages about food choices”, give knowledge of practical tools rather than focusing on certain nutrients</a:t>
-            </a:r>
-          </a:p>
-          <a:p>
-            <a:pPr marL="342900" indent="-342900">
-              <a:buFont typeface="Arial" panose="020B0604020202020204" pitchFamily="34" charset="0"/>
-              <a:buChar char="•"/>
-            </a:pPr>
-            <a:r>
-              <a:rPr lang="en-US" sz="2400" dirty="0"/>
-              <a:t>Body weight management: “Modest weight loss” is 5% of body weight. They are recommending an energy deficit of 500-700 calories per day. If you only shoot for a 7% reduction, that seems like a big deficit. </a:t>
-            </a:r>
-          </a:p>
-          <a:p>
-            <a:pPr marL="285750" indent="-285750">
-              <a:spcAft>
-                <a:spcPts val="600"/>
-              </a:spcAft>
-              <a:buFont typeface="Arial" panose="020B0604020202020204" pitchFamily="34" charset="0"/>
-              <a:buChar char="•"/>
-            </a:pPr>
-            <a:endParaRPr lang="en-US" sz="2000" dirty="0">
-              <a:latin typeface="Times New Roman" panose="02020603050405020304" pitchFamily="18" charset="0"/>
-              <a:cs typeface="Times New Roman" panose="02020603050405020304" pitchFamily="18" charset="0"/>
-            </a:endParaRPr>
-          </a:p>
-          <a:p>
-            <a:pPr marL="285750" indent="-285750">
-              <a:buFont typeface="Arial" panose="020B0604020202020204" pitchFamily="34" charset="0"/>
-              <a:buChar char="•"/>
-            </a:pPr>
-            <a:endParaRPr lang="en-US" dirty="0">
-              <a:latin typeface="Times New Roman" panose="02020603050405020304" pitchFamily="18" charset="0"/>
-              <a:cs typeface="Times New Roman" panose="02020603050405020304" pitchFamily="18" charset="0"/>
-            </a:endParaRPr>
-          </a:p>
-        </p:txBody>
-      </p:sp>
-      <p:sp>
-        <p:nvSpPr>
-          <p:cNvPr id="12" name="Rectangle 11">
-            <a:extLst>
-              <a:ext uri="{FF2B5EF4-FFF2-40B4-BE49-F238E27FC236}">
-                <a16:creationId xmlns:a16="http://schemas.microsoft.com/office/drawing/2014/main" id="{E3478910-3965-F74F-8647-D94350FC5BD6}"/>
-              </a:ext>
-            </a:extLst>
-          </p:cNvPr>
-          <p:cNvSpPr/>
-          <p:nvPr/>
-        </p:nvSpPr>
-        <p:spPr>
-          <a:xfrm>
-            <a:off x="546299" y="6530225"/>
-            <a:ext cx="2243275" cy="81289"/>
-          </a:xfrm>
-          <a:prstGeom prst="rect">
-            <a:avLst/>
-          </a:prstGeom>
-          <a:solidFill>
-            <a:schemeClr val="bg1"/>
-          </a:solidFill>
-          <a:ln>
-            <a:solidFill>
-              <a:schemeClr val="bg1"/>
-            </a:solidFill>
-          </a:ln>
-        </p:spPr>
-        <p:style>
-          <a:lnRef idx="2">
-            <a:schemeClr val="accent1">
-              <a:shade val="50000"/>
-            </a:schemeClr>
-          </a:lnRef>
-          <a:fillRef idx="1">
-            <a:schemeClr val="accent1"/>
-          </a:fillRef>
-          <a:effectRef idx="0">
-            <a:schemeClr val="accent1"/>
-          </a:effectRef>
-          <a:fontRef idx="minor">
-            <a:schemeClr val="lt1"/>
-          </a:fontRef>
-        </p:style>
-        <p:txBody>
-          <a:bodyPr rtlCol="0" anchor="ctr"/>
-          <a:lstStyle/>
-          <a:p>
-            <a:pPr algn="ctr"/>
-            <a:endParaRPr lang="en-US"/>
-          </a:p>
-        </p:txBody>
-      </p:sp>
-      <p:cxnSp>
-        <p:nvCxnSpPr>
-          <p:cNvPr id="14" name="Straight Connector 13">
-            <a:extLst>
-              <a:ext uri="{FF2B5EF4-FFF2-40B4-BE49-F238E27FC236}">
-                <a16:creationId xmlns:a16="http://schemas.microsoft.com/office/drawing/2014/main" id="{207B32FE-F21C-414F-AD84-1849211E7F9C}"/>
-              </a:ext>
-            </a:extLst>
-          </p:cNvPr>
-          <p:cNvCxnSpPr>
-            <a:cxnSpLocks/>
-          </p:cNvCxnSpPr>
-          <p:nvPr/>
-        </p:nvCxnSpPr>
-        <p:spPr>
-          <a:xfrm>
-            <a:off x="571012" y="6554505"/>
-            <a:ext cx="11612880" cy="0"/>
-          </a:xfrm>
-          <a:prstGeom prst="line">
-            <a:avLst/>
-          </a:prstGeom>
-          <a:ln>
-            <a:solidFill>
-              <a:srgbClr val="B20206"/>
-            </a:solidFill>
-          </a:ln>
-        </p:spPr>
-        <p:style>
-          <a:lnRef idx="2">
-            <a:schemeClr val="accent1"/>
-          </a:lnRef>
-          <a:fillRef idx="0">
-            <a:schemeClr val="accent1"/>
-          </a:fillRef>
-          <a:effectRef idx="1">
-            <a:schemeClr val="accent1"/>
-          </a:effectRef>
-          <a:fontRef idx="minor">
-            <a:schemeClr val="tx1"/>
-          </a:fontRef>
-        </p:style>
-      </p:cxnSp>
-    </p:spTree>
-    <p:extLst>
-      <p:ext uri="{BB962C8B-B14F-4D97-AF65-F5344CB8AC3E}">
-        <p14:creationId xmlns:p14="http://schemas.microsoft.com/office/powerpoint/2010/main" val="743801190"/>
-      </p:ext>
-    </p:extLst>
-  </p:cSld>
-  <p:clrMapOvr>
-    <a:masterClrMapping/>
-  </p:clrMapOvr>
-</p:sld>
-</file>
-
-<file path=ppt/slides/slide22.xml><?xml version="1.0" encoding="utf-8"?>
-<p:sld xmlns:a="http://schemas.openxmlformats.org/drawingml/2006/main" xmlns:r="http://schemas.openxmlformats.org/officeDocument/2006/relationships" xmlns:p="http://schemas.openxmlformats.org/presentationml/2006/main">
-  <p:cSld>
-    <p:spTree>
-      <p:nvGrpSpPr>
-        <p:cNvPr id="1" name=""/>
-        <p:cNvGrpSpPr/>
-        <p:nvPr/>
-      </p:nvGrpSpPr>
-      <p:grpSpPr>
-        <a:xfrm>
-          <a:off x="0" y="0"/>
-          <a:ext cx="0" cy="0"/>
-          <a:chOff x="0" y="0"/>
-          <a:chExt cx="0" cy="0"/>
-        </a:xfrm>
-      </p:grpSpPr>
-      <p:pic>
-        <p:nvPicPr>
-          <p:cNvPr id="11" name="Picture 10">
-            <a:extLst>
-              <a:ext uri="{FF2B5EF4-FFF2-40B4-BE49-F238E27FC236}">
-                <a16:creationId xmlns:a16="http://schemas.microsoft.com/office/drawing/2014/main" id="{23AB49DE-230D-1D4E-8D6D-F5F1BB3119D7}"/>
-              </a:ext>
-            </a:extLst>
-          </p:cNvPr>
-          <p:cNvPicPr>
-            <a:picLocks noChangeAspect="1"/>
-          </p:cNvPicPr>
-          <p:nvPr/>
-        </p:nvPicPr>
-        <p:blipFill rotWithShape="1">
-          <a:blip r:embed="rId2"/>
-          <a:srcRect t="-14245" b="14245"/>
-          <a:stretch/>
-        </p:blipFill>
-        <p:spPr>
-          <a:xfrm>
-            <a:off x="-236" y="5631944"/>
-            <a:ext cx="2470720" cy="1361793"/>
-          </a:xfrm>
-          <a:prstGeom prst="rect">
-            <a:avLst/>
-          </a:prstGeom>
-        </p:spPr>
-      </p:pic>
-      <p:sp>
-        <p:nvSpPr>
-          <p:cNvPr id="5" name="Title 1"/>
-          <p:cNvSpPr txBox="1">
-            <a:spLocks/>
-          </p:cNvSpPr>
-          <p:nvPr/>
-        </p:nvSpPr>
-        <p:spPr>
-          <a:xfrm>
-            <a:off x="0" y="193965"/>
-            <a:ext cx="12192000" cy="598635"/>
-          </a:xfrm>
-          <a:prstGeom prst="rect">
-            <a:avLst/>
-          </a:prstGeom>
-          <a:solidFill>
-            <a:srgbClr val="AD0103"/>
-          </a:solidFill>
-          <a:ln>
-            <a:solidFill>
-              <a:srgbClr val="B20206"/>
-            </a:solidFill>
-          </a:ln>
-          <a:effectLst>
-            <a:outerShdw blurRad="50800" dist="38100" dir="2700000" algn="tl" rotWithShape="0">
-              <a:prstClr val="black">
-                <a:alpha val="40000"/>
-              </a:prstClr>
-            </a:outerShdw>
-          </a:effectLst>
-        </p:spPr>
-        <p:txBody>
-          <a:bodyPr vert="horz" lIns="91440" tIns="45720" rIns="91440" bIns="45720" rtlCol="0" anchor="ctr">
-            <a:normAutofit/>
-          </a:bodyPr>
-          <a:lstStyle>
-            <a:lvl1pPr algn="l" defTabSz="914400" rtl="0" eaLnBrk="1" latinLnBrk="0" hangingPunct="1">
-              <a:lnSpc>
-                <a:spcPct val="90000"/>
-              </a:lnSpc>
-              <a:spcBef>
-                <a:spcPct val="0"/>
-              </a:spcBef>
-              <a:buNone/>
-              <a:defRPr sz="4400" kern="1200">
-                <a:solidFill>
-                  <a:schemeClr val="tx1"/>
-                </a:solidFill>
-                <a:latin typeface="+mj-lt"/>
-                <a:ea typeface="+mj-ea"/>
-                <a:cs typeface="+mj-cs"/>
-              </a:defRPr>
-            </a:lvl1pPr>
-          </a:lstStyle>
-          <a:p>
-            <a:pPr algn="ctr"/>
-            <a:r>
-              <a:rPr lang="en-US" sz="2800" b="1" dirty="0">
-                <a:solidFill>
-                  <a:schemeClr val="bg1"/>
-                </a:solidFill>
-                <a:latin typeface="Times New Roman" panose="02020603050405020304" pitchFamily="18" charset="0"/>
-                <a:cs typeface="Times New Roman" panose="02020603050405020304" pitchFamily="18" charset="0"/>
-              </a:rPr>
-              <a:t>Physical Activity Recommendations for Diabetics</a:t>
-            </a:r>
-          </a:p>
-        </p:txBody>
-      </p:sp>
-      <p:cxnSp>
-        <p:nvCxnSpPr>
-          <p:cNvPr id="13" name="Straight Connector 12"/>
-          <p:cNvCxnSpPr/>
-          <p:nvPr/>
-        </p:nvCxnSpPr>
-        <p:spPr>
-          <a:xfrm flipV="1">
-            <a:off x="0" y="145473"/>
-            <a:ext cx="12192000" cy="0"/>
-          </a:xfrm>
-          <a:prstGeom prst="line">
-            <a:avLst/>
-          </a:prstGeom>
-          <a:ln>
-            <a:solidFill>
-              <a:srgbClr val="B20206"/>
-            </a:solidFill>
-          </a:ln>
-          <a:effectLst>
-            <a:outerShdw blurRad="50800" dist="38100" dir="2700000" algn="tl" rotWithShape="0">
-              <a:prstClr val="black">
-                <a:alpha val="40000"/>
-              </a:prstClr>
-            </a:outerShdw>
-          </a:effectLst>
-        </p:spPr>
-        <p:style>
-          <a:lnRef idx="2">
-            <a:schemeClr val="accent1"/>
-          </a:lnRef>
-          <a:fillRef idx="0">
-            <a:schemeClr val="accent1"/>
-          </a:fillRef>
-          <a:effectRef idx="1">
-            <a:schemeClr val="accent1"/>
-          </a:effectRef>
-          <a:fontRef idx="minor">
-            <a:schemeClr val="tx1"/>
-          </a:fontRef>
-        </p:style>
-      </p:cxnSp>
-      <p:sp>
-        <p:nvSpPr>
-          <p:cNvPr id="32" name="TextBox 31"/>
-          <p:cNvSpPr txBox="1"/>
-          <p:nvPr/>
-        </p:nvSpPr>
-        <p:spPr>
-          <a:xfrm>
-            <a:off x="710045" y="1219767"/>
-            <a:ext cx="10583597" cy="5170646"/>
-          </a:xfrm>
-          <a:prstGeom prst="rect">
-            <a:avLst/>
-          </a:prstGeom>
-          <a:noFill/>
-        </p:spPr>
-        <p:txBody>
-          <a:bodyPr wrap="square" rtlCol="0">
-            <a:spAutoFit/>
-          </a:bodyPr>
-          <a:lstStyle/>
-          <a:p>
-            <a:pPr marL="342900" indent="-342900">
-              <a:buFont typeface="Arial" panose="020B0604020202020204" pitchFamily="34" charset="0"/>
-              <a:buChar char="•"/>
-            </a:pPr>
-            <a:r>
-              <a:rPr lang="en-US" sz="2400" dirty="0"/>
-              <a:t>Carbs: Lower glycemic index, reduce refined carbs and sugars just like everyone else is recommended to do. </a:t>
-            </a:r>
-          </a:p>
-          <a:p>
-            <a:pPr marL="342900" indent="-342900">
-              <a:buFont typeface="Arial" panose="020B0604020202020204" pitchFamily="34" charset="0"/>
-              <a:buChar char="•"/>
-            </a:pPr>
-            <a:r>
-              <a:rPr lang="en-US" sz="2400" dirty="0"/>
-              <a:t>Protein: Individualized based on eating patterns, but 1-1.5 g/kg body weight. Recommended increased protein intake for helping satiety. If kidney disease is present, lower protein intake to 0.8 g/kg bodyweight per day. Higher protein has been shown to increase insulin response. </a:t>
-            </a:r>
-          </a:p>
-          <a:p>
-            <a:pPr marL="342900" indent="-342900">
-              <a:buFont typeface="Arial" panose="020B0604020202020204" pitchFamily="34" charset="0"/>
-              <a:buChar char="•"/>
-            </a:pPr>
-            <a:r>
-              <a:rPr lang="en-US" sz="2400" dirty="0"/>
-              <a:t>Fat: Recommended 20-35% of total calories. Avoid trans-fats, Mediterranean diets high in </a:t>
-            </a:r>
-            <a:r>
-              <a:rPr lang="en-US" sz="2400" dirty="0" err="1"/>
-              <a:t>Moufas</a:t>
-            </a:r>
-            <a:r>
-              <a:rPr lang="en-US" sz="2400" dirty="0"/>
-              <a:t> seem to help, but supplements do not. </a:t>
-            </a:r>
-          </a:p>
-          <a:p>
-            <a:pPr marL="342900" indent="-342900">
-              <a:buFont typeface="Arial" panose="020B0604020202020204" pitchFamily="34" charset="0"/>
-              <a:buChar char="•"/>
-            </a:pPr>
-            <a:r>
-              <a:rPr lang="en-US" sz="2400" dirty="0"/>
-              <a:t>Sodium: &lt; 2300 mg/day. No special supplements, except that metformin causes B12 deficiency. Other vitamins have not been tested for long-term safety, but I personally recommend AREDS supplements for vision. </a:t>
-            </a:r>
-          </a:p>
-          <a:p>
-            <a:pPr marL="342900" indent="-342900">
-              <a:buFont typeface="Arial" panose="020B0604020202020204" pitchFamily="34" charset="0"/>
-              <a:buChar char="•"/>
-            </a:pPr>
-            <a:r>
-              <a:rPr lang="en-US" sz="2400" dirty="0"/>
-              <a:t>Nonnutritive sweeteners are generally recommended to replace sugar but have a lifetime intake limit. </a:t>
-            </a:r>
-            <a:endParaRPr lang="en-US" sz="2000" dirty="0">
-              <a:latin typeface="Times New Roman" panose="02020603050405020304" pitchFamily="18" charset="0"/>
-              <a:cs typeface="Times New Roman" panose="02020603050405020304" pitchFamily="18" charset="0"/>
-            </a:endParaRPr>
-          </a:p>
-          <a:p>
-            <a:pPr marL="285750" indent="-285750">
-              <a:buFont typeface="Arial" panose="020B0604020202020204" pitchFamily="34" charset="0"/>
-              <a:buChar char="•"/>
-            </a:pPr>
-            <a:endParaRPr lang="en-US" dirty="0">
-              <a:latin typeface="Times New Roman" panose="02020603050405020304" pitchFamily="18" charset="0"/>
-              <a:cs typeface="Times New Roman" panose="02020603050405020304" pitchFamily="18" charset="0"/>
-            </a:endParaRPr>
-          </a:p>
-        </p:txBody>
-      </p:sp>
-      <p:sp>
-        <p:nvSpPr>
-          <p:cNvPr id="12" name="Rectangle 11">
-            <a:extLst>
-              <a:ext uri="{FF2B5EF4-FFF2-40B4-BE49-F238E27FC236}">
-                <a16:creationId xmlns:a16="http://schemas.microsoft.com/office/drawing/2014/main" id="{E3478910-3965-F74F-8647-D94350FC5BD6}"/>
-              </a:ext>
-            </a:extLst>
-          </p:cNvPr>
-          <p:cNvSpPr/>
-          <p:nvPr/>
-        </p:nvSpPr>
-        <p:spPr>
-          <a:xfrm>
-            <a:off x="546299" y="6530225"/>
-            <a:ext cx="2243275" cy="81289"/>
-          </a:xfrm>
-          <a:prstGeom prst="rect">
-            <a:avLst/>
-          </a:prstGeom>
-          <a:solidFill>
-            <a:schemeClr val="bg1"/>
-          </a:solidFill>
-          <a:ln>
-            <a:solidFill>
-              <a:schemeClr val="bg1"/>
-            </a:solidFill>
-          </a:ln>
-        </p:spPr>
-        <p:style>
-          <a:lnRef idx="2">
-            <a:schemeClr val="accent1">
-              <a:shade val="50000"/>
-            </a:schemeClr>
-          </a:lnRef>
-          <a:fillRef idx="1">
-            <a:schemeClr val="accent1"/>
-          </a:fillRef>
-          <a:effectRef idx="0">
-            <a:schemeClr val="accent1"/>
-          </a:effectRef>
-          <a:fontRef idx="minor">
-            <a:schemeClr val="lt1"/>
-          </a:fontRef>
-        </p:style>
-        <p:txBody>
-          <a:bodyPr rtlCol="0" anchor="ctr"/>
-          <a:lstStyle/>
-          <a:p>
-            <a:pPr algn="ctr"/>
-            <a:endParaRPr lang="en-US"/>
-          </a:p>
-        </p:txBody>
-      </p:sp>
-      <p:cxnSp>
-        <p:nvCxnSpPr>
-          <p:cNvPr id="14" name="Straight Connector 13">
-            <a:extLst>
-              <a:ext uri="{FF2B5EF4-FFF2-40B4-BE49-F238E27FC236}">
-                <a16:creationId xmlns:a16="http://schemas.microsoft.com/office/drawing/2014/main" id="{207B32FE-F21C-414F-AD84-1849211E7F9C}"/>
-              </a:ext>
-            </a:extLst>
-          </p:cNvPr>
-          <p:cNvCxnSpPr>
-            <a:cxnSpLocks/>
-          </p:cNvCxnSpPr>
-          <p:nvPr/>
-        </p:nvCxnSpPr>
-        <p:spPr>
-          <a:xfrm>
-            <a:off x="571012" y="6554505"/>
-            <a:ext cx="11612880" cy="0"/>
-          </a:xfrm>
-          <a:prstGeom prst="line">
-            <a:avLst/>
-          </a:prstGeom>
-          <a:ln>
-            <a:solidFill>
-              <a:srgbClr val="B20206"/>
-            </a:solidFill>
-          </a:ln>
-        </p:spPr>
-        <p:style>
-          <a:lnRef idx="2">
-            <a:schemeClr val="accent1"/>
-          </a:lnRef>
-          <a:fillRef idx="0">
-            <a:schemeClr val="accent1"/>
-          </a:fillRef>
-          <a:effectRef idx="1">
-            <a:schemeClr val="accent1"/>
-          </a:effectRef>
-          <a:fontRef idx="minor">
-            <a:schemeClr val="tx1"/>
-          </a:fontRef>
-        </p:style>
-      </p:cxnSp>
-    </p:spTree>
-    <p:extLst>
-      <p:ext uri="{BB962C8B-B14F-4D97-AF65-F5344CB8AC3E}">
-        <p14:creationId xmlns:p14="http://schemas.microsoft.com/office/powerpoint/2010/main" val="3962583396"/>
       </p:ext>
     </p:extLst>
   </p:cSld>
@@ -11626,7 +11647,7 @@
                 <a:latin typeface="Times New Roman" panose="02020603050405020304" pitchFamily="18" charset="0"/>
                 <a:cs typeface="Times New Roman" panose="02020603050405020304" pitchFamily="18" charset="0"/>
               </a:rPr>
-              <a:t>Physical Activity Recommendations for Diabetics</a:t>
+              <a:t>Nutrition for Diabetics</a:t>
             </a:r>
           </a:p>
         </p:txBody>
@@ -11682,7 +11703,7 @@
         <p:spPr>
           <a:xfrm>
             <a:off x="710045" y="1219767"/>
-            <a:ext cx="10583597" cy="4062651"/>
+            <a:ext cx="10583597" cy="5555367"/>
           </a:xfrm>
           <a:prstGeom prst="rect">
             <a:avLst/>
@@ -11700,24 +11721,8 @@
               <a:buChar char="•"/>
             </a:pPr>
             <a:r>
-              <a:rPr lang="en-US" sz="2400" dirty="0">
-                <a:latin typeface="Times New Roman" panose="02020603050405020304" pitchFamily="18" charset="0"/>
-                <a:cs typeface="Times New Roman" panose="02020603050405020304" pitchFamily="18" charset="0"/>
-              </a:rPr>
-              <a:t>Exercise recommendations: </a:t>
-            </a:r>
-          </a:p>
-          <a:p>
-            <a:pPr marL="800100" lvl="1" indent="-342900">
-              <a:buFont typeface="Arial" panose="020B0604020202020204" pitchFamily="34" charset="0"/>
-              <a:buChar char="•"/>
-            </a:pPr>
-            <a:r>
-              <a:rPr lang="en-US" dirty="0">
-                <a:latin typeface="Times New Roman" panose="02020603050405020304" pitchFamily="18" charset="0"/>
-                <a:cs typeface="Times New Roman" panose="02020603050405020304" pitchFamily="18" charset="0"/>
-              </a:rPr>
-              <a:t>Luckily, these are just about the same as they are for everyone else</a:t>
+              <a:rPr lang="en-US" sz="2400" dirty="0"/>
+              <a:t>For many individuals the diet is the hardest part. </a:t>
             </a:r>
           </a:p>
           <a:p>
@@ -11726,11 +11731,8 @@
               <a:buChar char="•"/>
             </a:pPr>
             <a:r>
-              <a:rPr lang="en-US" dirty="0">
-                <a:latin typeface="Times New Roman" panose="02020603050405020304" pitchFamily="18" charset="0"/>
-                <a:cs typeface="Times New Roman" panose="02020603050405020304" pitchFamily="18" charset="0"/>
-              </a:rPr>
-              <a:t>Structured exercise program at least 8 weeks</a:t>
+              <a:rPr lang="en-US" sz="2400" dirty="0"/>
+              <a:t>No one-size-fits all eating pattern</a:t>
             </a:r>
           </a:p>
           <a:p>
@@ -11739,24 +11741,20 @@
               <a:buChar char="•"/>
             </a:pPr>
             <a:r>
-              <a:rPr lang="en-US" dirty="0">
-                <a:latin typeface="Times New Roman" panose="02020603050405020304" pitchFamily="18" charset="0"/>
-                <a:cs typeface="Times New Roman" panose="02020603050405020304" pitchFamily="18" charset="0"/>
+              <a:rPr lang="en-US" sz="2400" dirty="0"/>
+              <a:t>Recommended individualized medical nutrition therapy (</a:t>
+            </a:r>
+            <a:r>
+              <a:rPr lang="en-US" sz="2400" dirty="0">
+                <a:highlight>
+                  <a:srgbClr val="FFFF00"/>
+                </a:highlight>
               </a:rPr>
-              <a:t>Children:</a:t>
-            </a:r>
-          </a:p>
-          <a:p>
-            <a:pPr marL="800100" lvl="1" indent="-342900">
-              <a:buFont typeface="Arial" panose="020B0604020202020204" pitchFamily="34" charset="0"/>
-              <a:buChar char="•"/>
-            </a:pPr>
-            <a:r>
-              <a:rPr lang="en-US" dirty="0">
-                <a:latin typeface="Times New Roman" panose="02020603050405020304" pitchFamily="18" charset="0"/>
-                <a:cs typeface="Times New Roman" panose="02020603050405020304" pitchFamily="18" charset="0"/>
-              </a:rPr>
-              <a:t>60 minutes per day of moderate or vigorous activity aerobic activity, bone and muscle strengthening activities 3 times per week </a:t>
+              <a:t>MNT</a:t>
+            </a:r>
+            <a:r>
+              <a:rPr lang="en-US" sz="2400" dirty="0"/>
+              <a:t>), associated with a 0.3%-1% decrease in HbA1C for type 1 and 0.5%-2% for type 2. The larger change in diet for type 2 is likely a matter of a worse diet at time of diagnosis leading to a greater change in diet.</a:t>
             </a:r>
           </a:p>
           <a:p>
@@ -11765,77 +11763,8 @@
               <a:buChar char="•"/>
             </a:pPr>
             <a:r>
-              <a:rPr lang="en-US" dirty="0">
-                <a:latin typeface="Times New Roman" panose="02020603050405020304" pitchFamily="18" charset="0"/>
-                <a:cs typeface="Times New Roman" panose="02020603050405020304" pitchFamily="18" charset="0"/>
-              </a:rPr>
-              <a:t>Adults:</a:t>
-            </a:r>
-          </a:p>
-          <a:p>
-            <a:pPr marL="800100" lvl="1" indent="-342900">
-              <a:buFont typeface="Arial" panose="020B0604020202020204" pitchFamily="34" charset="0"/>
-              <a:buChar char="•"/>
-            </a:pPr>
-            <a:r>
-              <a:rPr lang="en-US" dirty="0">
-                <a:latin typeface="Times New Roman" panose="02020603050405020304" pitchFamily="18" charset="0"/>
-                <a:cs typeface="Times New Roman" panose="02020603050405020304" pitchFamily="18" charset="0"/>
-              </a:rPr>
-              <a:t>150 minutes per week of </a:t>
-            </a:r>
-            <a:r>
-              <a:rPr lang="en-US" dirty="0" err="1">
-                <a:latin typeface="Times New Roman" panose="02020603050405020304" pitchFamily="18" charset="0"/>
-                <a:cs typeface="Times New Roman" panose="02020603050405020304" pitchFamily="18" charset="0"/>
-              </a:rPr>
-              <a:t>moterate</a:t>
-            </a:r>
-            <a:r>
-              <a:rPr lang="en-US" dirty="0">
-                <a:latin typeface="Times New Roman" panose="02020603050405020304" pitchFamily="18" charset="0"/>
-                <a:cs typeface="Times New Roman" panose="02020603050405020304" pitchFamily="18" charset="0"/>
-              </a:rPr>
-              <a:t> to vigorous activity spread out over at least 3 days</a:t>
-            </a:r>
-          </a:p>
-          <a:p>
-            <a:pPr marL="800100" lvl="1" indent="-342900">
-              <a:buFont typeface="Arial" panose="020B0604020202020204" pitchFamily="34" charset="0"/>
-              <a:buChar char="•"/>
-            </a:pPr>
-            <a:r>
-              <a:rPr lang="en-US" dirty="0">
-                <a:latin typeface="Times New Roman" panose="02020603050405020304" pitchFamily="18" charset="0"/>
-                <a:cs typeface="Times New Roman" panose="02020603050405020304" pitchFamily="18" charset="0"/>
-              </a:rPr>
-              <a:t>2-3 resistance training workouts per week</a:t>
-            </a:r>
-          </a:p>
-          <a:p>
-            <a:pPr marL="800100" lvl="1" indent="-342900">
-              <a:buFont typeface="Arial" panose="020B0604020202020204" pitchFamily="34" charset="0"/>
-              <a:buChar char="•"/>
-            </a:pPr>
-            <a:r>
-              <a:rPr lang="en-US" dirty="0">
-                <a:latin typeface="Times New Roman" panose="02020603050405020304" pitchFamily="18" charset="0"/>
-                <a:cs typeface="Times New Roman" panose="02020603050405020304" pitchFamily="18" charset="0"/>
-              </a:rPr>
-              <a:t>Decrease prolonged sedentary behavior</a:t>
-            </a:r>
-          </a:p>
-          <a:p>
-            <a:pPr marL="800100" lvl="1" indent="-342900">
-              <a:buFont typeface="Arial" panose="020B0604020202020204" pitchFamily="34" charset="0"/>
-              <a:buChar char="•"/>
-            </a:pPr>
-            <a:r>
-              <a:rPr lang="en-US" dirty="0">
-                <a:latin typeface="Times New Roman" panose="02020603050405020304" pitchFamily="18" charset="0"/>
-                <a:cs typeface="Times New Roman" panose="02020603050405020304" pitchFamily="18" charset="0"/>
-              </a:rPr>
-              <a:t>Flexibility training for older adults (yoga or tai chi)</a:t>
+              <a:rPr lang="en-US" sz="2400" dirty="0"/>
+              <a:t>Goals: Emphasize nutrient-dense foods in appropriate portion sizes (maintain bodyweight goals), address personal and cultural preferences and health literacy, “nonjudgmental messages about food choices”, give knowledge of practical tools rather than focusing on certain nutrients</a:t>
             </a:r>
           </a:p>
           <a:p>
@@ -11844,39 +11773,25 @@
               <a:buChar char="•"/>
             </a:pPr>
             <a:r>
-              <a:rPr lang="en-US" dirty="0">
-                <a:latin typeface="Times New Roman" panose="02020603050405020304" pitchFamily="18" charset="0"/>
-                <a:cs typeface="Times New Roman" panose="02020603050405020304" pitchFamily="18" charset="0"/>
-              </a:rPr>
-              <a:t>Quit smoking</a:t>
-            </a:r>
-          </a:p>
-          <a:p>
-            <a:pPr marL="800100" lvl="1" indent="-342900">
+              <a:rPr lang="en-US" sz="2400" dirty="0"/>
+              <a:t>Body weight management: “Modest weight loss” is 5% of body weight. They are recommending an energy deficit of 500-700 calories per day. If you only shoot for a 7% reduction, that seems like a big deficit. </a:t>
+            </a:r>
+          </a:p>
+          <a:p>
+            <a:pPr marL="285750" indent="-285750">
+              <a:spcAft>
+                <a:spcPts val="600"/>
+              </a:spcAft>
               <a:buFont typeface="Arial" panose="020B0604020202020204" pitchFamily="34" charset="0"/>
               <a:buChar char="•"/>
             </a:pPr>
-            <a:r>
-              <a:rPr lang="en-US" dirty="0">
-                <a:latin typeface="Times New Roman" panose="02020603050405020304" pitchFamily="18" charset="0"/>
-                <a:cs typeface="Times New Roman" panose="02020603050405020304" pitchFamily="18" charset="0"/>
-              </a:rPr>
-              <a:t>This includes </a:t>
-            </a:r>
-            <a:r>
-              <a:rPr lang="en-US" dirty="0" err="1">
-                <a:latin typeface="Times New Roman" panose="02020603050405020304" pitchFamily="18" charset="0"/>
-                <a:cs typeface="Times New Roman" panose="02020603050405020304" pitchFamily="18" charset="0"/>
-              </a:rPr>
-              <a:t>ecigarettes</a:t>
-            </a:r>
-            <a:endParaRPr lang="en-US" dirty="0">
+            <a:endParaRPr lang="en-US" sz="2000" dirty="0">
               <a:latin typeface="Times New Roman" panose="02020603050405020304" pitchFamily="18" charset="0"/>
               <a:cs typeface="Times New Roman" panose="02020603050405020304" pitchFamily="18" charset="0"/>
             </a:endParaRPr>
           </a:p>
           <a:p>
-            <a:pPr marL="800100" lvl="1" indent="-342900">
+            <a:pPr marL="285750" indent="-285750">
               <a:buFont typeface="Arial" panose="020B0604020202020204" pitchFamily="34" charset="0"/>
               <a:buChar char="•"/>
             </a:pPr>
@@ -11987,7 +11902,7 @@
     </p:spTree>
     <p:extLst>
       <p:ext uri="{BB962C8B-B14F-4D97-AF65-F5344CB8AC3E}">
-        <p14:creationId xmlns:p14="http://schemas.microsoft.com/office/powerpoint/2010/main" val="4238274339"/>
+        <p14:creationId xmlns:p14="http://schemas.microsoft.com/office/powerpoint/2010/main" val="743801190"/>
       </p:ext>
     </p:extLst>
   </p:cSld>
@@ -12108,6 +12023,851 @@
                 <a:latin typeface="Times New Roman" panose="02020603050405020304" pitchFamily="18" charset="0"/>
                 <a:cs typeface="Times New Roman" panose="02020603050405020304" pitchFamily="18" charset="0"/>
               </a:rPr>
+              <a:t>Physical Activity Recommendations for Diabetics</a:t>
+            </a:r>
+          </a:p>
+        </p:txBody>
+      </p:sp>
+      <p:cxnSp>
+        <p:nvCxnSpPr>
+          <p:cNvPr id="13" name="Straight Connector 12"/>
+          <p:cNvCxnSpPr/>
+          <p:nvPr/>
+        </p:nvCxnSpPr>
+        <p:spPr>
+          <a:xfrm flipV="1">
+            <a:off x="0" y="145473"/>
+            <a:ext cx="12192000" cy="0"/>
+          </a:xfrm>
+          <a:prstGeom prst="line">
+            <a:avLst/>
+          </a:prstGeom>
+          <a:ln>
+            <a:solidFill>
+              <a:srgbClr val="B20206"/>
+            </a:solidFill>
+          </a:ln>
+          <a:effectLst>
+            <a:outerShdw blurRad="50800" dist="38100" dir="2700000" algn="tl" rotWithShape="0">
+              <a:prstClr val="black">
+                <a:alpha val="40000"/>
+              </a:prstClr>
+            </a:outerShdw>
+          </a:effectLst>
+        </p:spPr>
+        <p:style>
+          <a:lnRef idx="2">
+            <a:schemeClr val="accent1"/>
+          </a:lnRef>
+          <a:fillRef idx="0">
+            <a:schemeClr val="accent1"/>
+          </a:fillRef>
+          <a:effectRef idx="1">
+            <a:schemeClr val="accent1"/>
+          </a:effectRef>
+          <a:fontRef idx="minor">
+            <a:schemeClr val="tx1"/>
+          </a:fontRef>
+        </p:style>
+      </p:cxnSp>
+      <p:sp>
+        <p:nvSpPr>
+          <p:cNvPr id="32" name="TextBox 31"/>
+          <p:cNvSpPr txBox="1"/>
+          <p:nvPr/>
+        </p:nvSpPr>
+        <p:spPr>
+          <a:xfrm>
+            <a:off x="710045" y="1219767"/>
+            <a:ext cx="10583597" cy="5170646"/>
+          </a:xfrm>
+          <a:prstGeom prst="rect">
+            <a:avLst/>
+          </a:prstGeom>
+          <a:noFill/>
+        </p:spPr>
+        <p:txBody>
+          <a:bodyPr wrap="square" rtlCol="0">
+            <a:spAutoFit/>
+          </a:bodyPr>
+          <a:lstStyle/>
+          <a:p>
+            <a:pPr marL="342900" indent="-342900">
+              <a:buFont typeface="Arial" panose="020B0604020202020204" pitchFamily="34" charset="0"/>
+              <a:buChar char="•"/>
+            </a:pPr>
+            <a:r>
+              <a:rPr lang="en-US" sz="2400" dirty="0"/>
+              <a:t>Carbs: Lower glycemic index, reduce refined carbs and sugars just like everyone else is recommended to do. </a:t>
+            </a:r>
+          </a:p>
+          <a:p>
+            <a:pPr marL="342900" indent="-342900">
+              <a:buFont typeface="Arial" panose="020B0604020202020204" pitchFamily="34" charset="0"/>
+              <a:buChar char="•"/>
+            </a:pPr>
+            <a:r>
+              <a:rPr lang="en-US" sz="2400" dirty="0"/>
+              <a:t>Protein: Individualized based on eating patterns, but 1-1.5 g/kg body weight. Recommended increased protein intake for helping satiety. If kidney disease is present, lower protein intake to 0.8 g/kg bodyweight per day. Higher protein has been shown to increase insulin response. </a:t>
+            </a:r>
+          </a:p>
+          <a:p>
+            <a:pPr marL="342900" indent="-342900">
+              <a:buFont typeface="Arial" panose="020B0604020202020204" pitchFamily="34" charset="0"/>
+              <a:buChar char="•"/>
+            </a:pPr>
+            <a:r>
+              <a:rPr lang="en-US" sz="2400" dirty="0"/>
+              <a:t>Fat: Recommended 20-35% of total calories. Avoid trans-fats, Mediterranean diets high in </a:t>
+            </a:r>
+            <a:r>
+              <a:rPr lang="en-US" sz="2400" dirty="0" err="1"/>
+              <a:t>Moufas</a:t>
+            </a:r>
+            <a:r>
+              <a:rPr lang="en-US" sz="2400" dirty="0"/>
+              <a:t> seem to help, but supplements do not. </a:t>
+            </a:r>
+          </a:p>
+          <a:p>
+            <a:pPr marL="342900" indent="-342900">
+              <a:buFont typeface="Arial" panose="020B0604020202020204" pitchFamily="34" charset="0"/>
+              <a:buChar char="•"/>
+            </a:pPr>
+            <a:r>
+              <a:rPr lang="en-US" sz="2400" dirty="0"/>
+              <a:t>Sodium: &lt; 2300 mg/day. No special supplements, except that metformin causes B12 deficiency. Other vitamins have not been tested for long-term safety, but I personally recommend AREDS supplements for vision. </a:t>
+            </a:r>
+          </a:p>
+          <a:p>
+            <a:pPr marL="342900" indent="-342900">
+              <a:buFont typeface="Arial" panose="020B0604020202020204" pitchFamily="34" charset="0"/>
+              <a:buChar char="•"/>
+            </a:pPr>
+            <a:r>
+              <a:rPr lang="en-US" sz="2400" dirty="0"/>
+              <a:t>Nonnutritive sweeteners are generally recommended to replace sugar but have a lifetime intake limit. </a:t>
+            </a:r>
+            <a:endParaRPr lang="en-US" sz="2000" dirty="0">
+              <a:latin typeface="Times New Roman" panose="02020603050405020304" pitchFamily="18" charset="0"/>
+              <a:cs typeface="Times New Roman" panose="02020603050405020304" pitchFamily="18" charset="0"/>
+            </a:endParaRPr>
+          </a:p>
+          <a:p>
+            <a:pPr marL="285750" indent="-285750">
+              <a:buFont typeface="Arial" panose="020B0604020202020204" pitchFamily="34" charset="0"/>
+              <a:buChar char="•"/>
+            </a:pPr>
+            <a:endParaRPr lang="en-US" dirty="0">
+              <a:latin typeface="Times New Roman" panose="02020603050405020304" pitchFamily="18" charset="0"/>
+              <a:cs typeface="Times New Roman" panose="02020603050405020304" pitchFamily="18" charset="0"/>
+            </a:endParaRPr>
+          </a:p>
+        </p:txBody>
+      </p:sp>
+      <p:sp>
+        <p:nvSpPr>
+          <p:cNvPr id="12" name="Rectangle 11">
+            <a:extLst>
+              <a:ext uri="{FF2B5EF4-FFF2-40B4-BE49-F238E27FC236}">
+                <a16:creationId xmlns:a16="http://schemas.microsoft.com/office/drawing/2014/main" id="{E3478910-3965-F74F-8647-D94350FC5BD6}"/>
+              </a:ext>
+            </a:extLst>
+          </p:cNvPr>
+          <p:cNvSpPr/>
+          <p:nvPr/>
+        </p:nvSpPr>
+        <p:spPr>
+          <a:xfrm>
+            <a:off x="546299" y="6530225"/>
+            <a:ext cx="2243275" cy="81289"/>
+          </a:xfrm>
+          <a:prstGeom prst="rect">
+            <a:avLst/>
+          </a:prstGeom>
+          <a:solidFill>
+            <a:schemeClr val="bg1"/>
+          </a:solidFill>
+          <a:ln>
+            <a:solidFill>
+              <a:schemeClr val="bg1"/>
+            </a:solidFill>
+          </a:ln>
+        </p:spPr>
+        <p:style>
+          <a:lnRef idx="2">
+            <a:schemeClr val="accent1">
+              <a:shade val="50000"/>
+            </a:schemeClr>
+          </a:lnRef>
+          <a:fillRef idx="1">
+            <a:schemeClr val="accent1"/>
+          </a:fillRef>
+          <a:effectRef idx="0">
+            <a:schemeClr val="accent1"/>
+          </a:effectRef>
+          <a:fontRef idx="minor">
+            <a:schemeClr val="lt1"/>
+          </a:fontRef>
+        </p:style>
+        <p:txBody>
+          <a:bodyPr rtlCol="0" anchor="ctr"/>
+          <a:lstStyle/>
+          <a:p>
+            <a:pPr algn="ctr"/>
+            <a:endParaRPr lang="en-US"/>
+          </a:p>
+        </p:txBody>
+      </p:sp>
+      <p:cxnSp>
+        <p:nvCxnSpPr>
+          <p:cNvPr id="14" name="Straight Connector 13">
+            <a:extLst>
+              <a:ext uri="{FF2B5EF4-FFF2-40B4-BE49-F238E27FC236}">
+                <a16:creationId xmlns:a16="http://schemas.microsoft.com/office/drawing/2014/main" id="{207B32FE-F21C-414F-AD84-1849211E7F9C}"/>
+              </a:ext>
+            </a:extLst>
+          </p:cNvPr>
+          <p:cNvCxnSpPr>
+            <a:cxnSpLocks/>
+          </p:cNvCxnSpPr>
+          <p:nvPr/>
+        </p:nvCxnSpPr>
+        <p:spPr>
+          <a:xfrm>
+            <a:off x="571012" y="6554505"/>
+            <a:ext cx="11612880" cy="0"/>
+          </a:xfrm>
+          <a:prstGeom prst="line">
+            <a:avLst/>
+          </a:prstGeom>
+          <a:ln>
+            <a:solidFill>
+              <a:srgbClr val="B20206"/>
+            </a:solidFill>
+          </a:ln>
+        </p:spPr>
+        <p:style>
+          <a:lnRef idx="2">
+            <a:schemeClr val="accent1"/>
+          </a:lnRef>
+          <a:fillRef idx="0">
+            <a:schemeClr val="accent1"/>
+          </a:fillRef>
+          <a:effectRef idx="1">
+            <a:schemeClr val="accent1"/>
+          </a:effectRef>
+          <a:fontRef idx="minor">
+            <a:schemeClr val="tx1"/>
+          </a:fontRef>
+        </p:style>
+      </p:cxnSp>
+    </p:spTree>
+    <p:extLst>
+      <p:ext uri="{BB962C8B-B14F-4D97-AF65-F5344CB8AC3E}">
+        <p14:creationId xmlns:p14="http://schemas.microsoft.com/office/powerpoint/2010/main" val="3962583396"/>
+      </p:ext>
+    </p:extLst>
+  </p:cSld>
+  <p:clrMapOvr>
+    <a:masterClrMapping/>
+  </p:clrMapOvr>
+</p:sld>
+</file>
+
+<file path=ppt/slides/slide25.xml><?xml version="1.0" encoding="utf-8"?>
+<p:sld xmlns:a="http://schemas.openxmlformats.org/drawingml/2006/main" xmlns:r="http://schemas.openxmlformats.org/officeDocument/2006/relationships" xmlns:p="http://schemas.openxmlformats.org/presentationml/2006/main">
+  <p:cSld>
+    <p:spTree>
+      <p:nvGrpSpPr>
+        <p:cNvPr id="1" name=""/>
+        <p:cNvGrpSpPr/>
+        <p:nvPr/>
+      </p:nvGrpSpPr>
+      <p:grpSpPr>
+        <a:xfrm>
+          <a:off x="0" y="0"/>
+          <a:ext cx="0" cy="0"/>
+          <a:chOff x="0" y="0"/>
+          <a:chExt cx="0" cy="0"/>
+        </a:xfrm>
+      </p:grpSpPr>
+      <p:pic>
+        <p:nvPicPr>
+          <p:cNvPr id="11" name="Picture 10">
+            <a:extLst>
+              <a:ext uri="{FF2B5EF4-FFF2-40B4-BE49-F238E27FC236}">
+                <a16:creationId xmlns:a16="http://schemas.microsoft.com/office/drawing/2014/main" id="{23AB49DE-230D-1D4E-8D6D-F5F1BB3119D7}"/>
+              </a:ext>
+            </a:extLst>
+          </p:cNvPr>
+          <p:cNvPicPr>
+            <a:picLocks noChangeAspect="1"/>
+          </p:cNvPicPr>
+          <p:nvPr/>
+        </p:nvPicPr>
+        <p:blipFill rotWithShape="1">
+          <a:blip r:embed="rId2"/>
+          <a:srcRect t="-14245" b="14245"/>
+          <a:stretch/>
+        </p:blipFill>
+        <p:spPr>
+          <a:xfrm>
+            <a:off x="-236" y="5631944"/>
+            <a:ext cx="2470720" cy="1361793"/>
+          </a:xfrm>
+          <a:prstGeom prst="rect">
+            <a:avLst/>
+          </a:prstGeom>
+        </p:spPr>
+      </p:pic>
+      <p:sp>
+        <p:nvSpPr>
+          <p:cNvPr id="5" name="Title 1"/>
+          <p:cNvSpPr txBox="1">
+            <a:spLocks/>
+          </p:cNvSpPr>
+          <p:nvPr/>
+        </p:nvSpPr>
+        <p:spPr>
+          <a:xfrm>
+            <a:off x="0" y="193965"/>
+            <a:ext cx="12192000" cy="598635"/>
+          </a:xfrm>
+          <a:prstGeom prst="rect">
+            <a:avLst/>
+          </a:prstGeom>
+          <a:solidFill>
+            <a:srgbClr val="AD0103"/>
+          </a:solidFill>
+          <a:ln>
+            <a:solidFill>
+              <a:srgbClr val="B20206"/>
+            </a:solidFill>
+          </a:ln>
+          <a:effectLst>
+            <a:outerShdw blurRad="50800" dist="38100" dir="2700000" algn="tl" rotWithShape="0">
+              <a:prstClr val="black">
+                <a:alpha val="40000"/>
+              </a:prstClr>
+            </a:outerShdw>
+          </a:effectLst>
+        </p:spPr>
+        <p:txBody>
+          <a:bodyPr vert="horz" lIns="91440" tIns="45720" rIns="91440" bIns="45720" rtlCol="0" anchor="ctr">
+            <a:normAutofit/>
+          </a:bodyPr>
+          <a:lstStyle>
+            <a:lvl1pPr algn="l" defTabSz="914400" rtl="0" eaLnBrk="1" latinLnBrk="0" hangingPunct="1">
+              <a:lnSpc>
+                <a:spcPct val="90000"/>
+              </a:lnSpc>
+              <a:spcBef>
+                <a:spcPct val="0"/>
+              </a:spcBef>
+              <a:buNone/>
+              <a:defRPr sz="4400" kern="1200">
+                <a:solidFill>
+                  <a:schemeClr val="tx1"/>
+                </a:solidFill>
+                <a:latin typeface="+mj-lt"/>
+                <a:ea typeface="+mj-ea"/>
+                <a:cs typeface="+mj-cs"/>
+              </a:defRPr>
+            </a:lvl1pPr>
+          </a:lstStyle>
+          <a:p>
+            <a:pPr algn="ctr"/>
+            <a:r>
+              <a:rPr lang="en-US" sz="2800" b="1" dirty="0">
+                <a:solidFill>
+                  <a:schemeClr val="bg1"/>
+                </a:solidFill>
+                <a:latin typeface="Times New Roman" panose="02020603050405020304" pitchFamily="18" charset="0"/>
+                <a:cs typeface="Times New Roman" panose="02020603050405020304" pitchFamily="18" charset="0"/>
+              </a:rPr>
+              <a:t>Physical Activity Recommendations for Diabetics</a:t>
+            </a:r>
+          </a:p>
+        </p:txBody>
+      </p:sp>
+      <p:cxnSp>
+        <p:nvCxnSpPr>
+          <p:cNvPr id="13" name="Straight Connector 12"/>
+          <p:cNvCxnSpPr/>
+          <p:nvPr/>
+        </p:nvCxnSpPr>
+        <p:spPr>
+          <a:xfrm flipV="1">
+            <a:off x="0" y="145473"/>
+            <a:ext cx="12192000" cy="0"/>
+          </a:xfrm>
+          <a:prstGeom prst="line">
+            <a:avLst/>
+          </a:prstGeom>
+          <a:ln>
+            <a:solidFill>
+              <a:srgbClr val="B20206"/>
+            </a:solidFill>
+          </a:ln>
+          <a:effectLst>
+            <a:outerShdw blurRad="50800" dist="38100" dir="2700000" algn="tl" rotWithShape="0">
+              <a:prstClr val="black">
+                <a:alpha val="40000"/>
+              </a:prstClr>
+            </a:outerShdw>
+          </a:effectLst>
+        </p:spPr>
+        <p:style>
+          <a:lnRef idx="2">
+            <a:schemeClr val="accent1"/>
+          </a:lnRef>
+          <a:fillRef idx="0">
+            <a:schemeClr val="accent1"/>
+          </a:fillRef>
+          <a:effectRef idx="1">
+            <a:schemeClr val="accent1"/>
+          </a:effectRef>
+          <a:fontRef idx="minor">
+            <a:schemeClr val="tx1"/>
+          </a:fontRef>
+        </p:style>
+      </p:cxnSp>
+      <p:sp>
+        <p:nvSpPr>
+          <p:cNvPr id="32" name="TextBox 31"/>
+          <p:cNvSpPr txBox="1"/>
+          <p:nvPr/>
+        </p:nvSpPr>
+        <p:spPr>
+          <a:xfrm>
+            <a:off x="710045" y="1219767"/>
+            <a:ext cx="10583597" cy="4062651"/>
+          </a:xfrm>
+          <a:prstGeom prst="rect">
+            <a:avLst/>
+          </a:prstGeom>
+          <a:noFill/>
+        </p:spPr>
+        <p:txBody>
+          <a:bodyPr wrap="square" rtlCol="0">
+            <a:spAutoFit/>
+          </a:bodyPr>
+          <a:lstStyle/>
+          <a:p>
+            <a:pPr marL="342900" indent="-342900">
+              <a:buFont typeface="Arial" panose="020B0604020202020204" pitchFamily="34" charset="0"/>
+              <a:buChar char="•"/>
+            </a:pPr>
+            <a:r>
+              <a:rPr lang="en-US" sz="2400" dirty="0">
+                <a:latin typeface="Times New Roman" panose="02020603050405020304" pitchFamily="18" charset="0"/>
+                <a:cs typeface="Times New Roman" panose="02020603050405020304" pitchFamily="18" charset="0"/>
+              </a:rPr>
+              <a:t>Exercise recommendations: </a:t>
+            </a:r>
+          </a:p>
+          <a:p>
+            <a:pPr marL="800100" lvl="1" indent="-342900">
+              <a:buFont typeface="Arial" panose="020B0604020202020204" pitchFamily="34" charset="0"/>
+              <a:buChar char="•"/>
+            </a:pPr>
+            <a:r>
+              <a:rPr lang="en-US" dirty="0">
+                <a:latin typeface="Times New Roman" panose="02020603050405020304" pitchFamily="18" charset="0"/>
+                <a:cs typeface="Times New Roman" panose="02020603050405020304" pitchFamily="18" charset="0"/>
+              </a:rPr>
+              <a:t>Luckily, these are just about the same as they are for everyone else</a:t>
+            </a:r>
+          </a:p>
+          <a:p>
+            <a:pPr marL="342900" indent="-342900">
+              <a:buFont typeface="Arial" panose="020B0604020202020204" pitchFamily="34" charset="0"/>
+              <a:buChar char="•"/>
+            </a:pPr>
+            <a:r>
+              <a:rPr lang="en-US" dirty="0">
+                <a:latin typeface="Times New Roman" panose="02020603050405020304" pitchFamily="18" charset="0"/>
+                <a:cs typeface="Times New Roman" panose="02020603050405020304" pitchFamily="18" charset="0"/>
+              </a:rPr>
+              <a:t>Structured exercise program at least 8 weeks</a:t>
+            </a:r>
+          </a:p>
+          <a:p>
+            <a:pPr marL="342900" indent="-342900">
+              <a:buFont typeface="Arial" panose="020B0604020202020204" pitchFamily="34" charset="0"/>
+              <a:buChar char="•"/>
+            </a:pPr>
+            <a:r>
+              <a:rPr lang="en-US" dirty="0">
+                <a:latin typeface="Times New Roman" panose="02020603050405020304" pitchFamily="18" charset="0"/>
+                <a:cs typeface="Times New Roman" panose="02020603050405020304" pitchFamily="18" charset="0"/>
+              </a:rPr>
+              <a:t>Children:</a:t>
+            </a:r>
+          </a:p>
+          <a:p>
+            <a:pPr marL="800100" lvl="1" indent="-342900">
+              <a:buFont typeface="Arial" panose="020B0604020202020204" pitchFamily="34" charset="0"/>
+              <a:buChar char="•"/>
+            </a:pPr>
+            <a:r>
+              <a:rPr lang="en-US" dirty="0">
+                <a:latin typeface="Times New Roman" panose="02020603050405020304" pitchFamily="18" charset="0"/>
+                <a:cs typeface="Times New Roman" panose="02020603050405020304" pitchFamily="18" charset="0"/>
+              </a:rPr>
+              <a:t>60 minutes per day of moderate or vigorous activity aerobic activity, bone and muscle strengthening activities 3 times per week </a:t>
+            </a:r>
+          </a:p>
+          <a:p>
+            <a:pPr marL="342900" indent="-342900">
+              <a:buFont typeface="Arial" panose="020B0604020202020204" pitchFamily="34" charset="0"/>
+              <a:buChar char="•"/>
+            </a:pPr>
+            <a:r>
+              <a:rPr lang="en-US" dirty="0">
+                <a:latin typeface="Times New Roman" panose="02020603050405020304" pitchFamily="18" charset="0"/>
+                <a:cs typeface="Times New Roman" panose="02020603050405020304" pitchFamily="18" charset="0"/>
+              </a:rPr>
+              <a:t>Adults:</a:t>
+            </a:r>
+          </a:p>
+          <a:p>
+            <a:pPr marL="800100" lvl="1" indent="-342900">
+              <a:buFont typeface="Arial" panose="020B0604020202020204" pitchFamily="34" charset="0"/>
+              <a:buChar char="•"/>
+            </a:pPr>
+            <a:r>
+              <a:rPr lang="en-US" dirty="0">
+                <a:latin typeface="Times New Roman" panose="02020603050405020304" pitchFamily="18" charset="0"/>
+                <a:cs typeface="Times New Roman" panose="02020603050405020304" pitchFamily="18" charset="0"/>
+              </a:rPr>
+              <a:t>150 minutes per week of </a:t>
+            </a:r>
+            <a:r>
+              <a:rPr lang="en-US" dirty="0" err="1">
+                <a:latin typeface="Times New Roman" panose="02020603050405020304" pitchFamily="18" charset="0"/>
+                <a:cs typeface="Times New Roman" panose="02020603050405020304" pitchFamily="18" charset="0"/>
+              </a:rPr>
+              <a:t>moterate</a:t>
+            </a:r>
+            <a:r>
+              <a:rPr lang="en-US" dirty="0">
+                <a:latin typeface="Times New Roman" panose="02020603050405020304" pitchFamily="18" charset="0"/>
+                <a:cs typeface="Times New Roman" panose="02020603050405020304" pitchFamily="18" charset="0"/>
+              </a:rPr>
+              <a:t> to vigorous activity spread out over at least 3 days</a:t>
+            </a:r>
+          </a:p>
+          <a:p>
+            <a:pPr marL="800100" lvl="1" indent="-342900">
+              <a:buFont typeface="Arial" panose="020B0604020202020204" pitchFamily="34" charset="0"/>
+              <a:buChar char="•"/>
+            </a:pPr>
+            <a:r>
+              <a:rPr lang="en-US" dirty="0">
+                <a:latin typeface="Times New Roman" panose="02020603050405020304" pitchFamily="18" charset="0"/>
+                <a:cs typeface="Times New Roman" panose="02020603050405020304" pitchFamily="18" charset="0"/>
+              </a:rPr>
+              <a:t>2-3 resistance training workouts per week</a:t>
+            </a:r>
+          </a:p>
+          <a:p>
+            <a:pPr marL="800100" lvl="1" indent="-342900">
+              <a:buFont typeface="Arial" panose="020B0604020202020204" pitchFamily="34" charset="0"/>
+              <a:buChar char="•"/>
+            </a:pPr>
+            <a:r>
+              <a:rPr lang="en-US" dirty="0">
+                <a:latin typeface="Times New Roman" panose="02020603050405020304" pitchFamily="18" charset="0"/>
+                <a:cs typeface="Times New Roman" panose="02020603050405020304" pitchFamily="18" charset="0"/>
+              </a:rPr>
+              <a:t>Decrease prolonged sedentary behavior</a:t>
+            </a:r>
+          </a:p>
+          <a:p>
+            <a:pPr marL="800100" lvl="1" indent="-342900">
+              <a:buFont typeface="Arial" panose="020B0604020202020204" pitchFamily="34" charset="0"/>
+              <a:buChar char="•"/>
+            </a:pPr>
+            <a:r>
+              <a:rPr lang="en-US" dirty="0">
+                <a:latin typeface="Times New Roman" panose="02020603050405020304" pitchFamily="18" charset="0"/>
+                <a:cs typeface="Times New Roman" panose="02020603050405020304" pitchFamily="18" charset="0"/>
+              </a:rPr>
+              <a:t>Flexibility training for older adults (yoga or tai chi)</a:t>
+            </a:r>
+          </a:p>
+          <a:p>
+            <a:pPr marL="342900" indent="-342900">
+              <a:buFont typeface="Arial" panose="020B0604020202020204" pitchFamily="34" charset="0"/>
+              <a:buChar char="•"/>
+            </a:pPr>
+            <a:r>
+              <a:rPr lang="en-US" dirty="0">
+                <a:latin typeface="Times New Roman" panose="02020603050405020304" pitchFamily="18" charset="0"/>
+                <a:cs typeface="Times New Roman" panose="02020603050405020304" pitchFamily="18" charset="0"/>
+              </a:rPr>
+              <a:t>Quit smoking</a:t>
+            </a:r>
+          </a:p>
+          <a:p>
+            <a:pPr marL="800100" lvl="1" indent="-342900">
+              <a:buFont typeface="Arial" panose="020B0604020202020204" pitchFamily="34" charset="0"/>
+              <a:buChar char="•"/>
+            </a:pPr>
+            <a:r>
+              <a:rPr lang="en-US" dirty="0">
+                <a:latin typeface="Times New Roman" panose="02020603050405020304" pitchFamily="18" charset="0"/>
+                <a:cs typeface="Times New Roman" panose="02020603050405020304" pitchFamily="18" charset="0"/>
+              </a:rPr>
+              <a:t>This includes </a:t>
+            </a:r>
+            <a:r>
+              <a:rPr lang="en-US" dirty="0" err="1">
+                <a:latin typeface="Times New Roman" panose="02020603050405020304" pitchFamily="18" charset="0"/>
+                <a:cs typeface="Times New Roman" panose="02020603050405020304" pitchFamily="18" charset="0"/>
+              </a:rPr>
+              <a:t>ecigarettes</a:t>
+            </a:r>
+            <a:endParaRPr lang="en-US" dirty="0">
+              <a:latin typeface="Times New Roman" panose="02020603050405020304" pitchFamily="18" charset="0"/>
+              <a:cs typeface="Times New Roman" panose="02020603050405020304" pitchFamily="18" charset="0"/>
+            </a:endParaRPr>
+          </a:p>
+          <a:p>
+            <a:pPr marL="800100" lvl="1" indent="-342900">
+              <a:buFont typeface="Arial" panose="020B0604020202020204" pitchFamily="34" charset="0"/>
+              <a:buChar char="•"/>
+            </a:pPr>
+            <a:endParaRPr lang="en-US" dirty="0">
+              <a:latin typeface="Times New Roman" panose="02020603050405020304" pitchFamily="18" charset="0"/>
+              <a:cs typeface="Times New Roman" panose="02020603050405020304" pitchFamily="18" charset="0"/>
+            </a:endParaRPr>
+          </a:p>
+        </p:txBody>
+      </p:sp>
+      <p:sp>
+        <p:nvSpPr>
+          <p:cNvPr id="12" name="Rectangle 11">
+            <a:extLst>
+              <a:ext uri="{FF2B5EF4-FFF2-40B4-BE49-F238E27FC236}">
+                <a16:creationId xmlns:a16="http://schemas.microsoft.com/office/drawing/2014/main" id="{E3478910-3965-F74F-8647-D94350FC5BD6}"/>
+              </a:ext>
+            </a:extLst>
+          </p:cNvPr>
+          <p:cNvSpPr/>
+          <p:nvPr/>
+        </p:nvSpPr>
+        <p:spPr>
+          <a:xfrm>
+            <a:off x="546299" y="6530225"/>
+            <a:ext cx="2243275" cy="81289"/>
+          </a:xfrm>
+          <a:prstGeom prst="rect">
+            <a:avLst/>
+          </a:prstGeom>
+          <a:solidFill>
+            <a:schemeClr val="bg1"/>
+          </a:solidFill>
+          <a:ln>
+            <a:solidFill>
+              <a:schemeClr val="bg1"/>
+            </a:solidFill>
+          </a:ln>
+        </p:spPr>
+        <p:style>
+          <a:lnRef idx="2">
+            <a:schemeClr val="accent1">
+              <a:shade val="50000"/>
+            </a:schemeClr>
+          </a:lnRef>
+          <a:fillRef idx="1">
+            <a:schemeClr val="accent1"/>
+          </a:fillRef>
+          <a:effectRef idx="0">
+            <a:schemeClr val="accent1"/>
+          </a:effectRef>
+          <a:fontRef idx="minor">
+            <a:schemeClr val="lt1"/>
+          </a:fontRef>
+        </p:style>
+        <p:txBody>
+          <a:bodyPr rtlCol="0" anchor="ctr"/>
+          <a:lstStyle/>
+          <a:p>
+            <a:pPr algn="ctr"/>
+            <a:endParaRPr lang="en-US"/>
+          </a:p>
+        </p:txBody>
+      </p:sp>
+      <p:cxnSp>
+        <p:nvCxnSpPr>
+          <p:cNvPr id="14" name="Straight Connector 13">
+            <a:extLst>
+              <a:ext uri="{FF2B5EF4-FFF2-40B4-BE49-F238E27FC236}">
+                <a16:creationId xmlns:a16="http://schemas.microsoft.com/office/drawing/2014/main" id="{207B32FE-F21C-414F-AD84-1849211E7F9C}"/>
+              </a:ext>
+            </a:extLst>
+          </p:cNvPr>
+          <p:cNvCxnSpPr>
+            <a:cxnSpLocks/>
+          </p:cNvCxnSpPr>
+          <p:nvPr/>
+        </p:nvCxnSpPr>
+        <p:spPr>
+          <a:xfrm>
+            <a:off x="571012" y="6554505"/>
+            <a:ext cx="11612880" cy="0"/>
+          </a:xfrm>
+          <a:prstGeom prst="line">
+            <a:avLst/>
+          </a:prstGeom>
+          <a:ln>
+            <a:solidFill>
+              <a:srgbClr val="B20206"/>
+            </a:solidFill>
+          </a:ln>
+        </p:spPr>
+        <p:style>
+          <a:lnRef idx="2">
+            <a:schemeClr val="accent1"/>
+          </a:lnRef>
+          <a:fillRef idx="0">
+            <a:schemeClr val="accent1"/>
+          </a:fillRef>
+          <a:effectRef idx="1">
+            <a:schemeClr val="accent1"/>
+          </a:effectRef>
+          <a:fontRef idx="minor">
+            <a:schemeClr val="tx1"/>
+          </a:fontRef>
+        </p:style>
+      </p:cxnSp>
+    </p:spTree>
+    <p:extLst>
+      <p:ext uri="{BB962C8B-B14F-4D97-AF65-F5344CB8AC3E}">
+        <p14:creationId xmlns:p14="http://schemas.microsoft.com/office/powerpoint/2010/main" val="4238274339"/>
+      </p:ext>
+    </p:extLst>
+  </p:cSld>
+  <p:clrMapOvr>
+    <a:masterClrMapping/>
+  </p:clrMapOvr>
+</p:sld>
+</file>
+
+<file path=ppt/slides/slide26.xml><?xml version="1.0" encoding="utf-8"?>
+<p:sld xmlns:a="http://schemas.openxmlformats.org/drawingml/2006/main" xmlns:r="http://schemas.openxmlformats.org/officeDocument/2006/relationships" xmlns:p="http://schemas.openxmlformats.org/presentationml/2006/main">
+  <p:cSld>
+    <p:spTree>
+      <p:nvGrpSpPr>
+        <p:cNvPr id="1" name=""/>
+        <p:cNvGrpSpPr/>
+        <p:nvPr/>
+      </p:nvGrpSpPr>
+      <p:grpSpPr>
+        <a:xfrm>
+          <a:off x="0" y="0"/>
+          <a:ext cx="0" cy="0"/>
+          <a:chOff x="0" y="0"/>
+          <a:chExt cx="0" cy="0"/>
+        </a:xfrm>
+      </p:grpSpPr>
+      <p:pic>
+        <p:nvPicPr>
+          <p:cNvPr id="11" name="Picture 10">
+            <a:extLst>
+              <a:ext uri="{FF2B5EF4-FFF2-40B4-BE49-F238E27FC236}">
+                <a16:creationId xmlns:a16="http://schemas.microsoft.com/office/drawing/2014/main" id="{23AB49DE-230D-1D4E-8D6D-F5F1BB3119D7}"/>
+              </a:ext>
+            </a:extLst>
+          </p:cNvPr>
+          <p:cNvPicPr>
+            <a:picLocks noChangeAspect="1"/>
+          </p:cNvPicPr>
+          <p:nvPr/>
+        </p:nvPicPr>
+        <p:blipFill rotWithShape="1">
+          <a:blip r:embed="rId2"/>
+          <a:srcRect t="-14245" b="14245"/>
+          <a:stretch/>
+        </p:blipFill>
+        <p:spPr>
+          <a:xfrm>
+            <a:off x="-236" y="5631944"/>
+            <a:ext cx="2470720" cy="1361793"/>
+          </a:xfrm>
+          <a:prstGeom prst="rect">
+            <a:avLst/>
+          </a:prstGeom>
+        </p:spPr>
+      </p:pic>
+      <p:sp>
+        <p:nvSpPr>
+          <p:cNvPr id="5" name="Title 1"/>
+          <p:cNvSpPr txBox="1">
+            <a:spLocks/>
+          </p:cNvSpPr>
+          <p:nvPr/>
+        </p:nvSpPr>
+        <p:spPr>
+          <a:xfrm>
+            <a:off x="0" y="193965"/>
+            <a:ext cx="12192000" cy="598635"/>
+          </a:xfrm>
+          <a:prstGeom prst="rect">
+            <a:avLst/>
+          </a:prstGeom>
+          <a:solidFill>
+            <a:srgbClr val="AD0103"/>
+          </a:solidFill>
+          <a:ln>
+            <a:solidFill>
+              <a:srgbClr val="B20206"/>
+            </a:solidFill>
+          </a:ln>
+          <a:effectLst>
+            <a:outerShdw blurRad="50800" dist="38100" dir="2700000" algn="tl" rotWithShape="0">
+              <a:prstClr val="black">
+                <a:alpha val="40000"/>
+              </a:prstClr>
+            </a:outerShdw>
+          </a:effectLst>
+        </p:spPr>
+        <p:txBody>
+          <a:bodyPr vert="horz" lIns="91440" tIns="45720" rIns="91440" bIns="45720" rtlCol="0" anchor="ctr">
+            <a:normAutofit/>
+          </a:bodyPr>
+          <a:lstStyle>
+            <a:lvl1pPr algn="l" defTabSz="914400" rtl="0" eaLnBrk="1" latinLnBrk="0" hangingPunct="1">
+              <a:lnSpc>
+                <a:spcPct val="90000"/>
+              </a:lnSpc>
+              <a:spcBef>
+                <a:spcPct val="0"/>
+              </a:spcBef>
+              <a:buNone/>
+              <a:defRPr sz="4400" kern="1200">
+                <a:solidFill>
+                  <a:schemeClr val="tx1"/>
+                </a:solidFill>
+                <a:latin typeface="+mj-lt"/>
+                <a:ea typeface="+mj-ea"/>
+                <a:cs typeface="+mj-cs"/>
+              </a:defRPr>
+            </a:lvl1pPr>
+          </a:lstStyle>
+          <a:p>
+            <a:pPr algn="ctr"/>
+            <a:r>
+              <a:rPr lang="en-US" sz="2800" b="1" dirty="0">
+                <a:solidFill>
+                  <a:schemeClr val="bg1"/>
+                </a:solidFill>
+                <a:latin typeface="Times New Roman" panose="02020603050405020304" pitchFamily="18" charset="0"/>
+                <a:cs typeface="Times New Roman" panose="02020603050405020304" pitchFamily="18" charset="0"/>
+              </a:rPr>
               <a:t>Flow Chart or Fishbone for HbA1c</a:t>
             </a:r>
           </a:p>
@@ -12317,7 +13077,7 @@
 </p:sld>
 </file>
 
-<file path=ppt/slides/slide25.xml><?xml version="1.0" encoding="utf-8"?>
+<file path=ppt/slides/slide27.xml><?xml version="1.0" encoding="utf-8"?>
 <p:sld xmlns:a="http://schemas.openxmlformats.org/drawingml/2006/main" xmlns:r="http://schemas.openxmlformats.org/officeDocument/2006/relationships" xmlns:p="http://schemas.openxmlformats.org/presentationml/2006/main">
   <p:cSld>
     <p:spTree>
@@ -13427,7 +14187,7 @@
         <p:spPr>
           <a:xfrm>
             <a:off x="710045" y="1219767"/>
-            <a:ext cx="10583597" cy="3708708"/>
+            <a:ext cx="10583597" cy="4816703"/>
           </a:xfrm>
           <a:prstGeom prst="rect">
             <a:avLst/>
@@ -13489,6 +14249,19 @@
                 <a:cs typeface="Times New Roman" panose="02020603050405020304" pitchFamily="18" charset="0"/>
               </a:rPr>
               <a:t>Quarterly in patients whose therapy has changed or who are not meeting goals</a:t>
+            </a:r>
+          </a:p>
+          <a:p>
+            <a:pPr marL="800100" lvl="1" indent="-342900">
+              <a:buFont typeface="Arial" panose="020B0604020202020204" pitchFamily="34" charset="0"/>
+              <a:buChar char="•"/>
+            </a:pPr>
+            <a:r>
+              <a:rPr lang="en-US" sz="2400" dirty="0">
+                <a:latin typeface="Times New Roman" panose="02020603050405020304" pitchFamily="18" charset="0"/>
+                <a:cs typeface="Times New Roman" panose="02020603050405020304" pitchFamily="18" charset="0"/>
+              </a:rPr>
+              <a:t>Results &lt; 7% are considered good management of hyperglycemia. Results between 7% and 9.3% are considered fair management of hyperglycemia. Results above 9.3% are considered poor management of hyperglycemia.</a:t>
             </a:r>
           </a:p>
           <a:p>
@@ -13747,7 +14520,7 @@
                 <a:latin typeface="Times New Roman" panose="02020603050405020304" pitchFamily="18" charset="0"/>
                 <a:cs typeface="Times New Roman" panose="02020603050405020304" pitchFamily="18" charset="0"/>
               </a:rPr>
-              <a:t>Current State of the Measure</a:t>
+              <a:t>Current State of the Measure (U.S.)</a:t>
             </a:r>
           </a:p>
         </p:txBody>
@@ -13803,7 +14576,7 @@
         <p:spPr>
           <a:xfrm>
             <a:off x="710045" y="1219767"/>
-            <a:ext cx="10583597" cy="2231380"/>
+            <a:ext cx="10583597" cy="5186035"/>
           </a:xfrm>
           <a:prstGeom prst="rect">
             <a:avLst/>
@@ -13825,7 +14598,33 @@
                 <a:latin typeface="Times New Roman" panose="02020603050405020304" pitchFamily="18" charset="0"/>
                 <a:cs typeface="Times New Roman" panose="02020603050405020304" pitchFamily="18" charset="0"/>
               </a:rPr>
-              <a:t>How common is diabetes (different types?)</a:t>
+              <a:t>How common is diabetes:</a:t>
+            </a:r>
+          </a:p>
+          <a:p>
+            <a:pPr marL="800100" lvl="1" indent="-342900">
+              <a:buFont typeface="Arial" panose="020B0604020202020204" pitchFamily="34" charset="0"/>
+              <a:buChar char="•"/>
+            </a:pPr>
+            <a:r>
+              <a:rPr lang="en-US" sz="2400" dirty="0">
+                <a:latin typeface="Times New Roman" panose="02020603050405020304" pitchFamily="18" charset="0"/>
+                <a:cs typeface="Times New Roman" panose="02020603050405020304" pitchFamily="18" charset="0"/>
+              </a:rPr>
+              <a:t>According to the CDC, in 2015 we had over 100 million people with diabetes in the US (9.4%). The WHO estimated 422 million people with diabetes throughout the world in 2014. </a:t>
+            </a:r>
+          </a:p>
+          <a:p>
+            <a:pPr marL="800100" lvl="1" indent="-342900">
+              <a:buFont typeface="Arial" panose="020B0604020202020204" pitchFamily="34" charset="0"/>
+              <a:buChar char="•"/>
+            </a:pPr>
+            <a:r>
+              <a:rPr lang="en-US" sz="2400" dirty="0">
+                <a:latin typeface="Times New Roman" panose="02020603050405020304" pitchFamily="18" charset="0"/>
+                <a:cs typeface="Times New Roman" panose="02020603050405020304" pitchFamily="18" charset="0"/>
+              </a:rPr>
+              <a:t>84.1 Million people have prediabetes</a:t>
             </a:r>
           </a:p>
           <a:p>
@@ -13838,7 +14637,7 @@
                 <a:latin typeface="Times New Roman" panose="02020603050405020304" pitchFamily="18" charset="0"/>
                 <a:cs typeface="Times New Roman" panose="02020603050405020304" pitchFamily="18" charset="0"/>
               </a:rPr>
-              <a:t>How common is prediabetes</a:t>
+              <a:t>Diabetes was the seventh leading cause of death in the U.S. in 2015. </a:t>
             </a:r>
           </a:p>
           <a:p>
@@ -13851,7 +14650,7 @@
                 <a:latin typeface="Times New Roman" panose="02020603050405020304" pitchFamily="18" charset="0"/>
                 <a:cs typeface="Times New Roman" panose="02020603050405020304" pitchFamily="18" charset="0"/>
               </a:rPr>
-              <a:t>How common is being undiagnosed?</a:t>
+              <a:t>Estimates from the CDC and ADA estimate that 25%-33% of people with diabetes to not know that they have the disease. </a:t>
             </a:r>
           </a:p>
           <a:p>
@@ -13864,8 +14663,14 @@
                 <a:latin typeface="Times New Roman" panose="02020603050405020304" pitchFamily="18" charset="0"/>
                 <a:cs typeface="Times New Roman" panose="02020603050405020304" pitchFamily="18" charset="0"/>
               </a:rPr>
-              <a:t>Outside of the US? </a:t>
-            </a:r>
+              <a:t>Rates of diagnosed diabetes increase with age. Among adults ages 18-44, 4 percent had diabetes. Among those ages 45-64 years, 17 percent had diabetes. And among those ages 65 years and older, 25 percent had diabetes. </a:t>
+            </a:r>
+          </a:p>
+          <a:p>
+            <a:endParaRPr lang="en-US" sz="2400" dirty="0">
+              <a:latin typeface="Times New Roman" panose="02020603050405020304" pitchFamily="18" charset="0"/>
+              <a:cs typeface="Times New Roman" panose="02020603050405020304" pitchFamily="18" charset="0"/>
+            </a:endParaRPr>
           </a:p>
           <a:p>
             <a:pPr marL="285750" indent="-285750">
@@ -14113,7 +14918,7 @@
                 <a:latin typeface="Times New Roman" panose="02020603050405020304" pitchFamily="18" charset="0"/>
                 <a:cs typeface="Times New Roman" panose="02020603050405020304" pitchFamily="18" charset="0"/>
               </a:rPr>
-              <a:t>Factors Contributing to not testing HbA1c</a:t>
+              <a:t>Current State of the Measure (Outside the U.S.)</a:t>
             </a:r>
           </a:p>
         </p:txBody>
@@ -14162,6 +14967,88 @@
       </p:cxnSp>
       <p:sp>
         <p:nvSpPr>
+          <p:cNvPr id="32" name="TextBox 31"/>
+          <p:cNvSpPr txBox="1"/>
+          <p:nvPr/>
+        </p:nvSpPr>
+        <p:spPr>
+          <a:xfrm>
+            <a:off x="710045" y="1219767"/>
+            <a:ext cx="10583597" cy="2600712"/>
+          </a:xfrm>
+          <a:prstGeom prst="rect">
+            <a:avLst/>
+          </a:prstGeom>
+          <a:noFill/>
+        </p:spPr>
+        <p:txBody>
+          <a:bodyPr wrap="square" rtlCol="0">
+            <a:spAutoFit/>
+          </a:bodyPr>
+          <a:lstStyle/>
+          <a:p>
+            <a:pPr marL="342900" indent="-342900">
+              <a:buFont typeface="Arial" panose="020B0604020202020204" pitchFamily="34" charset="0"/>
+              <a:buChar char="•"/>
+            </a:pPr>
+            <a:r>
+              <a:rPr lang="en-US" sz="2400" dirty="0">
+                <a:latin typeface="Times New Roman" panose="02020603050405020304" pitchFamily="18" charset="0"/>
+                <a:cs typeface="Times New Roman" panose="02020603050405020304" pitchFamily="18" charset="0"/>
+              </a:rPr>
+              <a:t>Diabetes prevalence has been rising more rapidly in middle- and low-income countries. (WHO) </a:t>
+            </a:r>
+          </a:p>
+          <a:p>
+            <a:pPr marL="342900" indent="-342900">
+              <a:buFont typeface="Arial" panose="020B0604020202020204" pitchFamily="34" charset="0"/>
+              <a:buChar char="•"/>
+            </a:pPr>
+            <a:r>
+              <a:rPr lang="en-US" sz="2400" dirty="0">
+                <a:latin typeface="Times New Roman" panose="02020603050405020304" pitchFamily="18" charset="0"/>
+                <a:cs typeface="Times New Roman" panose="02020603050405020304" pitchFamily="18" charset="0"/>
+              </a:rPr>
+              <a:t>Surprisingly, out of 207 countries monitored by World Bank, US ranked 52 highest rate of diabetes in individuals ages 22-79 at 10.8%</a:t>
+            </a:r>
+          </a:p>
+          <a:p>
+            <a:pPr marL="342900" indent="-342900">
+              <a:buFont typeface="Arial" panose="020B0604020202020204" pitchFamily="34" charset="0"/>
+              <a:buChar char="•"/>
+            </a:pPr>
+            <a:endParaRPr lang="en-US" sz="2400" dirty="0">
+              <a:latin typeface="Times New Roman" panose="02020603050405020304" pitchFamily="18" charset="0"/>
+              <a:cs typeface="Times New Roman" panose="02020603050405020304" pitchFamily="18" charset="0"/>
+            </a:endParaRPr>
+          </a:p>
+          <a:p>
+            <a:pPr marL="285750" indent="-285750">
+              <a:spcAft>
+                <a:spcPts val="600"/>
+              </a:spcAft>
+              <a:buFont typeface="Arial" panose="020B0604020202020204" pitchFamily="34" charset="0"/>
+              <a:buChar char="•"/>
+            </a:pPr>
+            <a:endParaRPr lang="en-US" sz="2000" dirty="0">
+              <a:latin typeface="Times New Roman" panose="02020603050405020304" pitchFamily="18" charset="0"/>
+              <a:cs typeface="Times New Roman" panose="02020603050405020304" pitchFamily="18" charset="0"/>
+            </a:endParaRPr>
+          </a:p>
+          <a:p>
+            <a:pPr marL="285750" indent="-285750">
+              <a:buFont typeface="Arial" panose="020B0604020202020204" pitchFamily="34" charset="0"/>
+              <a:buChar char="•"/>
+            </a:pPr>
+            <a:endParaRPr lang="en-US" dirty="0">
+              <a:latin typeface="Times New Roman" panose="02020603050405020304" pitchFamily="18" charset="0"/>
+              <a:cs typeface="Times New Roman" panose="02020603050405020304" pitchFamily="18" charset="0"/>
+            </a:endParaRPr>
+          </a:p>
+        </p:txBody>
+      </p:sp>
+      <p:sp>
+        <p:nvSpPr>
           <p:cNvPr id="12" name="Rectangle 11">
             <a:extLst>
               <a:ext uri="{FF2B5EF4-FFF2-40B4-BE49-F238E27FC236}">
@@ -14210,10 +15097,7 @@
           <a:lstStyle/>
           <a:p>
             <a:pPr algn="ctr"/>
-            <a:endParaRPr lang="en-US">
-              <a:latin typeface="Times New Roman" panose="02020603050405020304" pitchFamily="18" charset="0"/>
-              <a:cs typeface="Times New Roman" panose="02020603050405020304" pitchFamily="18" charset="0"/>
-            </a:endParaRPr>
+            <a:endParaRPr lang="en-US"/>
           </a:p>
         </p:txBody>
       </p:sp>
@@ -14260,2308 +15144,40 @@
           </a:fontRef>
         </p:style>
       </p:cxnSp>
-      <p:cxnSp>
-        <p:nvCxnSpPr>
-          <p:cNvPr id="3" name="Straight Connector 2">
+      <p:pic>
+        <p:nvPicPr>
+          <p:cNvPr id="2" name="Picture 1">
             <a:extLst>
               <a:ext uri="{FF2B5EF4-FFF2-40B4-BE49-F238E27FC236}">
-                <a16:creationId xmlns:a16="http://schemas.microsoft.com/office/drawing/2014/main" id="{42073555-AE8C-1B41-B8BA-12120BA33C1B}"/>
+                <a16:creationId xmlns:a16="http://schemas.microsoft.com/office/drawing/2014/main" id="{26538709-4768-D745-8DFA-BDB6F1D5706F}"/>
               </a:ext>
             </a:extLst>
           </p:cNvPr>
-          <p:cNvCxnSpPr/>
-          <p:nvPr/>
-        </p:nvCxnSpPr>
-        <p:spPr>
-          <a:xfrm>
-            <a:off x="1396180" y="3618270"/>
-            <a:ext cx="8503920" cy="0"/>
-          </a:xfrm>
-          <a:prstGeom prst="line">
-            <a:avLst/>
-          </a:prstGeom>
-          <a:ln w="12700">
-            <a:solidFill>
-              <a:schemeClr val="tx1"/>
-            </a:solidFill>
-          </a:ln>
-        </p:spPr>
-        <p:style>
-          <a:lnRef idx="1">
-            <a:schemeClr val="accent1"/>
-          </a:lnRef>
-          <a:fillRef idx="0">
-            <a:schemeClr val="accent1"/>
-          </a:fillRef>
-          <a:effectRef idx="0">
-            <a:schemeClr val="accent1"/>
-          </a:effectRef>
-          <a:fontRef idx="minor">
-            <a:schemeClr val="tx1"/>
-          </a:fontRef>
-        </p:style>
-      </p:cxnSp>
-      <p:sp>
-        <p:nvSpPr>
-          <p:cNvPr id="4" name="Rounded Rectangle 3">
-            <a:extLst>
-              <a:ext uri="{FF2B5EF4-FFF2-40B4-BE49-F238E27FC236}">
-                <a16:creationId xmlns:a16="http://schemas.microsoft.com/office/drawing/2014/main" id="{87B6E462-04F9-3847-939D-861BCA63E0A6}"/>
-              </a:ext>
-            </a:extLst>
-          </p:cNvPr>
-          <p:cNvSpPr/>
-          <p:nvPr/>
-        </p:nvSpPr>
-        <p:spPr>
-          <a:xfrm>
-            <a:off x="1140175" y="1360881"/>
-            <a:ext cx="1349607" cy="560439"/>
-          </a:xfrm>
-          <a:prstGeom prst="roundRect">
-            <a:avLst/>
-          </a:prstGeom>
-          <a:noFill/>
-          <a:ln>
-            <a:solidFill>
-              <a:schemeClr val="tx1"/>
-            </a:solidFill>
-          </a:ln>
-        </p:spPr>
-        <p:style>
-          <a:lnRef idx="2">
-            <a:schemeClr val="accent1">
-              <a:shade val="50000"/>
-            </a:schemeClr>
-          </a:lnRef>
-          <a:fillRef idx="1">
-            <a:schemeClr val="accent1"/>
-          </a:fillRef>
-          <a:effectRef idx="0">
-            <a:schemeClr val="accent1"/>
-          </a:effectRef>
-          <a:fontRef idx="minor">
-            <a:schemeClr val="lt1"/>
-          </a:fontRef>
-        </p:style>
-        <p:txBody>
-          <a:bodyPr rtlCol="0" anchor="ctr"/>
-          <a:lstStyle/>
-          <a:p>
-            <a:pPr algn="ctr"/>
-            <a:endParaRPr lang="en-US">
-              <a:latin typeface="Times New Roman" panose="02020603050405020304" pitchFamily="18" charset="0"/>
-              <a:cs typeface="Times New Roman" panose="02020603050405020304" pitchFamily="18" charset="0"/>
-            </a:endParaRPr>
-          </a:p>
-        </p:txBody>
-      </p:sp>
-      <p:sp>
-        <p:nvSpPr>
-          <p:cNvPr id="6" name="TextBox 5">
-            <a:extLst>
-              <a:ext uri="{FF2B5EF4-FFF2-40B4-BE49-F238E27FC236}">
-                <a16:creationId xmlns:a16="http://schemas.microsoft.com/office/drawing/2014/main" id="{A332E6B7-E096-6B4B-94A6-491791408D3D}"/>
-              </a:ext>
-            </a:extLst>
-          </p:cNvPr>
-          <p:cNvSpPr txBox="1"/>
-          <p:nvPr/>
-        </p:nvSpPr>
-        <p:spPr>
-          <a:xfrm>
-            <a:off x="1415478" y="1467206"/>
-            <a:ext cx="1016463" cy="307777"/>
+          <p:cNvPicPr>
+            <a:picLocks noChangeAspect="1"/>
+          </p:cNvPicPr>
+          <p:nvPr/>
+        </p:nvPicPr>
+        <p:blipFill>
+          <a:blip r:embed="rId3"/>
+          <a:stretch>
+            <a:fillRect/>
+          </a:stretch>
+        </p:blipFill>
+        <p:spPr>
+          <a:xfrm>
+            <a:off x="3951670" y="2913659"/>
+            <a:ext cx="3721100" cy="3136900"/>
           </a:xfrm>
           <a:prstGeom prst="rect">
             <a:avLst/>
           </a:prstGeom>
-          <a:noFill/>
-        </p:spPr>
-        <p:txBody>
-          <a:bodyPr wrap="square" rtlCol="0">
-            <a:spAutoFit/>
-          </a:bodyPr>
-          <a:lstStyle/>
-          <a:p>
-            <a:r>
-              <a:rPr lang="en-US" sz="1400" dirty="0">
-                <a:latin typeface="Times New Roman" panose="02020603050405020304" pitchFamily="18" charset="0"/>
-                <a:cs typeface="Times New Roman" panose="02020603050405020304" pitchFamily="18" charset="0"/>
-              </a:rPr>
-              <a:t>People</a:t>
-            </a:r>
-          </a:p>
-        </p:txBody>
-      </p:sp>
-      <p:cxnSp>
-        <p:nvCxnSpPr>
-          <p:cNvPr id="15" name="Straight Connector 14">
-            <a:extLst>
-              <a:ext uri="{FF2B5EF4-FFF2-40B4-BE49-F238E27FC236}">
-                <a16:creationId xmlns:a16="http://schemas.microsoft.com/office/drawing/2014/main" id="{70FFAD67-4E00-5B40-9A77-C36CD061FA42}"/>
-              </a:ext>
-            </a:extLst>
-          </p:cNvPr>
-          <p:cNvCxnSpPr>
-            <a:cxnSpLocks/>
-          </p:cNvCxnSpPr>
-          <p:nvPr/>
-        </p:nvCxnSpPr>
-        <p:spPr>
-          <a:xfrm>
-            <a:off x="1795681" y="1928926"/>
-            <a:ext cx="1114667" cy="1691328"/>
-          </a:xfrm>
-          <a:prstGeom prst="line">
-            <a:avLst/>
-          </a:prstGeom>
-          <a:ln w="12700">
-            <a:solidFill>
-              <a:schemeClr val="tx1"/>
-            </a:solidFill>
-          </a:ln>
-        </p:spPr>
-        <p:style>
-          <a:lnRef idx="1">
-            <a:schemeClr val="accent1"/>
-          </a:lnRef>
-          <a:fillRef idx="0">
-            <a:schemeClr val="accent1"/>
-          </a:fillRef>
-          <a:effectRef idx="0">
-            <a:schemeClr val="accent1"/>
-          </a:effectRef>
-          <a:fontRef idx="minor">
-            <a:schemeClr val="tx1"/>
-          </a:fontRef>
-        </p:style>
-      </p:cxnSp>
-      <p:cxnSp>
-        <p:nvCxnSpPr>
-          <p:cNvPr id="16" name="Straight Connector 15">
-            <a:extLst>
-              <a:ext uri="{FF2B5EF4-FFF2-40B4-BE49-F238E27FC236}">
-                <a16:creationId xmlns:a16="http://schemas.microsoft.com/office/drawing/2014/main" id="{DF117B78-90E3-DA42-B436-76E980C32FD7}"/>
-              </a:ext>
-            </a:extLst>
-          </p:cNvPr>
-          <p:cNvCxnSpPr/>
-          <p:nvPr/>
-        </p:nvCxnSpPr>
-        <p:spPr>
-          <a:xfrm>
-            <a:off x="2069491" y="2325328"/>
-            <a:ext cx="914400" cy="0"/>
-          </a:xfrm>
-          <a:prstGeom prst="line">
-            <a:avLst/>
-          </a:prstGeom>
-          <a:ln w="12700">
-            <a:solidFill>
-              <a:schemeClr val="tx1"/>
-            </a:solidFill>
-          </a:ln>
-        </p:spPr>
-        <p:style>
-          <a:lnRef idx="1">
-            <a:schemeClr val="accent1"/>
-          </a:lnRef>
-          <a:fillRef idx="0">
-            <a:schemeClr val="accent1"/>
-          </a:fillRef>
-          <a:effectRef idx="0">
-            <a:schemeClr val="accent1"/>
-          </a:effectRef>
-          <a:fontRef idx="minor">
-            <a:schemeClr val="tx1"/>
-          </a:fontRef>
-        </p:style>
-      </p:cxnSp>
-      <p:sp>
-        <p:nvSpPr>
-          <p:cNvPr id="17" name="TextBox 16">
-            <a:extLst>
-              <a:ext uri="{FF2B5EF4-FFF2-40B4-BE49-F238E27FC236}">
-                <a16:creationId xmlns:a16="http://schemas.microsoft.com/office/drawing/2014/main" id="{14A0D0F2-8AC4-C342-8858-9813B0577880}"/>
-              </a:ext>
-            </a:extLst>
-          </p:cNvPr>
-          <p:cNvSpPr txBox="1"/>
-          <p:nvPr/>
-        </p:nvSpPr>
-        <p:spPr>
-          <a:xfrm>
-            <a:off x="828344" y="2349336"/>
-            <a:ext cx="1349607" cy="430887"/>
-          </a:xfrm>
-          <a:prstGeom prst="rect">
-            <a:avLst/>
-          </a:prstGeom>
-          <a:noFill/>
-        </p:spPr>
-        <p:txBody>
-          <a:bodyPr wrap="square" rtlCol="0">
-            <a:spAutoFit/>
-          </a:bodyPr>
-          <a:lstStyle/>
-          <a:p>
-            <a:r>
-              <a:rPr lang="en-US" sz="1100" dirty="0">
-                <a:latin typeface="Times New Roman" panose="02020603050405020304" pitchFamily="18" charset="0"/>
-                <a:cs typeface="Times New Roman" panose="02020603050405020304" pitchFamily="18" charset="0"/>
-              </a:rPr>
-              <a:t>Don’t realize they need testing</a:t>
-            </a:r>
-          </a:p>
-        </p:txBody>
-      </p:sp>
-      <p:sp>
-        <p:nvSpPr>
-          <p:cNvPr id="18" name="Rounded Rectangle 17">
-            <a:extLst>
-              <a:ext uri="{FF2B5EF4-FFF2-40B4-BE49-F238E27FC236}">
-                <a16:creationId xmlns:a16="http://schemas.microsoft.com/office/drawing/2014/main" id="{02339C02-FACB-204C-BD4F-1AD16313F99B}"/>
-              </a:ext>
-            </a:extLst>
-          </p:cNvPr>
-          <p:cNvSpPr/>
-          <p:nvPr/>
-        </p:nvSpPr>
-        <p:spPr>
-          <a:xfrm>
-            <a:off x="3838607" y="1366504"/>
-            <a:ext cx="1349607" cy="560439"/>
-          </a:xfrm>
-          <a:prstGeom prst="roundRect">
-            <a:avLst/>
-          </a:prstGeom>
-          <a:noFill/>
-          <a:ln>
-            <a:solidFill>
-              <a:schemeClr val="tx1"/>
-            </a:solidFill>
-          </a:ln>
-        </p:spPr>
-        <p:style>
-          <a:lnRef idx="2">
-            <a:schemeClr val="accent1">
-              <a:shade val="50000"/>
-            </a:schemeClr>
-          </a:lnRef>
-          <a:fillRef idx="1">
-            <a:schemeClr val="accent1"/>
-          </a:fillRef>
-          <a:effectRef idx="0">
-            <a:schemeClr val="accent1"/>
-          </a:effectRef>
-          <a:fontRef idx="minor">
-            <a:schemeClr val="lt1"/>
-          </a:fontRef>
-        </p:style>
-        <p:txBody>
-          <a:bodyPr rtlCol="0" anchor="ctr"/>
-          <a:lstStyle/>
-          <a:p>
-            <a:pPr algn="ctr"/>
-            <a:endParaRPr lang="en-US">
-              <a:latin typeface="Times New Roman" panose="02020603050405020304" pitchFamily="18" charset="0"/>
-              <a:cs typeface="Times New Roman" panose="02020603050405020304" pitchFamily="18" charset="0"/>
-            </a:endParaRPr>
-          </a:p>
-        </p:txBody>
-      </p:sp>
-      <p:sp>
-        <p:nvSpPr>
-          <p:cNvPr id="19" name="TextBox 18">
-            <a:extLst>
-              <a:ext uri="{FF2B5EF4-FFF2-40B4-BE49-F238E27FC236}">
-                <a16:creationId xmlns:a16="http://schemas.microsoft.com/office/drawing/2014/main" id="{066CD93B-080A-FC46-8ED5-37804DE4FD04}"/>
-              </a:ext>
-            </a:extLst>
-          </p:cNvPr>
-          <p:cNvSpPr txBox="1"/>
-          <p:nvPr/>
-        </p:nvSpPr>
-        <p:spPr>
-          <a:xfrm>
-            <a:off x="4113910" y="1472829"/>
-            <a:ext cx="1016463" cy="307777"/>
-          </a:xfrm>
-          <a:prstGeom prst="rect">
-            <a:avLst/>
-          </a:prstGeom>
-          <a:noFill/>
-        </p:spPr>
-        <p:txBody>
-          <a:bodyPr wrap="square" rtlCol="0">
-            <a:spAutoFit/>
-          </a:bodyPr>
-          <a:lstStyle/>
-          <a:p>
-            <a:r>
-              <a:rPr lang="en-US" sz="1400" dirty="0">
-                <a:latin typeface="Times New Roman" panose="02020603050405020304" pitchFamily="18" charset="0"/>
-                <a:cs typeface="Times New Roman" panose="02020603050405020304" pitchFamily="18" charset="0"/>
-              </a:rPr>
-              <a:t>Clinicians</a:t>
-            </a:r>
-          </a:p>
-        </p:txBody>
-      </p:sp>
-      <p:sp>
-        <p:nvSpPr>
-          <p:cNvPr id="20" name="Rounded Rectangle 19">
-            <a:extLst>
-              <a:ext uri="{FF2B5EF4-FFF2-40B4-BE49-F238E27FC236}">
-                <a16:creationId xmlns:a16="http://schemas.microsoft.com/office/drawing/2014/main" id="{705719B0-C171-A746-B771-B8DEE284694A}"/>
-              </a:ext>
-            </a:extLst>
-          </p:cNvPr>
-          <p:cNvSpPr/>
-          <p:nvPr/>
-        </p:nvSpPr>
-        <p:spPr>
-          <a:xfrm>
-            <a:off x="3779981" y="5314133"/>
-            <a:ext cx="1349607" cy="560439"/>
-          </a:xfrm>
-          <a:prstGeom prst="roundRect">
-            <a:avLst/>
-          </a:prstGeom>
-          <a:noFill/>
-          <a:ln>
-            <a:solidFill>
-              <a:schemeClr val="tx1"/>
-            </a:solidFill>
-          </a:ln>
-        </p:spPr>
-        <p:style>
-          <a:lnRef idx="2">
-            <a:schemeClr val="accent1">
-              <a:shade val="50000"/>
-            </a:schemeClr>
-          </a:lnRef>
-          <a:fillRef idx="1">
-            <a:schemeClr val="accent1"/>
-          </a:fillRef>
-          <a:effectRef idx="0">
-            <a:schemeClr val="accent1"/>
-          </a:effectRef>
-          <a:fontRef idx="minor">
-            <a:schemeClr val="lt1"/>
-          </a:fontRef>
-        </p:style>
-        <p:txBody>
-          <a:bodyPr rtlCol="0" anchor="ctr"/>
-          <a:lstStyle/>
-          <a:p>
-            <a:pPr algn="ctr"/>
-            <a:endParaRPr lang="en-US">
-              <a:latin typeface="Times New Roman" panose="02020603050405020304" pitchFamily="18" charset="0"/>
-              <a:cs typeface="Times New Roman" panose="02020603050405020304" pitchFamily="18" charset="0"/>
-            </a:endParaRPr>
-          </a:p>
-        </p:txBody>
-      </p:sp>
-      <p:sp>
-        <p:nvSpPr>
-          <p:cNvPr id="21" name="TextBox 20">
-            <a:extLst>
-              <a:ext uri="{FF2B5EF4-FFF2-40B4-BE49-F238E27FC236}">
-                <a16:creationId xmlns:a16="http://schemas.microsoft.com/office/drawing/2014/main" id="{7559D67B-CC03-FB46-B0F0-275AA1A4F96B}"/>
-              </a:ext>
-            </a:extLst>
-          </p:cNvPr>
-          <p:cNvSpPr txBox="1"/>
-          <p:nvPr/>
-        </p:nvSpPr>
-        <p:spPr>
-          <a:xfrm>
-            <a:off x="3920220" y="5420458"/>
-            <a:ext cx="1209368" cy="307777"/>
-          </a:xfrm>
-          <a:prstGeom prst="rect">
-            <a:avLst/>
-          </a:prstGeom>
-          <a:noFill/>
-        </p:spPr>
-        <p:txBody>
-          <a:bodyPr wrap="square" rtlCol="0">
-            <a:spAutoFit/>
-          </a:bodyPr>
-          <a:lstStyle/>
-          <a:p>
-            <a:r>
-              <a:rPr lang="en-US" sz="1400" dirty="0">
-                <a:latin typeface="Times New Roman" panose="02020603050405020304" pitchFamily="18" charset="0"/>
-                <a:cs typeface="Times New Roman" panose="02020603050405020304" pitchFamily="18" charset="0"/>
-              </a:rPr>
-              <a:t>Equipment</a:t>
-            </a:r>
-          </a:p>
-        </p:txBody>
-      </p:sp>
-      <p:sp>
-        <p:nvSpPr>
-          <p:cNvPr id="22" name="Rounded Rectangle 21">
-            <a:extLst>
-              <a:ext uri="{FF2B5EF4-FFF2-40B4-BE49-F238E27FC236}">
-                <a16:creationId xmlns:a16="http://schemas.microsoft.com/office/drawing/2014/main" id="{5DD45A9E-17CB-5E41-8F58-98DE966C7300}"/>
-              </a:ext>
-            </a:extLst>
-          </p:cNvPr>
-          <p:cNvSpPr/>
-          <p:nvPr/>
-        </p:nvSpPr>
-        <p:spPr>
-          <a:xfrm>
-            <a:off x="6409668" y="1368487"/>
-            <a:ext cx="1349607" cy="560439"/>
-          </a:xfrm>
-          <a:prstGeom prst="roundRect">
-            <a:avLst/>
-          </a:prstGeom>
-          <a:noFill/>
-          <a:ln>
-            <a:solidFill>
-              <a:schemeClr val="tx1"/>
-            </a:solidFill>
-          </a:ln>
-        </p:spPr>
-        <p:style>
-          <a:lnRef idx="2">
-            <a:schemeClr val="accent1">
-              <a:shade val="50000"/>
-            </a:schemeClr>
-          </a:lnRef>
-          <a:fillRef idx="1">
-            <a:schemeClr val="accent1"/>
-          </a:fillRef>
-          <a:effectRef idx="0">
-            <a:schemeClr val="accent1"/>
-          </a:effectRef>
-          <a:fontRef idx="minor">
-            <a:schemeClr val="lt1"/>
-          </a:fontRef>
-        </p:style>
-        <p:txBody>
-          <a:bodyPr rtlCol="0" anchor="ctr"/>
-          <a:lstStyle/>
-          <a:p>
-            <a:pPr algn="ctr"/>
-            <a:endParaRPr lang="en-US">
-              <a:latin typeface="Times New Roman" panose="02020603050405020304" pitchFamily="18" charset="0"/>
-              <a:cs typeface="Times New Roman" panose="02020603050405020304" pitchFamily="18" charset="0"/>
-            </a:endParaRPr>
-          </a:p>
-        </p:txBody>
-      </p:sp>
-      <p:sp>
-        <p:nvSpPr>
-          <p:cNvPr id="23" name="TextBox 22">
-            <a:extLst>
-              <a:ext uri="{FF2B5EF4-FFF2-40B4-BE49-F238E27FC236}">
-                <a16:creationId xmlns:a16="http://schemas.microsoft.com/office/drawing/2014/main" id="{144ACCE9-8A25-B54C-9E6E-D2FDA33666EB}"/>
-              </a:ext>
-            </a:extLst>
-          </p:cNvPr>
-          <p:cNvSpPr txBox="1"/>
-          <p:nvPr/>
-        </p:nvSpPr>
-        <p:spPr>
-          <a:xfrm>
-            <a:off x="6503726" y="1486609"/>
-            <a:ext cx="1232925" cy="307777"/>
-          </a:xfrm>
-          <a:prstGeom prst="rect">
-            <a:avLst/>
-          </a:prstGeom>
-          <a:noFill/>
-        </p:spPr>
-        <p:txBody>
-          <a:bodyPr wrap="square" rtlCol="0">
-            <a:spAutoFit/>
-          </a:bodyPr>
-          <a:lstStyle/>
-          <a:p>
-            <a:r>
-              <a:rPr lang="en-US" sz="1400" dirty="0">
-                <a:latin typeface="Times New Roman" panose="02020603050405020304" pitchFamily="18" charset="0"/>
-                <a:cs typeface="Times New Roman" panose="02020603050405020304" pitchFamily="18" charset="0"/>
-              </a:rPr>
-              <a:t>Environment</a:t>
-            </a:r>
-          </a:p>
-        </p:txBody>
-      </p:sp>
-      <p:sp>
-        <p:nvSpPr>
-          <p:cNvPr id="24" name="Rounded Rectangle 23">
-            <a:extLst>
-              <a:ext uri="{FF2B5EF4-FFF2-40B4-BE49-F238E27FC236}">
-                <a16:creationId xmlns:a16="http://schemas.microsoft.com/office/drawing/2014/main" id="{C820CE79-CC1A-2A41-9DE8-4844C391666D}"/>
-              </a:ext>
-            </a:extLst>
-          </p:cNvPr>
-          <p:cNvSpPr/>
-          <p:nvPr/>
-        </p:nvSpPr>
-        <p:spPr>
-          <a:xfrm>
-            <a:off x="1114585" y="5311502"/>
-            <a:ext cx="1349607" cy="560439"/>
-          </a:xfrm>
-          <a:prstGeom prst="roundRect">
-            <a:avLst/>
-          </a:prstGeom>
-          <a:noFill/>
-          <a:ln>
-            <a:solidFill>
-              <a:schemeClr val="tx1"/>
-            </a:solidFill>
-          </a:ln>
-        </p:spPr>
-        <p:style>
-          <a:lnRef idx="2">
-            <a:schemeClr val="accent1">
-              <a:shade val="50000"/>
-            </a:schemeClr>
-          </a:lnRef>
-          <a:fillRef idx="1">
-            <a:schemeClr val="accent1"/>
-          </a:fillRef>
-          <a:effectRef idx="0">
-            <a:schemeClr val="accent1"/>
-          </a:effectRef>
-          <a:fontRef idx="minor">
-            <a:schemeClr val="lt1"/>
-          </a:fontRef>
-        </p:style>
-        <p:txBody>
-          <a:bodyPr rtlCol="0" anchor="ctr"/>
-          <a:lstStyle/>
-          <a:p>
-            <a:pPr algn="ctr"/>
-            <a:endParaRPr lang="en-US">
-              <a:latin typeface="Times New Roman" panose="02020603050405020304" pitchFamily="18" charset="0"/>
-              <a:cs typeface="Times New Roman" panose="02020603050405020304" pitchFamily="18" charset="0"/>
-            </a:endParaRPr>
-          </a:p>
-        </p:txBody>
-      </p:sp>
-      <p:sp>
-        <p:nvSpPr>
-          <p:cNvPr id="25" name="TextBox 24">
-            <a:extLst>
-              <a:ext uri="{FF2B5EF4-FFF2-40B4-BE49-F238E27FC236}">
-                <a16:creationId xmlns:a16="http://schemas.microsoft.com/office/drawing/2014/main" id="{A03B7940-ACF8-2742-B50C-07BC73BFAC37}"/>
-              </a:ext>
-            </a:extLst>
-          </p:cNvPr>
-          <p:cNvSpPr txBox="1"/>
-          <p:nvPr/>
-        </p:nvSpPr>
-        <p:spPr>
-          <a:xfrm>
-            <a:off x="1389888" y="5417827"/>
-            <a:ext cx="1016463" cy="307777"/>
-          </a:xfrm>
-          <a:prstGeom prst="rect">
-            <a:avLst/>
-          </a:prstGeom>
-          <a:noFill/>
-        </p:spPr>
-        <p:txBody>
-          <a:bodyPr wrap="square" rtlCol="0">
-            <a:spAutoFit/>
-          </a:bodyPr>
-          <a:lstStyle/>
-          <a:p>
-            <a:r>
-              <a:rPr lang="en-US" sz="1400" dirty="0">
-                <a:latin typeface="Times New Roman" panose="02020603050405020304" pitchFamily="18" charset="0"/>
-                <a:cs typeface="Times New Roman" panose="02020603050405020304" pitchFamily="18" charset="0"/>
-              </a:rPr>
-              <a:t>Method</a:t>
-            </a:r>
-          </a:p>
-        </p:txBody>
-      </p:sp>
-      <p:sp>
-        <p:nvSpPr>
-          <p:cNvPr id="26" name="Rounded Rectangle 25">
-            <a:extLst>
-              <a:ext uri="{FF2B5EF4-FFF2-40B4-BE49-F238E27FC236}">
-                <a16:creationId xmlns:a16="http://schemas.microsoft.com/office/drawing/2014/main" id="{C6DEAADC-0EE7-8A4D-A422-658E854C824D}"/>
-              </a:ext>
-            </a:extLst>
-          </p:cNvPr>
-          <p:cNvSpPr/>
-          <p:nvPr/>
-        </p:nvSpPr>
-        <p:spPr>
-          <a:xfrm>
-            <a:off x="6423336" y="5312686"/>
-            <a:ext cx="1349607" cy="560439"/>
-          </a:xfrm>
-          <a:prstGeom prst="roundRect">
-            <a:avLst/>
-          </a:prstGeom>
-          <a:noFill/>
-          <a:ln>
-            <a:solidFill>
-              <a:schemeClr val="tx1"/>
-            </a:solidFill>
-          </a:ln>
-        </p:spPr>
-        <p:style>
-          <a:lnRef idx="2">
-            <a:schemeClr val="accent1">
-              <a:shade val="50000"/>
-            </a:schemeClr>
-          </a:lnRef>
-          <a:fillRef idx="1">
-            <a:schemeClr val="accent1"/>
-          </a:fillRef>
-          <a:effectRef idx="0">
-            <a:schemeClr val="accent1"/>
-          </a:effectRef>
-          <a:fontRef idx="minor">
-            <a:schemeClr val="lt1"/>
-          </a:fontRef>
-        </p:style>
-        <p:txBody>
-          <a:bodyPr rtlCol="0" anchor="ctr"/>
-          <a:lstStyle/>
-          <a:p>
-            <a:pPr algn="ctr"/>
-            <a:endParaRPr lang="en-US">
-              <a:latin typeface="Times New Roman" panose="02020603050405020304" pitchFamily="18" charset="0"/>
-              <a:cs typeface="Times New Roman" panose="02020603050405020304" pitchFamily="18" charset="0"/>
-            </a:endParaRPr>
-          </a:p>
-        </p:txBody>
-      </p:sp>
-      <p:sp>
-        <p:nvSpPr>
-          <p:cNvPr id="27" name="TextBox 26">
-            <a:extLst>
-              <a:ext uri="{FF2B5EF4-FFF2-40B4-BE49-F238E27FC236}">
-                <a16:creationId xmlns:a16="http://schemas.microsoft.com/office/drawing/2014/main" id="{DB8F9EC6-7677-F244-BFCB-F928C18ED942}"/>
-              </a:ext>
-            </a:extLst>
-          </p:cNvPr>
-          <p:cNvSpPr txBox="1"/>
-          <p:nvPr/>
-        </p:nvSpPr>
-        <p:spPr>
-          <a:xfrm>
-            <a:off x="6481153" y="5442039"/>
-            <a:ext cx="1349607" cy="307777"/>
-          </a:xfrm>
-          <a:prstGeom prst="rect">
-            <a:avLst/>
-          </a:prstGeom>
-          <a:noFill/>
-        </p:spPr>
-        <p:txBody>
-          <a:bodyPr wrap="square" rtlCol="0">
-            <a:spAutoFit/>
-          </a:bodyPr>
-          <a:lstStyle/>
-          <a:p>
-            <a:r>
-              <a:rPr lang="en-US" sz="1400" dirty="0">
-                <a:latin typeface="Times New Roman" panose="02020603050405020304" pitchFamily="18" charset="0"/>
-                <a:cs typeface="Times New Roman" panose="02020603050405020304" pitchFamily="18" charset="0"/>
-              </a:rPr>
-              <a:t>Measurement</a:t>
-            </a:r>
-          </a:p>
-        </p:txBody>
-      </p:sp>
-      <p:cxnSp>
-        <p:nvCxnSpPr>
-          <p:cNvPr id="28" name="Straight Connector 27">
-            <a:extLst>
-              <a:ext uri="{FF2B5EF4-FFF2-40B4-BE49-F238E27FC236}">
-                <a16:creationId xmlns:a16="http://schemas.microsoft.com/office/drawing/2014/main" id="{8E0C599D-CC3E-474F-BC0B-1D9B3DBC4CFE}"/>
-              </a:ext>
-            </a:extLst>
-          </p:cNvPr>
-          <p:cNvCxnSpPr>
-            <a:cxnSpLocks/>
-          </p:cNvCxnSpPr>
-          <p:nvPr/>
-        </p:nvCxnSpPr>
-        <p:spPr>
-          <a:xfrm>
-            <a:off x="4456717" y="1928926"/>
-            <a:ext cx="1114667" cy="1691328"/>
-          </a:xfrm>
-          <a:prstGeom prst="line">
-            <a:avLst/>
-          </a:prstGeom>
-          <a:ln w="12700">
-            <a:solidFill>
-              <a:schemeClr val="tx1"/>
-            </a:solidFill>
-          </a:ln>
-        </p:spPr>
-        <p:style>
-          <a:lnRef idx="1">
-            <a:schemeClr val="accent1"/>
-          </a:lnRef>
-          <a:fillRef idx="0">
-            <a:schemeClr val="accent1"/>
-          </a:fillRef>
-          <a:effectRef idx="0">
-            <a:schemeClr val="accent1"/>
-          </a:effectRef>
-          <a:fontRef idx="minor">
-            <a:schemeClr val="tx1"/>
-          </a:fontRef>
-        </p:style>
-      </p:cxnSp>
-      <p:cxnSp>
-        <p:nvCxnSpPr>
-          <p:cNvPr id="29" name="Straight Connector 28">
-            <a:extLst>
-              <a:ext uri="{FF2B5EF4-FFF2-40B4-BE49-F238E27FC236}">
-                <a16:creationId xmlns:a16="http://schemas.microsoft.com/office/drawing/2014/main" id="{4A67D464-7675-A644-BAE5-F2C25E3EAC07}"/>
-              </a:ext>
-            </a:extLst>
-          </p:cNvPr>
-          <p:cNvCxnSpPr>
-            <a:cxnSpLocks/>
-          </p:cNvCxnSpPr>
-          <p:nvPr/>
-        </p:nvCxnSpPr>
-        <p:spPr>
-          <a:xfrm>
-            <a:off x="7063959" y="1928926"/>
-            <a:ext cx="1114667" cy="1691328"/>
-          </a:xfrm>
-          <a:prstGeom prst="line">
-            <a:avLst/>
-          </a:prstGeom>
-          <a:ln w="12700">
-            <a:solidFill>
-              <a:schemeClr val="tx1"/>
-            </a:solidFill>
-          </a:ln>
-        </p:spPr>
-        <p:style>
-          <a:lnRef idx="1">
-            <a:schemeClr val="accent1"/>
-          </a:lnRef>
-          <a:fillRef idx="0">
-            <a:schemeClr val="accent1"/>
-          </a:fillRef>
-          <a:effectRef idx="0">
-            <a:schemeClr val="accent1"/>
-          </a:effectRef>
-          <a:fontRef idx="minor">
-            <a:schemeClr val="tx1"/>
-          </a:fontRef>
-        </p:style>
-      </p:cxnSp>
-      <p:cxnSp>
-        <p:nvCxnSpPr>
-          <p:cNvPr id="30" name="Straight Connector 29">
-            <a:extLst>
-              <a:ext uri="{FF2B5EF4-FFF2-40B4-BE49-F238E27FC236}">
-                <a16:creationId xmlns:a16="http://schemas.microsoft.com/office/drawing/2014/main" id="{CA9E3E88-D90B-5A43-B1FF-53E7646ADB8C}"/>
-              </a:ext>
-            </a:extLst>
-          </p:cNvPr>
-          <p:cNvCxnSpPr>
-            <a:cxnSpLocks/>
-          </p:cNvCxnSpPr>
-          <p:nvPr/>
-        </p:nvCxnSpPr>
-        <p:spPr>
-          <a:xfrm flipH="1">
-            <a:off x="1795680" y="3617267"/>
-            <a:ext cx="1114667" cy="1691328"/>
-          </a:xfrm>
-          <a:prstGeom prst="line">
-            <a:avLst/>
-          </a:prstGeom>
-          <a:ln w="12700">
-            <a:solidFill>
-              <a:schemeClr val="tx1"/>
-            </a:solidFill>
-          </a:ln>
-        </p:spPr>
-        <p:style>
-          <a:lnRef idx="1">
-            <a:schemeClr val="accent1"/>
-          </a:lnRef>
-          <a:fillRef idx="0">
-            <a:schemeClr val="accent1"/>
-          </a:fillRef>
-          <a:effectRef idx="0">
-            <a:schemeClr val="accent1"/>
-          </a:effectRef>
-          <a:fontRef idx="minor">
-            <a:schemeClr val="tx1"/>
-          </a:fontRef>
-        </p:style>
-      </p:cxnSp>
-      <p:cxnSp>
-        <p:nvCxnSpPr>
-          <p:cNvPr id="31" name="Straight Connector 30">
-            <a:extLst>
-              <a:ext uri="{FF2B5EF4-FFF2-40B4-BE49-F238E27FC236}">
-                <a16:creationId xmlns:a16="http://schemas.microsoft.com/office/drawing/2014/main" id="{4244C620-8A37-1547-8DF9-CD682EAAD949}"/>
-              </a:ext>
-            </a:extLst>
-          </p:cNvPr>
-          <p:cNvCxnSpPr>
-            <a:cxnSpLocks/>
-          </p:cNvCxnSpPr>
-          <p:nvPr/>
-        </p:nvCxnSpPr>
-        <p:spPr>
-          <a:xfrm flipH="1">
-            <a:off x="4450625" y="3617267"/>
-            <a:ext cx="1114667" cy="1691328"/>
-          </a:xfrm>
-          <a:prstGeom prst="line">
-            <a:avLst/>
-          </a:prstGeom>
-          <a:ln w="12700">
-            <a:solidFill>
-              <a:schemeClr val="tx1"/>
-            </a:solidFill>
-          </a:ln>
-        </p:spPr>
-        <p:style>
-          <a:lnRef idx="1">
-            <a:schemeClr val="accent1"/>
-          </a:lnRef>
-          <a:fillRef idx="0">
-            <a:schemeClr val="accent1"/>
-          </a:fillRef>
-          <a:effectRef idx="0">
-            <a:schemeClr val="accent1"/>
-          </a:effectRef>
-          <a:fontRef idx="minor">
-            <a:schemeClr val="tx1"/>
-          </a:fontRef>
-        </p:style>
-      </p:cxnSp>
-      <p:cxnSp>
-        <p:nvCxnSpPr>
-          <p:cNvPr id="33" name="Straight Connector 32">
-            <a:extLst>
-              <a:ext uri="{FF2B5EF4-FFF2-40B4-BE49-F238E27FC236}">
-                <a16:creationId xmlns:a16="http://schemas.microsoft.com/office/drawing/2014/main" id="{4DD78306-946A-BD42-BBD2-0F6A592B5478}"/>
-              </a:ext>
-            </a:extLst>
-          </p:cNvPr>
-          <p:cNvCxnSpPr>
-            <a:cxnSpLocks/>
-          </p:cNvCxnSpPr>
-          <p:nvPr/>
-        </p:nvCxnSpPr>
-        <p:spPr>
-          <a:xfrm flipH="1">
-            <a:off x="7061727" y="3617267"/>
-            <a:ext cx="1114667" cy="1691328"/>
-          </a:xfrm>
-          <a:prstGeom prst="line">
-            <a:avLst/>
-          </a:prstGeom>
-          <a:ln w="12700">
-            <a:solidFill>
-              <a:schemeClr val="tx1"/>
-            </a:solidFill>
-          </a:ln>
-        </p:spPr>
-        <p:style>
-          <a:lnRef idx="1">
-            <a:schemeClr val="accent1"/>
-          </a:lnRef>
-          <a:fillRef idx="0">
-            <a:schemeClr val="accent1"/>
-          </a:fillRef>
-          <a:effectRef idx="0">
-            <a:schemeClr val="accent1"/>
-          </a:effectRef>
-          <a:fontRef idx="minor">
-            <a:schemeClr val="tx1"/>
-          </a:fontRef>
-        </p:style>
-      </p:cxnSp>
-      <p:cxnSp>
-        <p:nvCxnSpPr>
-          <p:cNvPr id="34" name="Straight Connector 33">
-            <a:extLst>
-              <a:ext uri="{FF2B5EF4-FFF2-40B4-BE49-F238E27FC236}">
-                <a16:creationId xmlns:a16="http://schemas.microsoft.com/office/drawing/2014/main" id="{2B16EA65-34E0-3C4B-8D14-B3564AD79D23}"/>
-              </a:ext>
-            </a:extLst>
-          </p:cNvPr>
-          <p:cNvCxnSpPr/>
-          <p:nvPr/>
-        </p:nvCxnSpPr>
-        <p:spPr>
-          <a:xfrm>
-            <a:off x="1425676" y="2764758"/>
-            <a:ext cx="914400" cy="0"/>
-          </a:xfrm>
-          <a:prstGeom prst="line">
-            <a:avLst/>
-          </a:prstGeom>
-          <a:ln w="12700">
-            <a:solidFill>
-              <a:schemeClr val="tx1"/>
-            </a:solidFill>
-          </a:ln>
-        </p:spPr>
-        <p:style>
-          <a:lnRef idx="1">
-            <a:schemeClr val="accent1"/>
-          </a:lnRef>
-          <a:fillRef idx="0">
-            <a:schemeClr val="accent1"/>
-          </a:fillRef>
-          <a:effectRef idx="0">
-            <a:schemeClr val="accent1"/>
-          </a:effectRef>
-          <a:fontRef idx="minor">
-            <a:schemeClr val="tx1"/>
-          </a:fontRef>
-        </p:style>
-      </p:cxnSp>
-      <p:cxnSp>
-        <p:nvCxnSpPr>
-          <p:cNvPr id="35" name="Straight Connector 34">
-            <a:extLst>
-              <a:ext uri="{FF2B5EF4-FFF2-40B4-BE49-F238E27FC236}">
-                <a16:creationId xmlns:a16="http://schemas.microsoft.com/office/drawing/2014/main" id="{39EE4B37-1BBF-944E-96E3-9FD9542A743D}"/>
-              </a:ext>
-            </a:extLst>
-          </p:cNvPr>
-          <p:cNvCxnSpPr/>
-          <p:nvPr/>
-        </p:nvCxnSpPr>
-        <p:spPr>
-          <a:xfrm>
-            <a:off x="2601960" y="3141406"/>
-            <a:ext cx="914400" cy="0"/>
-          </a:xfrm>
-          <a:prstGeom prst="line">
-            <a:avLst/>
-          </a:prstGeom>
-          <a:ln w="12700">
-            <a:solidFill>
-              <a:schemeClr val="tx1"/>
-            </a:solidFill>
-          </a:ln>
-        </p:spPr>
-        <p:style>
-          <a:lnRef idx="1">
-            <a:schemeClr val="accent1"/>
-          </a:lnRef>
-          <a:fillRef idx="0">
-            <a:schemeClr val="accent1"/>
-          </a:fillRef>
-          <a:effectRef idx="0">
-            <a:schemeClr val="accent1"/>
-          </a:effectRef>
-          <a:fontRef idx="minor">
-            <a:schemeClr val="tx1"/>
-          </a:fontRef>
-        </p:style>
-      </p:cxnSp>
-      <p:cxnSp>
-        <p:nvCxnSpPr>
-          <p:cNvPr id="36" name="Straight Connector 35">
-            <a:extLst>
-              <a:ext uri="{FF2B5EF4-FFF2-40B4-BE49-F238E27FC236}">
-                <a16:creationId xmlns:a16="http://schemas.microsoft.com/office/drawing/2014/main" id="{CB8C89D2-FA1C-CB4B-8844-A24B0E04FBE7}"/>
-              </a:ext>
-            </a:extLst>
-          </p:cNvPr>
-          <p:cNvCxnSpPr/>
-          <p:nvPr/>
-        </p:nvCxnSpPr>
-        <p:spPr>
-          <a:xfrm>
-            <a:off x="4731903" y="2325328"/>
-            <a:ext cx="914400" cy="0"/>
-          </a:xfrm>
-          <a:prstGeom prst="line">
-            <a:avLst/>
-          </a:prstGeom>
-          <a:ln w="12700">
-            <a:solidFill>
-              <a:schemeClr val="tx1"/>
-            </a:solidFill>
-          </a:ln>
-        </p:spPr>
-        <p:style>
-          <a:lnRef idx="1">
-            <a:schemeClr val="accent1"/>
-          </a:lnRef>
-          <a:fillRef idx="0">
-            <a:schemeClr val="accent1"/>
-          </a:fillRef>
-          <a:effectRef idx="0">
-            <a:schemeClr val="accent1"/>
-          </a:effectRef>
-          <a:fontRef idx="minor">
-            <a:schemeClr val="tx1"/>
-          </a:fontRef>
-        </p:style>
-      </p:cxnSp>
-      <p:cxnSp>
-        <p:nvCxnSpPr>
-          <p:cNvPr id="37" name="Straight Connector 36">
-            <a:extLst>
-              <a:ext uri="{FF2B5EF4-FFF2-40B4-BE49-F238E27FC236}">
-                <a16:creationId xmlns:a16="http://schemas.microsoft.com/office/drawing/2014/main" id="{812D3AC7-DF8A-5345-8C63-0E2ED82896E0}"/>
-              </a:ext>
-            </a:extLst>
-          </p:cNvPr>
-          <p:cNvCxnSpPr/>
-          <p:nvPr/>
-        </p:nvCxnSpPr>
-        <p:spPr>
-          <a:xfrm>
-            <a:off x="4089818" y="2764758"/>
-            <a:ext cx="914400" cy="0"/>
-          </a:xfrm>
-          <a:prstGeom prst="line">
-            <a:avLst/>
-          </a:prstGeom>
-          <a:ln w="12700">
-            <a:solidFill>
-              <a:schemeClr val="tx1"/>
-            </a:solidFill>
-          </a:ln>
-        </p:spPr>
-        <p:style>
-          <a:lnRef idx="1">
-            <a:schemeClr val="accent1"/>
-          </a:lnRef>
-          <a:fillRef idx="0">
-            <a:schemeClr val="accent1"/>
-          </a:fillRef>
-          <a:effectRef idx="0">
-            <a:schemeClr val="accent1"/>
-          </a:effectRef>
-          <a:fontRef idx="minor">
-            <a:schemeClr val="tx1"/>
-          </a:fontRef>
-        </p:style>
-      </p:cxnSp>
-      <p:cxnSp>
-        <p:nvCxnSpPr>
-          <p:cNvPr id="38" name="Straight Connector 37">
-            <a:extLst>
-              <a:ext uri="{FF2B5EF4-FFF2-40B4-BE49-F238E27FC236}">
-                <a16:creationId xmlns:a16="http://schemas.microsoft.com/office/drawing/2014/main" id="{4FA731FC-48F0-694E-98E2-644C3024FBA0}"/>
-              </a:ext>
-            </a:extLst>
-          </p:cNvPr>
-          <p:cNvCxnSpPr/>
-          <p:nvPr/>
-        </p:nvCxnSpPr>
-        <p:spPr>
-          <a:xfrm>
-            <a:off x="6706894" y="2764758"/>
-            <a:ext cx="914400" cy="0"/>
-          </a:xfrm>
-          <a:prstGeom prst="line">
-            <a:avLst/>
-          </a:prstGeom>
-          <a:ln w="12700">
-            <a:solidFill>
-              <a:schemeClr val="tx1"/>
-            </a:solidFill>
-          </a:ln>
-        </p:spPr>
-        <p:style>
-          <a:lnRef idx="1">
-            <a:schemeClr val="accent1"/>
-          </a:lnRef>
-          <a:fillRef idx="0">
-            <a:schemeClr val="accent1"/>
-          </a:fillRef>
-          <a:effectRef idx="0">
-            <a:schemeClr val="accent1"/>
-          </a:effectRef>
-          <a:fontRef idx="minor">
-            <a:schemeClr val="tx1"/>
-          </a:fontRef>
-        </p:style>
-      </p:cxnSp>
-      <p:cxnSp>
-        <p:nvCxnSpPr>
-          <p:cNvPr id="39" name="Straight Connector 38">
-            <a:extLst>
-              <a:ext uri="{FF2B5EF4-FFF2-40B4-BE49-F238E27FC236}">
-                <a16:creationId xmlns:a16="http://schemas.microsoft.com/office/drawing/2014/main" id="{DF350FDC-3BE1-0F4D-A79E-F383FCA7A836}"/>
-              </a:ext>
-            </a:extLst>
-          </p:cNvPr>
-          <p:cNvCxnSpPr/>
-          <p:nvPr/>
-        </p:nvCxnSpPr>
-        <p:spPr>
-          <a:xfrm>
-            <a:off x="5248099" y="3141406"/>
-            <a:ext cx="914400" cy="0"/>
-          </a:xfrm>
-          <a:prstGeom prst="line">
-            <a:avLst/>
-          </a:prstGeom>
-          <a:ln w="12700">
-            <a:solidFill>
-              <a:schemeClr val="tx1"/>
-            </a:solidFill>
-          </a:ln>
-        </p:spPr>
-        <p:style>
-          <a:lnRef idx="1">
-            <a:schemeClr val="accent1"/>
-          </a:lnRef>
-          <a:fillRef idx="0">
-            <a:schemeClr val="accent1"/>
-          </a:fillRef>
-          <a:effectRef idx="0">
-            <a:schemeClr val="accent1"/>
-          </a:effectRef>
-          <a:fontRef idx="minor">
-            <a:schemeClr val="tx1"/>
-          </a:fontRef>
-        </p:style>
-      </p:cxnSp>
-      <p:cxnSp>
-        <p:nvCxnSpPr>
-          <p:cNvPr id="40" name="Straight Connector 39">
-            <a:extLst>
-              <a:ext uri="{FF2B5EF4-FFF2-40B4-BE49-F238E27FC236}">
-                <a16:creationId xmlns:a16="http://schemas.microsoft.com/office/drawing/2014/main" id="{F9E6AE0A-B61E-CD46-B0BF-F65E784AA303}"/>
-              </a:ext>
-            </a:extLst>
-          </p:cNvPr>
-          <p:cNvCxnSpPr/>
-          <p:nvPr/>
-        </p:nvCxnSpPr>
-        <p:spPr>
-          <a:xfrm>
-            <a:off x="7325183" y="2325328"/>
-            <a:ext cx="914400" cy="0"/>
-          </a:xfrm>
-          <a:prstGeom prst="line">
-            <a:avLst/>
-          </a:prstGeom>
-          <a:ln w="12700">
-            <a:solidFill>
-              <a:schemeClr val="tx1"/>
-            </a:solidFill>
-          </a:ln>
-        </p:spPr>
-        <p:style>
-          <a:lnRef idx="1">
-            <a:schemeClr val="accent1"/>
-          </a:lnRef>
-          <a:fillRef idx="0">
-            <a:schemeClr val="accent1"/>
-          </a:fillRef>
-          <a:effectRef idx="0">
-            <a:schemeClr val="accent1"/>
-          </a:effectRef>
-          <a:fontRef idx="minor">
-            <a:schemeClr val="tx1"/>
-          </a:fontRef>
-        </p:style>
-      </p:cxnSp>
-      <p:cxnSp>
-        <p:nvCxnSpPr>
-          <p:cNvPr id="41" name="Straight Connector 40">
-            <a:extLst>
-              <a:ext uri="{FF2B5EF4-FFF2-40B4-BE49-F238E27FC236}">
-                <a16:creationId xmlns:a16="http://schemas.microsoft.com/office/drawing/2014/main" id="{8FB28143-33FC-C747-9EBE-8FC3BA58EBE8}"/>
-              </a:ext>
-            </a:extLst>
-          </p:cNvPr>
-          <p:cNvCxnSpPr/>
-          <p:nvPr/>
-        </p:nvCxnSpPr>
-        <p:spPr>
-          <a:xfrm>
-            <a:off x="7858561" y="3141406"/>
-            <a:ext cx="914400" cy="0"/>
-          </a:xfrm>
-          <a:prstGeom prst="line">
-            <a:avLst/>
-          </a:prstGeom>
-          <a:ln w="12700">
-            <a:solidFill>
-              <a:schemeClr val="tx1"/>
-            </a:solidFill>
-          </a:ln>
-        </p:spPr>
-        <p:style>
-          <a:lnRef idx="1">
-            <a:schemeClr val="accent1"/>
-          </a:lnRef>
-          <a:fillRef idx="0">
-            <a:schemeClr val="accent1"/>
-          </a:fillRef>
-          <a:effectRef idx="0">
-            <a:schemeClr val="accent1"/>
-          </a:effectRef>
-          <a:fontRef idx="minor">
-            <a:schemeClr val="tx1"/>
-          </a:fontRef>
-        </p:style>
-      </p:cxnSp>
-      <p:cxnSp>
-        <p:nvCxnSpPr>
-          <p:cNvPr id="42" name="Straight Connector 41">
-            <a:extLst>
-              <a:ext uri="{FF2B5EF4-FFF2-40B4-BE49-F238E27FC236}">
-                <a16:creationId xmlns:a16="http://schemas.microsoft.com/office/drawing/2014/main" id="{419121F2-F42D-974A-99C0-1FB1111B3AB3}"/>
-              </a:ext>
-            </a:extLst>
-          </p:cNvPr>
-          <p:cNvCxnSpPr/>
-          <p:nvPr/>
-        </p:nvCxnSpPr>
-        <p:spPr>
-          <a:xfrm>
-            <a:off x="1386348" y="4551420"/>
-            <a:ext cx="914400" cy="0"/>
-          </a:xfrm>
-          <a:prstGeom prst="line">
-            <a:avLst/>
-          </a:prstGeom>
-          <a:ln w="12700">
-            <a:solidFill>
-              <a:schemeClr val="tx1"/>
-            </a:solidFill>
-          </a:ln>
-        </p:spPr>
-        <p:style>
-          <a:lnRef idx="1">
-            <a:schemeClr val="accent1"/>
-          </a:lnRef>
-          <a:fillRef idx="0">
-            <a:schemeClr val="accent1"/>
-          </a:fillRef>
-          <a:effectRef idx="0">
-            <a:schemeClr val="accent1"/>
-          </a:effectRef>
-          <a:fontRef idx="minor">
-            <a:schemeClr val="tx1"/>
-          </a:fontRef>
-        </p:style>
-      </p:cxnSp>
-      <p:cxnSp>
-        <p:nvCxnSpPr>
-          <p:cNvPr id="43" name="Straight Connector 42">
-            <a:extLst>
-              <a:ext uri="{FF2B5EF4-FFF2-40B4-BE49-F238E27FC236}">
-                <a16:creationId xmlns:a16="http://schemas.microsoft.com/office/drawing/2014/main" id="{429ABE50-BE39-F242-AF50-6B8541C6FCDC}"/>
-              </a:ext>
-            </a:extLst>
-          </p:cNvPr>
-          <p:cNvCxnSpPr/>
-          <p:nvPr/>
-        </p:nvCxnSpPr>
-        <p:spPr>
-          <a:xfrm>
-            <a:off x="2551072" y="4168877"/>
-            <a:ext cx="914400" cy="0"/>
-          </a:xfrm>
-          <a:prstGeom prst="line">
-            <a:avLst/>
-          </a:prstGeom>
-          <a:ln w="12700">
-            <a:solidFill>
-              <a:schemeClr val="tx1"/>
-            </a:solidFill>
-          </a:ln>
-        </p:spPr>
-        <p:style>
-          <a:lnRef idx="1">
-            <a:schemeClr val="accent1"/>
-          </a:lnRef>
-          <a:fillRef idx="0">
-            <a:schemeClr val="accent1"/>
-          </a:fillRef>
-          <a:effectRef idx="0">
-            <a:schemeClr val="accent1"/>
-          </a:effectRef>
-          <a:fontRef idx="minor">
-            <a:schemeClr val="tx1"/>
-          </a:fontRef>
-        </p:style>
-      </p:cxnSp>
-      <p:cxnSp>
-        <p:nvCxnSpPr>
-          <p:cNvPr id="44" name="Straight Connector 43">
-            <a:extLst>
-              <a:ext uri="{FF2B5EF4-FFF2-40B4-BE49-F238E27FC236}">
-                <a16:creationId xmlns:a16="http://schemas.microsoft.com/office/drawing/2014/main" id="{22C33E4D-CA83-914F-8B21-B00C57D4A7CE}"/>
-              </a:ext>
-            </a:extLst>
-          </p:cNvPr>
-          <p:cNvCxnSpPr/>
-          <p:nvPr/>
-        </p:nvCxnSpPr>
-        <p:spPr>
-          <a:xfrm>
-            <a:off x="1937993" y="5102940"/>
-            <a:ext cx="914400" cy="0"/>
-          </a:xfrm>
-          <a:prstGeom prst="line">
-            <a:avLst/>
-          </a:prstGeom>
-          <a:ln w="12700">
-            <a:solidFill>
-              <a:schemeClr val="tx1"/>
-            </a:solidFill>
-          </a:ln>
-        </p:spPr>
-        <p:style>
-          <a:lnRef idx="1">
-            <a:schemeClr val="accent1"/>
-          </a:lnRef>
-          <a:fillRef idx="0">
-            <a:schemeClr val="accent1"/>
-          </a:fillRef>
-          <a:effectRef idx="0">
-            <a:schemeClr val="accent1"/>
-          </a:effectRef>
-          <a:fontRef idx="minor">
-            <a:schemeClr val="tx1"/>
-          </a:fontRef>
-        </p:style>
-      </p:cxnSp>
-      <p:cxnSp>
-        <p:nvCxnSpPr>
-          <p:cNvPr id="45" name="Straight Connector 44">
-            <a:extLst>
-              <a:ext uri="{FF2B5EF4-FFF2-40B4-BE49-F238E27FC236}">
-                <a16:creationId xmlns:a16="http://schemas.microsoft.com/office/drawing/2014/main" id="{F6BC191F-D039-A24B-9DE0-A731E51E3284}"/>
-              </a:ext>
-            </a:extLst>
-          </p:cNvPr>
-          <p:cNvCxnSpPr/>
-          <p:nvPr/>
-        </p:nvCxnSpPr>
-        <p:spPr>
-          <a:xfrm>
-            <a:off x="4039884" y="4551420"/>
-            <a:ext cx="914400" cy="0"/>
-          </a:xfrm>
-          <a:prstGeom prst="line">
-            <a:avLst/>
-          </a:prstGeom>
-          <a:ln w="12700">
-            <a:solidFill>
-              <a:schemeClr val="tx1"/>
-            </a:solidFill>
-          </a:ln>
-        </p:spPr>
-        <p:style>
-          <a:lnRef idx="1">
-            <a:schemeClr val="accent1"/>
-          </a:lnRef>
-          <a:fillRef idx="0">
-            <a:schemeClr val="accent1"/>
-          </a:fillRef>
-          <a:effectRef idx="0">
-            <a:schemeClr val="accent1"/>
-          </a:effectRef>
-          <a:fontRef idx="minor">
-            <a:schemeClr val="tx1"/>
-          </a:fontRef>
-        </p:style>
-      </p:cxnSp>
-      <p:cxnSp>
-        <p:nvCxnSpPr>
-          <p:cNvPr id="46" name="Straight Connector 45">
-            <a:extLst>
-              <a:ext uri="{FF2B5EF4-FFF2-40B4-BE49-F238E27FC236}">
-                <a16:creationId xmlns:a16="http://schemas.microsoft.com/office/drawing/2014/main" id="{37ADEB83-ED7E-2B47-9C65-4627F591D7EF}"/>
-              </a:ext>
-            </a:extLst>
-          </p:cNvPr>
-          <p:cNvCxnSpPr/>
-          <p:nvPr/>
-        </p:nvCxnSpPr>
-        <p:spPr>
-          <a:xfrm>
-            <a:off x="5210500" y="4168877"/>
-            <a:ext cx="914400" cy="0"/>
-          </a:xfrm>
-          <a:prstGeom prst="line">
-            <a:avLst/>
-          </a:prstGeom>
-          <a:ln w="12700">
-            <a:solidFill>
-              <a:schemeClr val="tx1"/>
-            </a:solidFill>
-          </a:ln>
-        </p:spPr>
-        <p:style>
-          <a:lnRef idx="1">
-            <a:schemeClr val="accent1"/>
-          </a:lnRef>
-          <a:fillRef idx="0">
-            <a:schemeClr val="accent1"/>
-          </a:fillRef>
-          <a:effectRef idx="0">
-            <a:schemeClr val="accent1"/>
-          </a:effectRef>
-          <a:fontRef idx="minor">
-            <a:schemeClr val="tx1"/>
-          </a:fontRef>
-        </p:style>
-      </p:cxnSp>
-      <p:cxnSp>
-        <p:nvCxnSpPr>
-          <p:cNvPr id="47" name="Straight Connector 46">
-            <a:extLst>
-              <a:ext uri="{FF2B5EF4-FFF2-40B4-BE49-F238E27FC236}">
-                <a16:creationId xmlns:a16="http://schemas.microsoft.com/office/drawing/2014/main" id="{C2854810-CFB2-5A40-AF4A-EE35856AAA6B}"/>
-              </a:ext>
-            </a:extLst>
-          </p:cNvPr>
-          <p:cNvCxnSpPr/>
-          <p:nvPr/>
-        </p:nvCxnSpPr>
-        <p:spPr>
-          <a:xfrm>
-            <a:off x="4590489" y="5102940"/>
-            <a:ext cx="914400" cy="0"/>
-          </a:xfrm>
-          <a:prstGeom prst="line">
-            <a:avLst/>
-          </a:prstGeom>
-          <a:ln w="12700">
-            <a:solidFill>
-              <a:schemeClr val="tx1"/>
-            </a:solidFill>
-          </a:ln>
-        </p:spPr>
-        <p:style>
-          <a:lnRef idx="1">
-            <a:schemeClr val="accent1"/>
-          </a:lnRef>
-          <a:fillRef idx="0">
-            <a:schemeClr val="accent1"/>
-          </a:fillRef>
-          <a:effectRef idx="0">
-            <a:schemeClr val="accent1"/>
-          </a:effectRef>
-          <a:fontRef idx="minor">
-            <a:schemeClr val="tx1"/>
-          </a:fontRef>
-        </p:style>
-      </p:cxnSp>
-      <p:cxnSp>
-        <p:nvCxnSpPr>
-          <p:cNvPr id="48" name="Straight Connector 47">
-            <a:extLst>
-              <a:ext uri="{FF2B5EF4-FFF2-40B4-BE49-F238E27FC236}">
-                <a16:creationId xmlns:a16="http://schemas.microsoft.com/office/drawing/2014/main" id="{D7B6D8BA-63D2-7547-89D2-9BC8D7F74D0E}"/>
-              </a:ext>
-            </a:extLst>
-          </p:cNvPr>
-          <p:cNvCxnSpPr/>
-          <p:nvPr/>
-        </p:nvCxnSpPr>
-        <p:spPr>
-          <a:xfrm>
-            <a:off x="6638738" y="4551420"/>
-            <a:ext cx="914400" cy="0"/>
-          </a:xfrm>
-          <a:prstGeom prst="line">
-            <a:avLst/>
-          </a:prstGeom>
-          <a:ln w="12700">
-            <a:solidFill>
-              <a:schemeClr val="tx1"/>
-            </a:solidFill>
-          </a:ln>
-        </p:spPr>
-        <p:style>
-          <a:lnRef idx="1">
-            <a:schemeClr val="accent1"/>
-          </a:lnRef>
-          <a:fillRef idx="0">
-            <a:schemeClr val="accent1"/>
-          </a:fillRef>
-          <a:effectRef idx="0">
-            <a:schemeClr val="accent1"/>
-          </a:effectRef>
-          <a:fontRef idx="minor">
-            <a:schemeClr val="tx1"/>
-          </a:fontRef>
-        </p:style>
-      </p:cxnSp>
-      <p:cxnSp>
-        <p:nvCxnSpPr>
-          <p:cNvPr id="49" name="Straight Connector 48">
-            <a:extLst>
-              <a:ext uri="{FF2B5EF4-FFF2-40B4-BE49-F238E27FC236}">
-                <a16:creationId xmlns:a16="http://schemas.microsoft.com/office/drawing/2014/main" id="{98E74B38-C3A5-0246-A806-CA35D2951CBE}"/>
-              </a:ext>
-            </a:extLst>
-          </p:cNvPr>
-          <p:cNvCxnSpPr/>
-          <p:nvPr/>
-        </p:nvCxnSpPr>
-        <p:spPr>
-          <a:xfrm>
-            <a:off x="7817516" y="4168877"/>
-            <a:ext cx="914400" cy="0"/>
-          </a:xfrm>
-          <a:prstGeom prst="line">
-            <a:avLst/>
-          </a:prstGeom>
-          <a:ln w="12700">
-            <a:solidFill>
-              <a:schemeClr val="tx1"/>
-            </a:solidFill>
-          </a:ln>
-        </p:spPr>
-        <p:style>
-          <a:lnRef idx="1">
-            <a:schemeClr val="accent1"/>
-          </a:lnRef>
-          <a:fillRef idx="0">
-            <a:schemeClr val="accent1"/>
-          </a:fillRef>
-          <a:effectRef idx="0">
-            <a:schemeClr val="accent1"/>
-          </a:effectRef>
-          <a:fontRef idx="minor">
-            <a:schemeClr val="tx1"/>
-          </a:fontRef>
-        </p:style>
-      </p:cxnSp>
-      <p:cxnSp>
-        <p:nvCxnSpPr>
-          <p:cNvPr id="50" name="Straight Connector 49">
-            <a:extLst>
-              <a:ext uri="{FF2B5EF4-FFF2-40B4-BE49-F238E27FC236}">
-                <a16:creationId xmlns:a16="http://schemas.microsoft.com/office/drawing/2014/main" id="{768B16A8-0E53-0649-BE09-EE41D997380D}"/>
-              </a:ext>
-            </a:extLst>
-          </p:cNvPr>
-          <p:cNvCxnSpPr/>
-          <p:nvPr/>
-        </p:nvCxnSpPr>
-        <p:spPr>
-          <a:xfrm>
-            <a:off x="7194687" y="5102940"/>
-            <a:ext cx="914400" cy="0"/>
-          </a:xfrm>
-          <a:prstGeom prst="line">
-            <a:avLst/>
-          </a:prstGeom>
-          <a:ln w="12700">
-            <a:solidFill>
-              <a:schemeClr val="tx1"/>
-            </a:solidFill>
-          </a:ln>
-        </p:spPr>
-        <p:style>
-          <a:lnRef idx="1">
-            <a:schemeClr val="accent1"/>
-          </a:lnRef>
-          <a:fillRef idx="0">
-            <a:schemeClr val="accent1"/>
-          </a:fillRef>
-          <a:effectRef idx="0">
-            <a:schemeClr val="accent1"/>
-          </a:effectRef>
-          <a:fontRef idx="minor">
-            <a:schemeClr val="tx1"/>
-          </a:fontRef>
-        </p:style>
-      </p:cxnSp>
-      <p:sp>
-        <p:nvSpPr>
-          <p:cNvPr id="51" name="TextBox 50">
-            <a:extLst>
-              <a:ext uri="{FF2B5EF4-FFF2-40B4-BE49-F238E27FC236}">
-                <a16:creationId xmlns:a16="http://schemas.microsoft.com/office/drawing/2014/main" id="{5C5D31E8-59FF-D747-AAC6-C00F03C2323C}"/>
-              </a:ext>
-            </a:extLst>
-          </p:cNvPr>
-          <p:cNvSpPr txBox="1"/>
-          <p:nvPr/>
-        </p:nvSpPr>
-        <p:spPr>
-          <a:xfrm>
-            <a:off x="3707532" y="2353970"/>
-            <a:ext cx="1071534" cy="430887"/>
-          </a:xfrm>
-          <a:prstGeom prst="rect">
-            <a:avLst/>
-          </a:prstGeom>
-          <a:noFill/>
-        </p:spPr>
-        <p:txBody>
-          <a:bodyPr wrap="square" rtlCol="0">
-            <a:spAutoFit/>
-          </a:bodyPr>
-          <a:lstStyle/>
-          <a:p>
-            <a:r>
-              <a:rPr lang="en-US" sz="1100" dirty="0">
-                <a:latin typeface="Times New Roman" panose="02020603050405020304" pitchFamily="18" charset="0"/>
-                <a:cs typeface="Times New Roman" panose="02020603050405020304" pitchFamily="18" charset="0"/>
-              </a:rPr>
-              <a:t>Think it is not their specialty</a:t>
-            </a:r>
-          </a:p>
-        </p:txBody>
-      </p:sp>
-      <p:sp>
-        <p:nvSpPr>
-          <p:cNvPr id="52" name="TextBox 51">
-            <a:extLst>
-              <a:ext uri="{FF2B5EF4-FFF2-40B4-BE49-F238E27FC236}">
-                <a16:creationId xmlns:a16="http://schemas.microsoft.com/office/drawing/2014/main" id="{E9CFFA23-74D4-7147-BBFC-36DEF3223575}"/>
-              </a:ext>
-            </a:extLst>
-          </p:cNvPr>
-          <p:cNvSpPr txBox="1"/>
-          <p:nvPr/>
-        </p:nvSpPr>
-        <p:spPr>
-          <a:xfrm>
-            <a:off x="7320786" y="2066473"/>
-            <a:ext cx="1411129" cy="261610"/>
-          </a:xfrm>
-          <a:prstGeom prst="rect">
-            <a:avLst/>
-          </a:prstGeom>
-          <a:noFill/>
-        </p:spPr>
-        <p:txBody>
-          <a:bodyPr wrap="square" rtlCol="0">
-            <a:spAutoFit/>
-          </a:bodyPr>
-          <a:lstStyle/>
-          <a:p>
-            <a:r>
-              <a:rPr lang="en-US" sz="1100" dirty="0">
-                <a:latin typeface="Times New Roman" panose="02020603050405020304" pitchFamily="18" charset="0"/>
-                <a:cs typeface="Times New Roman" panose="02020603050405020304" pitchFamily="18" charset="0"/>
-              </a:rPr>
-              <a:t>Language Barriers</a:t>
-            </a:r>
-          </a:p>
-        </p:txBody>
-      </p:sp>
-      <p:sp>
-        <p:nvSpPr>
-          <p:cNvPr id="53" name="TextBox 52">
-            <a:extLst>
-              <a:ext uri="{FF2B5EF4-FFF2-40B4-BE49-F238E27FC236}">
-                <a16:creationId xmlns:a16="http://schemas.microsoft.com/office/drawing/2014/main" id="{9854437C-A930-6E40-817F-45CC13AB4B6E}"/>
-              </a:ext>
-            </a:extLst>
-          </p:cNvPr>
-          <p:cNvSpPr txBox="1"/>
-          <p:nvPr/>
-        </p:nvSpPr>
-        <p:spPr>
-          <a:xfrm>
-            <a:off x="2121540" y="4718940"/>
-            <a:ext cx="1411129" cy="430887"/>
-          </a:xfrm>
-          <a:prstGeom prst="rect">
-            <a:avLst/>
-          </a:prstGeom>
-          <a:noFill/>
-        </p:spPr>
-        <p:txBody>
-          <a:bodyPr wrap="square" rtlCol="0">
-            <a:spAutoFit/>
-          </a:bodyPr>
-          <a:lstStyle/>
-          <a:p>
-            <a:r>
-              <a:rPr lang="en-US" sz="1100" dirty="0">
-                <a:latin typeface="Times New Roman" panose="02020603050405020304" pitchFamily="18" charset="0"/>
-                <a:cs typeface="Times New Roman" panose="02020603050405020304" pitchFamily="18" charset="0"/>
-              </a:rPr>
-              <a:t>Lack of follow-up after appointments</a:t>
-            </a:r>
-          </a:p>
-        </p:txBody>
-      </p:sp>
-      <p:sp>
-        <p:nvSpPr>
-          <p:cNvPr id="54" name="TextBox 53">
-            <a:extLst>
-              <a:ext uri="{FF2B5EF4-FFF2-40B4-BE49-F238E27FC236}">
-                <a16:creationId xmlns:a16="http://schemas.microsoft.com/office/drawing/2014/main" id="{15AC1288-EFBB-DF47-88FA-A74AFE78B6E6}"/>
-              </a:ext>
-            </a:extLst>
-          </p:cNvPr>
-          <p:cNvSpPr txBox="1"/>
-          <p:nvPr/>
-        </p:nvSpPr>
-        <p:spPr>
-          <a:xfrm>
-            <a:off x="4742578" y="1943052"/>
-            <a:ext cx="1349607" cy="430887"/>
-          </a:xfrm>
-          <a:prstGeom prst="rect">
-            <a:avLst/>
-          </a:prstGeom>
-          <a:noFill/>
-        </p:spPr>
-        <p:txBody>
-          <a:bodyPr wrap="square" rtlCol="0">
-            <a:spAutoFit/>
-          </a:bodyPr>
-          <a:lstStyle/>
-          <a:p>
-            <a:r>
-              <a:rPr lang="en-US" sz="1100" dirty="0">
-                <a:latin typeface="Times New Roman" panose="02020603050405020304" pitchFamily="18" charset="0"/>
-                <a:cs typeface="Times New Roman" panose="02020603050405020304" pitchFamily="18" charset="0"/>
-              </a:rPr>
-              <a:t>Don’t think about it for every patient</a:t>
-            </a:r>
-          </a:p>
-        </p:txBody>
-      </p:sp>
-      <p:sp>
-        <p:nvSpPr>
-          <p:cNvPr id="55" name="TextBox 54">
-            <a:extLst>
-              <a:ext uri="{FF2B5EF4-FFF2-40B4-BE49-F238E27FC236}">
-                <a16:creationId xmlns:a16="http://schemas.microsoft.com/office/drawing/2014/main" id="{B0D8AE90-CE31-7744-BE98-DB7A1E091D9A}"/>
-              </a:ext>
-            </a:extLst>
-          </p:cNvPr>
-          <p:cNvSpPr txBox="1"/>
-          <p:nvPr/>
-        </p:nvSpPr>
-        <p:spPr>
-          <a:xfrm>
-            <a:off x="2028931" y="1919776"/>
-            <a:ext cx="1114667" cy="430887"/>
-          </a:xfrm>
-          <a:prstGeom prst="rect">
-            <a:avLst/>
-          </a:prstGeom>
-          <a:noFill/>
-        </p:spPr>
-        <p:txBody>
-          <a:bodyPr wrap="square" rtlCol="0">
-            <a:spAutoFit/>
-          </a:bodyPr>
-          <a:lstStyle/>
-          <a:p>
-            <a:r>
-              <a:rPr lang="en-US" sz="1100" dirty="0">
-                <a:latin typeface="Times New Roman" panose="02020603050405020304" pitchFamily="18" charset="0"/>
-                <a:cs typeface="Times New Roman" panose="02020603050405020304" pitchFamily="18" charset="0"/>
-              </a:rPr>
-              <a:t>Don’t know what HbA1c is</a:t>
-            </a:r>
-          </a:p>
-        </p:txBody>
-      </p:sp>
-      <p:sp>
-        <p:nvSpPr>
-          <p:cNvPr id="56" name="TextBox 55">
-            <a:extLst>
-              <a:ext uri="{FF2B5EF4-FFF2-40B4-BE49-F238E27FC236}">
-                <a16:creationId xmlns:a16="http://schemas.microsoft.com/office/drawing/2014/main" id="{02A498DE-860E-CD49-802A-54E67E052760}"/>
-              </a:ext>
-            </a:extLst>
-          </p:cNvPr>
-          <p:cNvSpPr txBox="1"/>
-          <p:nvPr/>
-        </p:nvSpPr>
-        <p:spPr>
-          <a:xfrm>
-            <a:off x="2561678" y="2747267"/>
-            <a:ext cx="1349607" cy="430887"/>
-          </a:xfrm>
-          <a:prstGeom prst="rect">
-            <a:avLst/>
-          </a:prstGeom>
-          <a:noFill/>
-        </p:spPr>
-        <p:txBody>
-          <a:bodyPr wrap="square" rtlCol="0">
-            <a:spAutoFit/>
-          </a:bodyPr>
-          <a:lstStyle/>
-          <a:p>
-            <a:r>
-              <a:rPr lang="en-US" sz="1100" dirty="0">
-                <a:latin typeface="Times New Roman" panose="02020603050405020304" pitchFamily="18" charset="0"/>
-                <a:cs typeface="Times New Roman" panose="02020603050405020304" pitchFamily="18" charset="0"/>
-              </a:rPr>
-              <a:t>Don’t want to know results</a:t>
-            </a:r>
-          </a:p>
-        </p:txBody>
-      </p:sp>
-      <p:sp>
-        <p:nvSpPr>
-          <p:cNvPr id="57" name="TextBox 56">
-            <a:extLst>
-              <a:ext uri="{FF2B5EF4-FFF2-40B4-BE49-F238E27FC236}">
-                <a16:creationId xmlns:a16="http://schemas.microsoft.com/office/drawing/2014/main" id="{2B1AA56D-F27C-EC48-A833-B95C35357076}"/>
-              </a:ext>
-            </a:extLst>
-          </p:cNvPr>
-          <p:cNvSpPr txBox="1"/>
-          <p:nvPr/>
-        </p:nvSpPr>
-        <p:spPr>
-          <a:xfrm>
-            <a:off x="4002237" y="4175389"/>
-            <a:ext cx="945552" cy="430887"/>
-          </a:xfrm>
-          <a:prstGeom prst="rect">
-            <a:avLst/>
-          </a:prstGeom>
-          <a:noFill/>
-        </p:spPr>
-        <p:txBody>
-          <a:bodyPr wrap="square" rtlCol="0">
-            <a:spAutoFit/>
-          </a:bodyPr>
-          <a:lstStyle/>
-          <a:p>
-            <a:r>
-              <a:rPr lang="en-US" sz="1100" dirty="0">
-                <a:latin typeface="Times New Roman" panose="02020603050405020304" pitchFamily="18" charset="0"/>
-                <a:cs typeface="Times New Roman" panose="02020603050405020304" pitchFamily="18" charset="0"/>
-              </a:rPr>
-              <a:t>Requires blood draw</a:t>
-            </a:r>
-          </a:p>
-        </p:txBody>
-      </p:sp>
-      <p:sp>
-        <p:nvSpPr>
-          <p:cNvPr id="58" name="TextBox 57">
-            <a:extLst>
-              <a:ext uri="{FF2B5EF4-FFF2-40B4-BE49-F238E27FC236}">
-                <a16:creationId xmlns:a16="http://schemas.microsoft.com/office/drawing/2014/main" id="{4AC127EA-6FB2-1240-B3BF-C1FAE1FEC60F}"/>
-              </a:ext>
-            </a:extLst>
-          </p:cNvPr>
-          <p:cNvSpPr txBox="1"/>
-          <p:nvPr/>
-        </p:nvSpPr>
-        <p:spPr>
-          <a:xfrm>
-            <a:off x="5386175" y="3740438"/>
-            <a:ext cx="1411129" cy="430887"/>
-          </a:xfrm>
-          <a:prstGeom prst="rect">
-            <a:avLst/>
-          </a:prstGeom>
-          <a:noFill/>
-        </p:spPr>
-        <p:txBody>
-          <a:bodyPr wrap="square" rtlCol="0">
-            <a:spAutoFit/>
-          </a:bodyPr>
-          <a:lstStyle/>
-          <a:p>
-            <a:r>
-              <a:rPr lang="en-US" sz="1100" dirty="0">
-                <a:latin typeface="Times New Roman" panose="02020603050405020304" pitchFamily="18" charset="0"/>
-                <a:cs typeface="Times New Roman" panose="02020603050405020304" pitchFamily="18" charset="0"/>
-              </a:rPr>
-              <a:t>Machine is usually only used in clinic</a:t>
-            </a:r>
-          </a:p>
-        </p:txBody>
-      </p:sp>
-      <p:sp>
-        <p:nvSpPr>
-          <p:cNvPr id="59" name="TextBox 58">
-            <a:extLst>
-              <a:ext uri="{FF2B5EF4-FFF2-40B4-BE49-F238E27FC236}">
-                <a16:creationId xmlns:a16="http://schemas.microsoft.com/office/drawing/2014/main" id="{03A86273-32ED-9E4D-B887-95F2D99BF5B8}"/>
-              </a:ext>
-            </a:extLst>
-          </p:cNvPr>
-          <p:cNvSpPr txBox="1"/>
-          <p:nvPr/>
-        </p:nvSpPr>
-        <p:spPr>
-          <a:xfrm>
-            <a:off x="8026351" y="3744502"/>
-            <a:ext cx="1411129" cy="430887"/>
-          </a:xfrm>
-          <a:prstGeom prst="rect">
-            <a:avLst/>
-          </a:prstGeom>
-          <a:noFill/>
-        </p:spPr>
-        <p:txBody>
-          <a:bodyPr wrap="square" rtlCol="0">
-            <a:spAutoFit/>
-          </a:bodyPr>
-          <a:lstStyle/>
-          <a:p>
-            <a:r>
-              <a:rPr lang="en-US" sz="1100" dirty="0">
-                <a:latin typeface="Times New Roman" panose="02020603050405020304" pitchFamily="18" charset="0"/>
-                <a:cs typeface="Times New Roman" panose="02020603050405020304" pitchFamily="18" charset="0"/>
-              </a:rPr>
-              <a:t>Patient’s don’t understand result</a:t>
-            </a:r>
-          </a:p>
-        </p:txBody>
-      </p:sp>
-      <p:sp>
-        <p:nvSpPr>
-          <p:cNvPr id="60" name="TextBox 59">
-            <a:extLst>
-              <a:ext uri="{FF2B5EF4-FFF2-40B4-BE49-F238E27FC236}">
-                <a16:creationId xmlns:a16="http://schemas.microsoft.com/office/drawing/2014/main" id="{0BF9C389-D352-1A44-8223-302C799F1EBE}"/>
-              </a:ext>
-            </a:extLst>
-          </p:cNvPr>
-          <p:cNvSpPr txBox="1"/>
-          <p:nvPr/>
-        </p:nvSpPr>
-        <p:spPr>
-          <a:xfrm>
-            <a:off x="6469624" y="2370302"/>
-            <a:ext cx="1114667" cy="430887"/>
-          </a:xfrm>
-          <a:prstGeom prst="rect">
-            <a:avLst/>
-          </a:prstGeom>
-          <a:noFill/>
-        </p:spPr>
-        <p:txBody>
-          <a:bodyPr wrap="square" rtlCol="0">
-            <a:spAutoFit/>
-          </a:bodyPr>
-          <a:lstStyle/>
-          <a:p>
-            <a:r>
-              <a:rPr lang="en-US" sz="1100" dirty="0">
-                <a:latin typeface="Times New Roman" panose="02020603050405020304" pitchFamily="18" charset="0"/>
-                <a:cs typeface="Times New Roman" panose="02020603050405020304" pitchFamily="18" charset="0"/>
-              </a:rPr>
-              <a:t>Low income (no insurance)</a:t>
-            </a:r>
-          </a:p>
-        </p:txBody>
-      </p:sp>
-      <p:sp>
-        <p:nvSpPr>
-          <p:cNvPr id="61" name="TextBox 60">
-            <a:extLst>
-              <a:ext uri="{FF2B5EF4-FFF2-40B4-BE49-F238E27FC236}">
-                <a16:creationId xmlns:a16="http://schemas.microsoft.com/office/drawing/2014/main" id="{B7454927-E06D-CD49-AF20-40DCA119E7FE}"/>
-              </a:ext>
-            </a:extLst>
-          </p:cNvPr>
-          <p:cNvSpPr txBox="1"/>
-          <p:nvPr/>
-        </p:nvSpPr>
-        <p:spPr>
-          <a:xfrm>
-            <a:off x="5225998" y="2753768"/>
-            <a:ext cx="1114667" cy="430887"/>
-          </a:xfrm>
-          <a:prstGeom prst="rect">
-            <a:avLst/>
-          </a:prstGeom>
-          <a:noFill/>
-        </p:spPr>
-        <p:txBody>
-          <a:bodyPr wrap="square" rtlCol="0">
-            <a:spAutoFit/>
-          </a:bodyPr>
-          <a:lstStyle/>
-          <a:p>
-            <a:r>
-              <a:rPr lang="en-US" sz="1100" dirty="0">
-                <a:latin typeface="Times New Roman" panose="02020603050405020304" pitchFamily="18" charset="0"/>
-                <a:cs typeface="Times New Roman" panose="02020603050405020304" pitchFamily="18" charset="0"/>
-              </a:rPr>
-              <a:t>Not the focus of the visit</a:t>
-            </a:r>
-          </a:p>
-        </p:txBody>
-      </p:sp>
-      <p:sp>
-        <p:nvSpPr>
-          <p:cNvPr id="62" name="TextBox 61">
-            <a:extLst>
-              <a:ext uri="{FF2B5EF4-FFF2-40B4-BE49-F238E27FC236}">
-                <a16:creationId xmlns:a16="http://schemas.microsoft.com/office/drawing/2014/main" id="{3EBD6502-430E-BB4F-AECF-5A9DB89A4517}"/>
-              </a:ext>
-            </a:extLst>
-          </p:cNvPr>
-          <p:cNvSpPr txBox="1"/>
-          <p:nvPr/>
-        </p:nvSpPr>
-        <p:spPr>
-          <a:xfrm>
-            <a:off x="2715125" y="3767946"/>
-            <a:ext cx="1411129" cy="430887"/>
-          </a:xfrm>
-          <a:prstGeom prst="rect">
-            <a:avLst/>
-          </a:prstGeom>
-          <a:noFill/>
-        </p:spPr>
-        <p:txBody>
-          <a:bodyPr wrap="square" rtlCol="0">
-            <a:spAutoFit/>
-          </a:bodyPr>
-          <a:lstStyle/>
-          <a:p>
-            <a:r>
-              <a:rPr lang="en-US" sz="1100" dirty="0">
-                <a:latin typeface="Times New Roman" panose="02020603050405020304" pitchFamily="18" charset="0"/>
-                <a:cs typeface="Times New Roman" panose="02020603050405020304" pitchFamily="18" charset="0"/>
-              </a:rPr>
-              <a:t>Time consuming to visit doctor</a:t>
-            </a:r>
-          </a:p>
-        </p:txBody>
-      </p:sp>
-      <p:sp>
-        <p:nvSpPr>
-          <p:cNvPr id="63" name="TextBox 62">
-            <a:extLst>
-              <a:ext uri="{FF2B5EF4-FFF2-40B4-BE49-F238E27FC236}">
-                <a16:creationId xmlns:a16="http://schemas.microsoft.com/office/drawing/2014/main" id="{D90644E4-9EA3-E348-A362-5FDD4EF451FF}"/>
-              </a:ext>
-            </a:extLst>
-          </p:cNvPr>
-          <p:cNvSpPr txBox="1"/>
-          <p:nvPr/>
-        </p:nvSpPr>
-        <p:spPr>
-          <a:xfrm>
-            <a:off x="7424639" y="4644738"/>
-            <a:ext cx="2231630" cy="430887"/>
-          </a:xfrm>
-          <a:prstGeom prst="rect">
-            <a:avLst/>
-          </a:prstGeom>
-          <a:noFill/>
-        </p:spPr>
-        <p:txBody>
-          <a:bodyPr wrap="square" rtlCol="0">
-            <a:spAutoFit/>
-          </a:bodyPr>
-          <a:lstStyle/>
-          <a:p>
-            <a:r>
-              <a:rPr lang="en-US" sz="1100" dirty="0">
-                <a:latin typeface="Times New Roman" panose="02020603050405020304" pitchFamily="18" charset="0"/>
-                <a:cs typeface="Times New Roman" panose="02020603050405020304" pitchFamily="18" charset="0"/>
-              </a:rPr>
-              <a:t>Patient’s aren’t willing to change lifestyle based on results</a:t>
-            </a:r>
-          </a:p>
-        </p:txBody>
-      </p:sp>
-      <p:sp>
-        <p:nvSpPr>
-          <p:cNvPr id="64" name="TextBox 63">
-            <a:extLst>
-              <a:ext uri="{FF2B5EF4-FFF2-40B4-BE49-F238E27FC236}">
-                <a16:creationId xmlns:a16="http://schemas.microsoft.com/office/drawing/2014/main" id="{D62373AC-5E5C-F840-AD8B-88D548128E87}"/>
-              </a:ext>
-            </a:extLst>
-          </p:cNvPr>
-          <p:cNvSpPr txBox="1"/>
-          <p:nvPr/>
-        </p:nvSpPr>
-        <p:spPr>
-          <a:xfrm>
-            <a:off x="1364166" y="4148057"/>
-            <a:ext cx="1114668" cy="430887"/>
-          </a:xfrm>
-          <a:prstGeom prst="rect">
-            <a:avLst/>
-          </a:prstGeom>
-          <a:noFill/>
-        </p:spPr>
-        <p:txBody>
-          <a:bodyPr wrap="square" rtlCol="0">
-            <a:spAutoFit/>
-          </a:bodyPr>
-          <a:lstStyle/>
-          <a:p>
-            <a:r>
-              <a:rPr lang="en-US" sz="1100" dirty="0">
-                <a:latin typeface="Times New Roman" panose="02020603050405020304" pitchFamily="18" charset="0"/>
-                <a:cs typeface="Times New Roman" panose="02020603050405020304" pitchFamily="18" charset="0"/>
-              </a:rPr>
-              <a:t>Don’t like to see a doctor</a:t>
-            </a:r>
-          </a:p>
-        </p:txBody>
-      </p:sp>
-      <p:sp>
-        <p:nvSpPr>
-          <p:cNvPr id="9" name="Triangle 8">
-            <a:extLst>
-              <a:ext uri="{FF2B5EF4-FFF2-40B4-BE49-F238E27FC236}">
-                <a16:creationId xmlns:a16="http://schemas.microsoft.com/office/drawing/2014/main" id="{D89269EA-DB51-1D43-AC29-5B5E6DAB6CE9}"/>
-              </a:ext>
-            </a:extLst>
-          </p:cNvPr>
-          <p:cNvSpPr/>
-          <p:nvPr/>
-        </p:nvSpPr>
-        <p:spPr>
-          <a:xfrm rot="5400000">
-            <a:off x="9702869" y="3396116"/>
-            <a:ext cx="373626" cy="429560"/>
-          </a:xfrm>
-          <a:prstGeom prst="triangle">
-            <a:avLst/>
-          </a:prstGeom>
-          <a:solidFill>
-            <a:schemeClr val="tx1"/>
-          </a:solidFill>
-          <a:ln>
-            <a:solidFill>
-              <a:schemeClr val="tx1"/>
-            </a:solidFill>
-          </a:ln>
-        </p:spPr>
-        <p:style>
-          <a:lnRef idx="2">
-            <a:schemeClr val="accent1">
-              <a:shade val="50000"/>
-            </a:schemeClr>
-          </a:lnRef>
-          <a:fillRef idx="1">
-            <a:schemeClr val="accent1"/>
-          </a:fillRef>
-          <a:effectRef idx="0">
-            <a:schemeClr val="accent1"/>
-          </a:effectRef>
-          <a:fontRef idx="minor">
-            <a:schemeClr val="lt1"/>
-          </a:fontRef>
-        </p:style>
-        <p:txBody>
-          <a:bodyPr rtlCol="0" anchor="ctr"/>
-          <a:lstStyle/>
-          <a:p>
-            <a:pPr algn="ctr"/>
-            <a:endParaRPr lang="en-US">
-              <a:latin typeface="Times New Roman" panose="02020603050405020304" pitchFamily="18" charset="0"/>
-              <a:cs typeface="Times New Roman" panose="02020603050405020304" pitchFamily="18" charset="0"/>
-            </a:endParaRPr>
-          </a:p>
-        </p:txBody>
-      </p:sp>
-      <p:sp>
-        <p:nvSpPr>
-          <p:cNvPr id="66" name="TextBox 65">
-            <a:extLst>
-              <a:ext uri="{FF2B5EF4-FFF2-40B4-BE49-F238E27FC236}">
-                <a16:creationId xmlns:a16="http://schemas.microsoft.com/office/drawing/2014/main" id="{DC26039E-E3A6-5646-A652-0FE615B49ECD}"/>
-              </a:ext>
-            </a:extLst>
-          </p:cNvPr>
-          <p:cNvSpPr txBox="1"/>
-          <p:nvPr/>
-        </p:nvSpPr>
-        <p:spPr>
-          <a:xfrm>
-            <a:off x="10294835" y="3395507"/>
-            <a:ext cx="1349607" cy="523220"/>
-          </a:xfrm>
-          <a:prstGeom prst="rect">
-            <a:avLst/>
-          </a:prstGeom>
-          <a:noFill/>
-        </p:spPr>
-        <p:txBody>
-          <a:bodyPr wrap="square" rtlCol="0">
-            <a:spAutoFit/>
-          </a:bodyPr>
-          <a:lstStyle/>
-          <a:p>
-            <a:r>
-              <a:rPr lang="en-US" sz="1400" dirty="0">
-                <a:latin typeface="Times New Roman" panose="02020603050405020304" pitchFamily="18" charset="0"/>
-                <a:cs typeface="Times New Roman" panose="02020603050405020304" pitchFamily="18" charset="0"/>
-              </a:rPr>
-              <a:t>Low HbA1c Screening</a:t>
-            </a:r>
-          </a:p>
-        </p:txBody>
-      </p:sp>
-      <p:sp>
-        <p:nvSpPr>
-          <p:cNvPr id="67" name="TextBox 66">
-            <a:extLst>
-              <a:ext uri="{FF2B5EF4-FFF2-40B4-BE49-F238E27FC236}">
-                <a16:creationId xmlns:a16="http://schemas.microsoft.com/office/drawing/2014/main" id="{DAD8B1E6-8A68-0545-BB09-91E7FBF63894}"/>
-              </a:ext>
-            </a:extLst>
-          </p:cNvPr>
-          <p:cNvSpPr txBox="1"/>
-          <p:nvPr/>
-        </p:nvSpPr>
-        <p:spPr>
-          <a:xfrm>
-            <a:off x="7834309" y="2737265"/>
-            <a:ext cx="1349607" cy="430887"/>
-          </a:xfrm>
-          <a:prstGeom prst="rect">
-            <a:avLst/>
-          </a:prstGeom>
-          <a:noFill/>
-        </p:spPr>
-        <p:txBody>
-          <a:bodyPr wrap="square" rtlCol="0">
-            <a:spAutoFit/>
-          </a:bodyPr>
-          <a:lstStyle/>
-          <a:p>
-            <a:r>
-              <a:rPr lang="en-US" sz="1100" dirty="0">
-                <a:latin typeface="Times New Roman" panose="02020603050405020304" pitchFamily="18" charset="0"/>
-                <a:cs typeface="Times New Roman" panose="02020603050405020304" pitchFamily="18" charset="0"/>
-              </a:rPr>
-              <a:t>Don’t know what diabetes is</a:t>
-            </a:r>
-          </a:p>
-        </p:txBody>
-      </p:sp>
+        </p:spPr>
+      </p:pic>
     </p:spTree>
     <p:extLst>
       <p:ext uri="{BB962C8B-B14F-4D97-AF65-F5344CB8AC3E}">
-        <p14:creationId xmlns:p14="http://schemas.microsoft.com/office/powerpoint/2010/main" val="1528444051"/>
+        <p14:creationId xmlns:p14="http://schemas.microsoft.com/office/powerpoint/2010/main" val="2481469670"/>
       </p:ext>
     </p:extLst>
   </p:cSld>
@@ -16738,7 +15354,7 @@
         <p:spPr>
           <a:xfrm>
             <a:off x="710045" y="1219767"/>
-            <a:ext cx="10583597" cy="5262979"/>
+            <a:ext cx="10583597" cy="4816703"/>
           </a:xfrm>
           <a:prstGeom prst="rect">
             <a:avLst/>
@@ -16760,7 +15376,7 @@
                 <a:latin typeface="Times New Roman" panose="02020603050405020304" pitchFamily="18" charset="0"/>
                 <a:cs typeface="Times New Roman" panose="02020603050405020304" pitchFamily="18" charset="0"/>
               </a:rPr>
-              <a:t>Type 1 diabetes mellitus (T1DM)</a:t>
+              <a:t>The rate of diabetics that maintain good glycemic control is increasing:</a:t>
             </a:r>
           </a:p>
           <a:p>
@@ -16773,7 +15389,34 @@
                 <a:latin typeface="Times New Roman" panose="02020603050405020304" pitchFamily="18" charset="0"/>
                 <a:cs typeface="Times New Roman" panose="02020603050405020304" pitchFamily="18" charset="0"/>
               </a:rPr>
-              <a:t>Screening is generally not recommended for T1DM because it is infrequent (1 in 500)</a:t>
+              <a:t>Mean A1C levels among individuals with diagnosed diabetes declined from 7.82% in 1999–2000 to 7.47 and 7.18% in 2001–2002 and 2003–2004, respectively. </a:t>
+            </a:r>
+          </a:p>
+          <a:p>
+            <a:pPr marL="800100" lvl="1" indent="-342900">
+              <a:buFont typeface="Arial" panose="020B0604020202020204" pitchFamily="34" charset="0"/>
+              <a:buChar char="•"/>
+            </a:pPr>
+            <a:r>
+              <a:rPr lang="en-US" sz="2400" dirty="0">
+                <a:latin typeface="Times New Roman" panose="02020603050405020304" pitchFamily="18" charset="0"/>
+                <a:cs typeface="Times New Roman" panose="02020603050405020304" pitchFamily="18" charset="0"/>
+              </a:rPr>
+              <a:t>The predictive margin for having A1C &lt;7.0% increased from 37.0% in 1999–2000 to 49.7% in 2001–2002 and to 55.7% in 2003–2004. (</a:t>
+            </a:r>
+            <a:r>
+              <a:rPr lang="en-US" sz="2400" dirty="0" err="1">
+                <a:latin typeface="Times New Roman" panose="02020603050405020304" pitchFamily="18" charset="0"/>
+                <a:cs typeface="Times New Roman" panose="02020603050405020304" pitchFamily="18" charset="0"/>
+              </a:rPr>
+              <a:t>Hoerger</a:t>
+            </a:r>
+            <a:r>
+              <a:rPr lang="en-US" sz="2400" dirty="0">
+                <a:latin typeface="Times New Roman" panose="02020603050405020304" pitchFamily="18" charset="0"/>
+                <a:cs typeface="Times New Roman" panose="02020603050405020304" pitchFamily="18" charset="0"/>
+              </a:rPr>
+              <a:t> 2008)</a:t>
             </a:r>
           </a:p>
           <a:p>
@@ -16786,20 +15429,7 @@
                 <a:latin typeface="Times New Roman" panose="02020603050405020304" pitchFamily="18" charset="0"/>
                 <a:cs typeface="Times New Roman" panose="02020603050405020304" pitchFamily="18" charset="0"/>
               </a:rPr>
-              <a:t>Gestational Diabetes Mellitus (GDM)</a:t>
-            </a:r>
-          </a:p>
-          <a:p>
-            <a:pPr marL="800100" lvl="1" indent="-342900">
-              <a:buFont typeface="Arial" panose="020B0604020202020204" pitchFamily="34" charset="0"/>
-              <a:buChar char="•"/>
-            </a:pPr>
-            <a:r>
-              <a:rPr lang="en-US" sz="2400" dirty="0">
-                <a:latin typeface="Times New Roman" panose="02020603050405020304" pitchFamily="18" charset="0"/>
-                <a:cs typeface="Times New Roman" panose="02020603050405020304" pitchFamily="18" charset="0"/>
-              </a:rPr>
-              <a:t>Pregnant women are routinely screened for gestational diabetes using an oral glucose test</a:t>
+              <a:t>We have not been able to find information about the rate of diabetic patients that receive their HbA1c tests twice annually, but considering that the rate of individuals with good glycemic control is rising steadily, it is likely that this percentage is very high. </a:t>
             </a:r>
           </a:p>
           <a:p>
@@ -16807,66 +15437,33 @@
               <a:buFont typeface="Arial" panose="020B0604020202020204" pitchFamily="34" charset="0"/>
               <a:buChar char="•"/>
             </a:pPr>
-            <a:r>
-              <a:rPr lang="en-US" sz="2400" dirty="0">
-                <a:latin typeface="Times New Roman" panose="02020603050405020304" pitchFamily="18" charset="0"/>
-                <a:cs typeface="Times New Roman" panose="02020603050405020304" pitchFamily="18" charset="0"/>
-              </a:rPr>
-              <a:t>Type 2 diabetes mellitus (T2DM) </a:t>
-            </a:r>
-          </a:p>
-          <a:p>
-            <a:pPr marL="800100" lvl="1" indent="-342900">
+            <a:endParaRPr lang="en-US" sz="2400" dirty="0">
+              <a:latin typeface="Times New Roman" panose="02020603050405020304" pitchFamily="18" charset="0"/>
+              <a:cs typeface="Times New Roman" panose="02020603050405020304" pitchFamily="18" charset="0"/>
+            </a:endParaRPr>
+          </a:p>
+          <a:p>
+            <a:pPr marL="285750" indent="-285750">
+              <a:spcAft>
+                <a:spcPts val="600"/>
+              </a:spcAft>
               <a:buFont typeface="Arial" panose="020B0604020202020204" pitchFamily="34" charset="0"/>
               <a:buChar char="•"/>
             </a:pPr>
-            <a:r>
-              <a:rPr lang="en-US" sz="2400" dirty="0">
-                <a:latin typeface="Times New Roman" panose="02020603050405020304" pitchFamily="18" charset="0"/>
-                <a:cs typeface="Times New Roman" panose="02020603050405020304" pitchFamily="18" charset="0"/>
-              </a:rPr>
-              <a:t>It is estimated that 25%-33% of patients with type 2 diabetes are undiagnosed</a:t>
-            </a:r>
-          </a:p>
-          <a:p>
-            <a:pPr marL="800100" lvl="1" indent="-342900">
+            <a:endParaRPr lang="en-US" sz="2000" dirty="0">
+              <a:latin typeface="Times New Roman" panose="02020603050405020304" pitchFamily="18" charset="0"/>
+              <a:cs typeface="Times New Roman" panose="02020603050405020304" pitchFamily="18" charset="0"/>
+            </a:endParaRPr>
+          </a:p>
+          <a:p>
+            <a:pPr marL="285750" indent="-285750">
               <a:buFont typeface="Arial" panose="020B0604020202020204" pitchFamily="34" charset="0"/>
               <a:buChar char="•"/>
             </a:pPr>
-            <a:r>
-              <a:rPr lang="en-US" sz="2400" dirty="0">
-                <a:latin typeface="Times New Roman" panose="02020603050405020304" pitchFamily="18" charset="0"/>
-                <a:cs typeface="Times New Roman" panose="02020603050405020304" pitchFamily="18" charset="0"/>
-              </a:rPr>
-              <a:t>Approximately 56% of local health departments in 2005 had obesity prevention programs, 51% had diabetes screening programs, and 34% had both (</a:t>
-            </a:r>
-            <a:r>
-              <a:rPr lang="en-US" sz="2400" dirty="0" err="1">
-                <a:latin typeface="Times New Roman" panose="02020603050405020304" pitchFamily="18" charset="0"/>
-                <a:cs typeface="Times New Roman" panose="02020603050405020304" pitchFamily="18" charset="0"/>
-              </a:rPr>
-              <a:t>zhang</a:t>
-            </a:r>
-            <a:r>
-              <a:rPr lang="en-US" sz="2400" dirty="0">
-                <a:latin typeface="Times New Roman" panose="02020603050405020304" pitchFamily="18" charset="0"/>
-                <a:cs typeface="Times New Roman" panose="02020603050405020304" pitchFamily="18" charset="0"/>
-              </a:rPr>
-              <a:t> 2010 Am J Public Health, obesity prevention and diabetes screening)</a:t>
-            </a:r>
-          </a:p>
-          <a:p>
-            <a:pPr marL="800100" lvl="1" indent="-342900">
-              <a:buFont typeface="Arial" panose="020B0604020202020204" pitchFamily="34" charset="0"/>
-              <a:buChar char="•"/>
-            </a:pPr>
-            <a:r>
-              <a:rPr lang="en-US" sz="2400" dirty="0">
-                <a:latin typeface="Times New Roman" panose="02020603050405020304" pitchFamily="18" charset="0"/>
-                <a:cs typeface="Times New Roman" panose="02020603050405020304" pitchFamily="18" charset="0"/>
-              </a:rPr>
-              <a:t>It appears very few screening programs outside of public health departments exist. </a:t>
-            </a:r>
+            <a:endParaRPr lang="en-US" dirty="0">
+              <a:latin typeface="Times New Roman" panose="02020603050405020304" pitchFamily="18" charset="0"/>
+              <a:cs typeface="Times New Roman" panose="02020603050405020304" pitchFamily="18" charset="0"/>
+            </a:endParaRPr>
           </a:p>
         </p:txBody>
       </p:sp>
@@ -16920,10 +15517,7 @@
           <a:lstStyle/>
           <a:p>
             <a:pPr algn="ctr"/>
-            <a:endParaRPr lang="en-US">
-              <a:latin typeface="Times New Roman" panose="02020603050405020304" pitchFamily="18" charset="0"/>
-              <a:cs typeface="Times New Roman" panose="02020603050405020304" pitchFamily="18" charset="0"/>
-            </a:endParaRPr>
+            <a:endParaRPr lang="en-US"/>
           </a:p>
         </p:txBody>
       </p:sp>
@@ -16973,7 +15567,7 @@
     </p:spTree>
     <p:extLst>
       <p:ext uri="{BB962C8B-B14F-4D97-AF65-F5344CB8AC3E}">
-        <p14:creationId xmlns:p14="http://schemas.microsoft.com/office/powerpoint/2010/main" val="580854311"/>
+        <p14:creationId xmlns:p14="http://schemas.microsoft.com/office/powerpoint/2010/main" val="601310619"/>
       </p:ext>
     </p:extLst>
   </p:cSld>
@@ -17094,7 +15688,7 @@
                 <a:latin typeface="Times New Roman" panose="02020603050405020304" pitchFamily="18" charset="0"/>
                 <a:cs typeface="Times New Roman" panose="02020603050405020304" pitchFamily="18" charset="0"/>
               </a:rPr>
-              <a:t>Suggestions for Improving this Measure</a:t>
+              <a:t>Factors Contributing to not testing HbA1c</a:t>
             </a:r>
           </a:p>
         </p:txBody>
@@ -17141,81 +15735,6 @@
           </a:fontRef>
         </p:style>
       </p:cxnSp>
-      <p:sp>
-        <p:nvSpPr>
-          <p:cNvPr id="32" name="TextBox 31"/>
-          <p:cNvSpPr txBox="1"/>
-          <p:nvPr/>
-        </p:nvSpPr>
-        <p:spPr>
-          <a:xfrm>
-            <a:off x="710045" y="1219767"/>
-            <a:ext cx="10583597" cy="4401205"/>
-          </a:xfrm>
-          <a:prstGeom prst="rect">
-            <a:avLst/>
-          </a:prstGeom>
-          <a:noFill/>
-        </p:spPr>
-        <p:txBody>
-          <a:bodyPr wrap="square" rtlCol="0">
-            <a:spAutoFit/>
-          </a:bodyPr>
-          <a:lstStyle/>
-          <a:p>
-            <a:pPr marL="342900" indent="-342900">
-              <a:buFont typeface="Arial" panose="020B0604020202020204" pitchFamily="34" charset="0"/>
-              <a:buChar char="•"/>
-            </a:pPr>
-            <a:r>
-              <a:rPr lang="en-US" sz="2000" dirty="0">
-                <a:latin typeface="Times New Roman" panose="02020603050405020304" pitchFamily="18" charset="0"/>
-                <a:cs typeface="Times New Roman" panose="02020603050405020304" pitchFamily="18" charset="0"/>
-              </a:rPr>
-              <a:t>PLAN: Doctors have already been trained to screen for gestational diabetes. We suggest that they should now be trained to screen for type 2 diabetes for those at risk.</a:t>
-            </a:r>
-          </a:p>
-          <a:p>
-            <a:pPr marL="342900" indent="-342900">
-              <a:buFont typeface="Arial" panose="020B0604020202020204" pitchFamily="34" charset="0"/>
-              <a:buChar char="•"/>
-            </a:pPr>
-            <a:r>
-              <a:rPr lang="en-US" sz="2000" dirty="0">
-                <a:latin typeface="Times New Roman" panose="02020603050405020304" pitchFamily="18" charset="0"/>
-                <a:cs typeface="Times New Roman" panose="02020603050405020304" pitchFamily="18" charset="0"/>
-              </a:rPr>
-              <a:t>DO: This would probably need to go through the American Medical College and be taught in medical schools and residency programs. Letters should be sent out to current primary care providers informing them of the screening guidelines set forth by the American Diabetes Association. Additionally, sources of funding for the testing needs to be determined. This will likely come from the insurance companies, which means that policies for insurance companies might need to be adjusted and public health funding for uninsured individuals will need to be set aside (which will need to be collected through increased taxes).</a:t>
-            </a:r>
-          </a:p>
-          <a:p>
-            <a:pPr marL="342900" indent="-342900">
-              <a:buFont typeface="Arial" panose="020B0604020202020204" pitchFamily="34" charset="0"/>
-              <a:buChar char="•"/>
-            </a:pPr>
-            <a:r>
-              <a:rPr lang="en-US" sz="2000" dirty="0">
-                <a:latin typeface="Times New Roman" panose="02020603050405020304" pitchFamily="18" charset="0"/>
-                <a:cs typeface="Times New Roman" panose="02020603050405020304" pitchFamily="18" charset="0"/>
-              </a:rPr>
-              <a:t>STUDY: Every year, a survey can be taken to determine the percentage of at-risk individuals that have been screened for T2DM per provider, clinic, hospital, city, county, and state. </a:t>
-            </a:r>
-          </a:p>
-          <a:p>
-            <a:pPr marL="342900" indent="-342900">
-              <a:buFont typeface="Arial" panose="020B0604020202020204" pitchFamily="34" charset="0"/>
-              <a:buChar char="•"/>
-            </a:pPr>
-            <a:r>
-              <a:rPr lang="en-US" sz="2000" dirty="0">
-                <a:latin typeface="Times New Roman" panose="02020603050405020304" pitchFamily="18" charset="0"/>
-                <a:cs typeface="Times New Roman" panose="02020603050405020304" pitchFamily="18" charset="0"/>
-              </a:rPr>
-              <a:t>ACT: As the results of the survey are collected, some incentive should be given to providers that have had good screening rates. Those that have not improved screening rates should be informed of incentives to offer screening to at-risk individuals. </a:t>
-            </a:r>
-          </a:p>
-        </p:txBody>
-      </p:sp>
       <p:sp>
         <p:nvSpPr>
           <p:cNvPr id="12" name="Rectangle 11">
@@ -17316,10 +15835,2308 @@
           </a:fontRef>
         </p:style>
       </p:cxnSp>
+      <p:cxnSp>
+        <p:nvCxnSpPr>
+          <p:cNvPr id="3" name="Straight Connector 2">
+            <a:extLst>
+              <a:ext uri="{FF2B5EF4-FFF2-40B4-BE49-F238E27FC236}">
+                <a16:creationId xmlns:a16="http://schemas.microsoft.com/office/drawing/2014/main" id="{42073555-AE8C-1B41-B8BA-12120BA33C1B}"/>
+              </a:ext>
+            </a:extLst>
+          </p:cNvPr>
+          <p:cNvCxnSpPr/>
+          <p:nvPr/>
+        </p:nvCxnSpPr>
+        <p:spPr>
+          <a:xfrm>
+            <a:off x="1396180" y="3618270"/>
+            <a:ext cx="8503920" cy="0"/>
+          </a:xfrm>
+          <a:prstGeom prst="line">
+            <a:avLst/>
+          </a:prstGeom>
+          <a:ln w="12700">
+            <a:solidFill>
+              <a:schemeClr val="tx1"/>
+            </a:solidFill>
+          </a:ln>
+        </p:spPr>
+        <p:style>
+          <a:lnRef idx="1">
+            <a:schemeClr val="accent1"/>
+          </a:lnRef>
+          <a:fillRef idx="0">
+            <a:schemeClr val="accent1"/>
+          </a:fillRef>
+          <a:effectRef idx="0">
+            <a:schemeClr val="accent1"/>
+          </a:effectRef>
+          <a:fontRef idx="minor">
+            <a:schemeClr val="tx1"/>
+          </a:fontRef>
+        </p:style>
+      </p:cxnSp>
+      <p:sp>
+        <p:nvSpPr>
+          <p:cNvPr id="4" name="Rounded Rectangle 3">
+            <a:extLst>
+              <a:ext uri="{FF2B5EF4-FFF2-40B4-BE49-F238E27FC236}">
+                <a16:creationId xmlns:a16="http://schemas.microsoft.com/office/drawing/2014/main" id="{87B6E462-04F9-3847-939D-861BCA63E0A6}"/>
+              </a:ext>
+            </a:extLst>
+          </p:cNvPr>
+          <p:cNvSpPr/>
+          <p:nvPr/>
+        </p:nvSpPr>
+        <p:spPr>
+          <a:xfrm>
+            <a:off x="1140175" y="1360881"/>
+            <a:ext cx="1349607" cy="560439"/>
+          </a:xfrm>
+          <a:prstGeom prst="roundRect">
+            <a:avLst/>
+          </a:prstGeom>
+          <a:noFill/>
+          <a:ln>
+            <a:solidFill>
+              <a:schemeClr val="tx1"/>
+            </a:solidFill>
+          </a:ln>
+        </p:spPr>
+        <p:style>
+          <a:lnRef idx="2">
+            <a:schemeClr val="accent1">
+              <a:shade val="50000"/>
+            </a:schemeClr>
+          </a:lnRef>
+          <a:fillRef idx="1">
+            <a:schemeClr val="accent1"/>
+          </a:fillRef>
+          <a:effectRef idx="0">
+            <a:schemeClr val="accent1"/>
+          </a:effectRef>
+          <a:fontRef idx="minor">
+            <a:schemeClr val="lt1"/>
+          </a:fontRef>
+        </p:style>
+        <p:txBody>
+          <a:bodyPr rtlCol="0" anchor="ctr"/>
+          <a:lstStyle/>
+          <a:p>
+            <a:pPr algn="ctr"/>
+            <a:endParaRPr lang="en-US">
+              <a:latin typeface="Times New Roman" panose="02020603050405020304" pitchFamily="18" charset="0"/>
+              <a:cs typeface="Times New Roman" panose="02020603050405020304" pitchFamily="18" charset="0"/>
+            </a:endParaRPr>
+          </a:p>
+        </p:txBody>
+      </p:sp>
+      <p:sp>
+        <p:nvSpPr>
+          <p:cNvPr id="6" name="TextBox 5">
+            <a:extLst>
+              <a:ext uri="{FF2B5EF4-FFF2-40B4-BE49-F238E27FC236}">
+                <a16:creationId xmlns:a16="http://schemas.microsoft.com/office/drawing/2014/main" id="{A332E6B7-E096-6B4B-94A6-491791408D3D}"/>
+              </a:ext>
+            </a:extLst>
+          </p:cNvPr>
+          <p:cNvSpPr txBox="1"/>
+          <p:nvPr/>
+        </p:nvSpPr>
+        <p:spPr>
+          <a:xfrm>
+            <a:off x="1415478" y="1467206"/>
+            <a:ext cx="1016463" cy="307777"/>
+          </a:xfrm>
+          <a:prstGeom prst="rect">
+            <a:avLst/>
+          </a:prstGeom>
+          <a:noFill/>
+        </p:spPr>
+        <p:txBody>
+          <a:bodyPr wrap="square" rtlCol="0">
+            <a:spAutoFit/>
+          </a:bodyPr>
+          <a:lstStyle/>
+          <a:p>
+            <a:r>
+              <a:rPr lang="en-US" sz="1400" dirty="0">
+                <a:latin typeface="Times New Roman" panose="02020603050405020304" pitchFamily="18" charset="0"/>
+                <a:cs typeface="Times New Roman" panose="02020603050405020304" pitchFamily="18" charset="0"/>
+              </a:rPr>
+              <a:t>People</a:t>
+            </a:r>
+          </a:p>
+        </p:txBody>
+      </p:sp>
+      <p:cxnSp>
+        <p:nvCxnSpPr>
+          <p:cNvPr id="15" name="Straight Connector 14">
+            <a:extLst>
+              <a:ext uri="{FF2B5EF4-FFF2-40B4-BE49-F238E27FC236}">
+                <a16:creationId xmlns:a16="http://schemas.microsoft.com/office/drawing/2014/main" id="{70FFAD67-4E00-5B40-9A77-C36CD061FA42}"/>
+              </a:ext>
+            </a:extLst>
+          </p:cNvPr>
+          <p:cNvCxnSpPr>
+            <a:cxnSpLocks/>
+          </p:cNvCxnSpPr>
+          <p:nvPr/>
+        </p:nvCxnSpPr>
+        <p:spPr>
+          <a:xfrm>
+            <a:off x="1795681" y="1928926"/>
+            <a:ext cx="1114667" cy="1691328"/>
+          </a:xfrm>
+          <a:prstGeom prst="line">
+            <a:avLst/>
+          </a:prstGeom>
+          <a:ln w="12700">
+            <a:solidFill>
+              <a:schemeClr val="tx1"/>
+            </a:solidFill>
+          </a:ln>
+        </p:spPr>
+        <p:style>
+          <a:lnRef idx="1">
+            <a:schemeClr val="accent1"/>
+          </a:lnRef>
+          <a:fillRef idx="0">
+            <a:schemeClr val="accent1"/>
+          </a:fillRef>
+          <a:effectRef idx="0">
+            <a:schemeClr val="accent1"/>
+          </a:effectRef>
+          <a:fontRef idx="minor">
+            <a:schemeClr val="tx1"/>
+          </a:fontRef>
+        </p:style>
+      </p:cxnSp>
+      <p:cxnSp>
+        <p:nvCxnSpPr>
+          <p:cNvPr id="16" name="Straight Connector 15">
+            <a:extLst>
+              <a:ext uri="{FF2B5EF4-FFF2-40B4-BE49-F238E27FC236}">
+                <a16:creationId xmlns:a16="http://schemas.microsoft.com/office/drawing/2014/main" id="{DF117B78-90E3-DA42-B436-76E980C32FD7}"/>
+              </a:ext>
+            </a:extLst>
+          </p:cNvPr>
+          <p:cNvCxnSpPr/>
+          <p:nvPr/>
+        </p:nvCxnSpPr>
+        <p:spPr>
+          <a:xfrm>
+            <a:off x="2069491" y="2325328"/>
+            <a:ext cx="914400" cy="0"/>
+          </a:xfrm>
+          <a:prstGeom prst="line">
+            <a:avLst/>
+          </a:prstGeom>
+          <a:ln w="12700">
+            <a:solidFill>
+              <a:schemeClr val="tx1"/>
+            </a:solidFill>
+          </a:ln>
+        </p:spPr>
+        <p:style>
+          <a:lnRef idx="1">
+            <a:schemeClr val="accent1"/>
+          </a:lnRef>
+          <a:fillRef idx="0">
+            <a:schemeClr val="accent1"/>
+          </a:fillRef>
+          <a:effectRef idx="0">
+            <a:schemeClr val="accent1"/>
+          </a:effectRef>
+          <a:fontRef idx="minor">
+            <a:schemeClr val="tx1"/>
+          </a:fontRef>
+        </p:style>
+      </p:cxnSp>
+      <p:sp>
+        <p:nvSpPr>
+          <p:cNvPr id="17" name="TextBox 16">
+            <a:extLst>
+              <a:ext uri="{FF2B5EF4-FFF2-40B4-BE49-F238E27FC236}">
+                <a16:creationId xmlns:a16="http://schemas.microsoft.com/office/drawing/2014/main" id="{14A0D0F2-8AC4-C342-8858-9813B0577880}"/>
+              </a:ext>
+            </a:extLst>
+          </p:cNvPr>
+          <p:cNvSpPr txBox="1"/>
+          <p:nvPr/>
+        </p:nvSpPr>
+        <p:spPr>
+          <a:xfrm>
+            <a:off x="828344" y="2349336"/>
+            <a:ext cx="1349607" cy="430887"/>
+          </a:xfrm>
+          <a:prstGeom prst="rect">
+            <a:avLst/>
+          </a:prstGeom>
+          <a:noFill/>
+        </p:spPr>
+        <p:txBody>
+          <a:bodyPr wrap="square" rtlCol="0">
+            <a:spAutoFit/>
+          </a:bodyPr>
+          <a:lstStyle/>
+          <a:p>
+            <a:r>
+              <a:rPr lang="en-US" sz="1100" dirty="0">
+                <a:latin typeface="Times New Roman" panose="02020603050405020304" pitchFamily="18" charset="0"/>
+                <a:cs typeface="Times New Roman" panose="02020603050405020304" pitchFamily="18" charset="0"/>
+              </a:rPr>
+              <a:t>Don’t realize they need testing</a:t>
+            </a:r>
+          </a:p>
+        </p:txBody>
+      </p:sp>
+      <p:sp>
+        <p:nvSpPr>
+          <p:cNvPr id="18" name="Rounded Rectangle 17">
+            <a:extLst>
+              <a:ext uri="{FF2B5EF4-FFF2-40B4-BE49-F238E27FC236}">
+                <a16:creationId xmlns:a16="http://schemas.microsoft.com/office/drawing/2014/main" id="{02339C02-FACB-204C-BD4F-1AD16313F99B}"/>
+              </a:ext>
+            </a:extLst>
+          </p:cNvPr>
+          <p:cNvSpPr/>
+          <p:nvPr/>
+        </p:nvSpPr>
+        <p:spPr>
+          <a:xfrm>
+            <a:off x="3838607" y="1366504"/>
+            <a:ext cx="1349607" cy="560439"/>
+          </a:xfrm>
+          <a:prstGeom prst="roundRect">
+            <a:avLst/>
+          </a:prstGeom>
+          <a:noFill/>
+          <a:ln>
+            <a:solidFill>
+              <a:schemeClr val="tx1"/>
+            </a:solidFill>
+          </a:ln>
+        </p:spPr>
+        <p:style>
+          <a:lnRef idx="2">
+            <a:schemeClr val="accent1">
+              <a:shade val="50000"/>
+            </a:schemeClr>
+          </a:lnRef>
+          <a:fillRef idx="1">
+            <a:schemeClr val="accent1"/>
+          </a:fillRef>
+          <a:effectRef idx="0">
+            <a:schemeClr val="accent1"/>
+          </a:effectRef>
+          <a:fontRef idx="minor">
+            <a:schemeClr val="lt1"/>
+          </a:fontRef>
+        </p:style>
+        <p:txBody>
+          <a:bodyPr rtlCol="0" anchor="ctr"/>
+          <a:lstStyle/>
+          <a:p>
+            <a:pPr algn="ctr"/>
+            <a:endParaRPr lang="en-US">
+              <a:latin typeface="Times New Roman" panose="02020603050405020304" pitchFamily="18" charset="0"/>
+              <a:cs typeface="Times New Roman" panose="02020603050405020304" pitchFamily="18" charset="0"/>
+            </a:endParaRPr>
+          </a:p>
+        </p:txBody>
+      </p:sp>
+      <p:sp>
+        <p:nvSpPr>
+          <p:cNvPr id="19" name="TextBox 18">
+            <a:extLst>
+              <a:ext uri="{FF2B5EF4-FFF2-40B4-BE49-F238E27FC236}">
+                <a16:creationId xmlns:a16="http://schemas.microsoft.com/office/drawing/2014/main" id="{066CD93B-080A-FC46-8ED5-37804DE4FD04}"/>
+              </a:ext>
+            </a:extLst>
+          </p:cNvPr>
+          <p:cNvSpPr txBox="1"/>
+          <p:nvPr/>
+        </p:nvSpPr>
+        <p:spPr>
+          <a:xfrm>
+            <a:off x="4113910" y="1472829"/>
+            <a:ext cx="1016463" cy="307777"/>
+          </a:xfrm>
+          <a:prstGeom prst="rect">
+            <a:avLst/>
+          </a:prstGeom>
+          <a:noFill/>
+        </p:spPr>
+        <p:txBody>
+          <a:bodyPr wrap="square" rtlCol="0">
+            <a:spAutoFit/>
+          </a:bodyPr>
+          <a:lstStyle/>
+          <a:p>
+            <a:r>
+              <a:rPr lang="en-US" sz="1400" dirty="0">
+                <a:latin typeface="Times New Roman" panose="02020603050405020304" pitchFamily="18" charset="0"/>
+                <a:cs typeface="Times New Roman" panose="02020603050405020304" pitchFamily="18" charset="0"/>
+              </a:rPr>
+              <a:t>Clinicians</a:t>
+            </a:r>
+          </a:p>
+        </p:txBody>
+      </p:sp>
+      <p:sp>
+        <p:nvSpPr>
+          <p:cNvPr id="20" name="Rounded Rectangle 19">
+            <a:extLst>
+              <a:ext uri="{FF2B5EF4-FFF2-40B4-BE49-F238E27FC236}">
+                <a16:creationId xmlns:a16="http://schemas.microsoft.com/office/drawing/2014/main" id="{705719B0-C171-A746-B771-B8DEE284694A}"/>
+              </a:ext>
+            </a:extLst>
+          </p:cNvPr>
+          <p:cNvSpPr/>
+          <p:nvPr/>
+        </p:nvSpPr>
+        <p:spPr>
+          <a:xfrm>
+            <a:off x="3779981" y="5314133"/>
+            <a:ext cx="1349607" cy="560439"/>
+          </a:xfrm>
+          <a:prstGeom prst="roundRect">
+            <a:avLst/>
+          </a:prstGeom>
+          <a:noFill/>
+          <a:ln>
+            <a:solidFill>
+              <a:schemeClr val="tx1"/>
+            </a:solidFill>
+          </a:ln>
+        </p:spPr>
+        <p:style>
+          <a:lnRef idx="2">
+            <a:schemeClr val="accent1">
+              <a:shade val="50000"/>
+            </a:schemeClr>
+          </a:lnRef>
+          <a:fillRef idx="1">
+            <a:schemeClr val="accent1"/>
+          </a:fillRef>
+          <a:effectRef idx="0">
+            <a:schemeClr val="accent1"/>
+          </a:effectRef>
+          <a:fontRef idx="minor">
+            <a:schemeClr val="lt1"/>
+          </a:fontRef>
+        </p:style>
+        <p:txBody>
+          <a:bodyPr rtlCol="0" anchor="ctr"/>
+          <a:lstStyle/>
+          <a:p>
+            <a:pPr algn="ctr"/>
+            <a:endParaRPr lang="en-US">
+              <a:latin typeface="Times New Roman" panose="02020603050405020304" pitchFamily="18" charset="0"/>
+              <a:cs typeface="Times New Roman" panose="02020603050405020304" pitchFamily="18" charset="0"/>
+            </a:endParaRPr>
+          </a:p>
+        </p:txBody>
+      </p:sp>
+      <p:sp>
+        <p:nvSpPr>
+          <p:cNvPr id="21" name="TextBox 20">
+            <a:extLst>
+              <a:ext uri="{FF2B5EF4-FFF2-40B4-BE49-F238E27FC236}">
+                <a16:creationId xmlns:a16="http://schemas.microsoft.com/office/drawing/2014/main" id="{7559D67B-CC03-FB46-B0F0-275AA1A4F96B}"/>
+              </a:ext>
+            </a:extLst>
+          </p:cNvPr>
+          <p:cNvSpPr txBox="1"/>
+          <p:nvPr/>
+        </p:nvSpPr>
+        <p:spPr>
+          <a:xfrm>
+            <a:off x="3920220" y="5420458"/>
+            <a:ext cx="1209368" cy="307777"/>
+          </a:xfrm>
+          <a:prstGeom prst="rect">
+            <a:avLst/>
+          </a:prstGeom>
+          <a:noFill/>
+        </p:spPr>
+        <p:txBody>
+          <a:bodyPr wrap="square" rtlCol="0">
+            <a:spAutoFit/>
+          </a:bodyPr>
+          <a:lstStyle/>
+          <a:p>
+            <a:r>
+              <a:rPr lang="en-US" sz="1400" dirty="0">
+                <a:latin typeface="Times New Roman" panose="02020603050405020304" pitchFamily="18" charset="0"/>
+                <a:cs typeface="Times New Roman" panose="02020603050405020304" pitchFamily="18" charset="0"/>
+              </a:rPr>
+              <a:t>Equipment</a:t>
+            </a:r>
+          </a:p>
+        </p:txBody>
+      </p:sp>
+      <p:sp>
+        <p:nvSpPr>
+          <p:cNvPr id="22" name="Rounded Rectangle 21">
+            <a:extLst>
+              <a:ext uri="{FF2B5EF4-FFF2-40B4-BE49-F238E27FC236}">
+                <a16:creationId xmlns:a16="http://schemas.microsoft.com/office/drawing/2014/main" id="{5DD45A9E-17CB-5E41-8F58-98DE966C7300}"/>
+              </a:ext>
+            </a:extLst>
+          </p:cNvPr>
+          <p:cNvSpPr/>
+          <p:nvPr/>
+        </p:nvSpPr>
+        <p:spPr>
+          <a:xfrm>
+            <a:off x="6409668" y="1368487"/>
+            <a:ext cx="1349607" cy="560439"/>
+          </a:xfrm>
+          <a:prstGeom prst="roundRect">
+            <a:avLst/>
+          </a:prstGeom>
+          <a:noFill/>
+          <a:ln>
+            <a:solidFill>
+              <a:schemeClr val="tx1"/>
+            </a:solidFill>
+          </a:ln>
+        </p:spPr>
+        <p:style>
+          <a:lnRef idx="2">
+            <a:schemeClr val="accent1">
+              <a:shade val="50000"/>
+            </a:schemeClr>
+          </a:lnRef>
+          <a:fillRef idx="1">
+            <a:schemeClr val="accent1"/>
+          </a:fillRef>
+          <a:effectRef idx="0">
+            <a:schemeClr val="accent1"/>
+          </a:effectRef>
+          <a:fontRef idx="minor">
+            <a:schemeClr val="lt1"/>
+          </a:fontRef>
+        </p:style>
+        <p:txBody>
+          <a:bodyPr rtlCol="0" anchor="ctr"/>
+          <a:lstStyle/>
+          <a:p>
+            <a:pPr algn="ctr"/>
+            <a:endParaRPr lang="en-US">
+              <a:latin typeface="Times New Roman" panose="02020603050405020304" pitchFamily="18" charset="0"/>
+              <a:cs typeface="Times New Roman" panose="02020603050405020304" pitchFamily="18" charset="0"/>
+            </a:endParaRPr>
+          </a:p>
+        </p:txBody>
+      </p:sp>
+      <p:sp>
+        <p:nvSpPr>
+          <p:cNvPr id="23" name="TextBox 22">
+            <a:extLst>
+              <a:ext uri="{FF2B5EF4-FFF2-40B4-BE49-F238E27FC236}">
+                <a16:creationId xmlns:a16="http://schemas.microsoft.com/office/drawing/2014/main" id="{144ACCE9-8A25-B54C-9E6E-D2FDA33666EB}"/>
+              </a:ext>
+            </a:extLst>
+          </p:cNvPr>
+          <p:cNvSpPr txBox="1"/>
+          <p:nvPr/>
+        </p:nvSpPr>
+        <p:spPr>
+          <a:xfrm>
+            <a:off x="6503726" y="1486609"/>
+            <a:ext cx="1232925" cy="307777"/>
+          </a:xfrm>
+          <a:prstGeom prst="rect">
+            <a:avLst/>
+          </a:prstGeom>
+          <a:noFill/>
+        </p:spPr>
+        <p:txBody>
+          <a:bodyPr wrap="square" rtlCol="0">
+            <a:spAutoFit/>
+          </a:bodyPr>
+          <a:lstStyle/>
+          <a:p>
+            <a:r>
+              <a:rPr lang="en-US" sz="1400" dirty="0">
+                <a:latin typeface="Times New Roman" panose="02020603050405020304" pitchFamily="18" charset="0"/>
+                <a:cs typeface="Times New Roman" panose="02020603050405020304" pitchFamily="18" charset="0"/>
+              </a:rPr>
+              <a:t>Environment</a:t>
+            </a:r>
+          </a:p>
+        </p:txBody>
+      </p:sp>
+      <p:sp>
+        <p:nvSpPr>
+          <p:cNvPr id="24" name="Rounded Rectangle 23">
+            <a:extLst>
+              <a:ext uri="{FF2B5EF4-FFF2-40B4-BE49-F238E27FC236}">
+                <a16:creationId xmlns:a16="http://schemas.microsoft.com/office/drawing/2014/main" id="{C820CE79-CC1A-2A41-9DE8-4844C391666D}"/>
+              </a:ext>
+            </a:extLst>
+          </p:cNvPr>
+          <p:cNvSpPr/>
+          <p:nvPr/>
+        </p:nvSpPr>
+        <p:spPr>
+          <a:xfrm>
+            <a:off x="1114585" y="5311502"/>
+            <a:ext cx="1349607" cy="560439"/>
+          </a:xfrm>
+          <a:prstGeom prst="roundRect">
+            <a:avLst/>
+          </a:prstGeom>
+          <a:noFill/>
+          <a:ln>
+            <a:solidFill>
+              <a:schemeClr val="tx1"/>
+            </a:solidFill>
+          </a:ln>
+        </p:spPr>
+        <p:style>
+          <a:lnRef idx="2">
+            <a:schemeClr val="accent1">
+              <a:shade val="50000"/>
+            </a:schemeClr>
+          </a:lnRef>
+          <a:fillRef idx="1">
+            <a:schemeClr val="accent1"/>
+          </a:fillRef>
+          <a:effectRef idx="0">
+            <a:schemeClr val="accent1"/>
+          </a:effectRef>
+          <a:fontRef idx="minor">
+            <a:schemeClr val="lt1"/>
+          </a:fontRef>
+        </p:style>
+        <p:txBody>
+          <a:bodyPr rtlCol="0" anchor="ctr"/>
+          <a:lstStyle/>
+          <a:p>
+            <a:pPr algn="ctr"/>
+            <a:endParaRPr lang="en-US">
+              <a:latin typeface="Times New Roman" panose="02020603050405020304" pitchFamily="18" charset="0"/>
+              <a:cs typeface="Times New Roman" panose="02020603050405020304" pitchFamily="18" charset="0"/>
+            </a:endParaRPr>
+          </a:p>
+        </p:txBody>
+      </p:sp>
+      <p:sp>
+        <p:nvSpPr>
+          <p:cNvPr id="25" name="TextBox 24">
+            <a:extLst>
+              <a:ext uri="{FF2B5EF4-FFF2-40B4-BE49-F238E27FC236}">
+                <a16:creationId xmlns:a16="http://schemas.microsoft.com/office/drawing/2014/main" id="{A03B7940-ACF8-2742-B50C-07BC73BFAC37}"/>
+              </a:ext>
+            </a:extLst>
+          </p:cNvPr>
+          <p:cNvSpPr txBox="1"/>
+          <p:nvPr/>
+        </p:nvSpPr>
+        <p:spPr>
+          <a:xfrm>
+            <a:off x="1389888" y="5417827"/>
+            <a:ext cx="1016463" cy="307777"/>
+          </a:xfrm>
+          <a:prstGeom prst="rect">
+            <a:avLst/>
+          </a:prstGeom>
+          <a:noFill/>
+        </p:spPr>
+        <p:txBody>
+          <a:bodyPr wrap="square" rtlCol="0">
+            <a:spAutoFit/>
+          </a:bodyPr>
+          <a:lstStyle/>
+          <a:p>
+            <a:r>
+              <a:rPr lang="en-US" sz="1400" dirty="0">
+                <a:latin typeface="Times New Roman" panose="02020603050405020304" pitchFamily="18" charset="0"/>
+                <a:cs typeface="Times New Roman" panose="02020603050405020304" pitchFamily="18" charset="0"/>
+              </a:rPr>
+              <a:t>Method</a:t>
+            </a:r>
+          </a:p>
+        </p:txBody>
+      </p:sp>
+      <p:sp>
+        <p:nvSpPr>
+          <p:cNvPr id="26" name="Rounded Rectangle 25">
+            <a:extLst>
+              <a:ext uri="{FF2B5EF4-FFF2-40B4-BE49-F238E27FC236}">
+                <a16:creationId xmlns:a16="http://schemas.microsoft.com/office/drawing/2014/main" id="{C6DEAADC-0EE7-8A4D-A422-658E854C824D}"/>
+              </a:ext>
+            </a:extLst>
+          </p:cNvPr>
+          <p:cNvSpPr/>
+          <p:nvPr/>
+        </p:nvSpPr>
+        <p:spPr>
+          <a:xfrm>
+            <a:off x="6423336" y="5312686"/>
+            <a:ext cx="1349607" cy="560439"/>
+          </a:xfrm>
+          <a:prstGeom prst="roundRect">
+            <a:avLst/>
+          </a:prstGeom>
+          <a:noFill/>
+          <a:ln>
+            <a:solidFill>
+              <a:schemeClr val="tx1"/>
+            </a:solidFill>
+          </a:ln>
+        </p:spPr>
+        <p:style>
+          <a:lnRef idx="2">
+            <a:schemeClr val="accent1">
+              <a:shade val="50000"/>
+            </a:schemeClr>
+          </a:lnRef>
+          <a:fillRef idx="1">
+            <a:schemeClr val="accent1"/>
+          </a:fillRef>
+          <a:effectRef idx="0">
+            <a:schemeClr val="accent1"/>
+          </a:effectRef>
+          <a:fontRef idx="minor">
+            <a:schemeClr val="lt1"/>
+          </a:fontRef>
+        </p:style>
+        <p:txBody>
+          <a:bodyPr rtlCol="0" anchor="ctr"/>
+          <a:lstStyle/>
+          <a:p>
+            <a:pPr algn="ctr"/>
+            <a:endParaRPr lang="en-US">
+              <a:latin typeface="Times New Roman" panose="02020603050405020304" pitchFamily="18" charset="0"/>
+              <a:cs typeface="Times New Roman" panose="02020603050405020304" pitchFamily="18" charset="0"/>
+            </a:endParaRPr>
+          </a:p>
+        </p:txBody>
+      </p:sp>
+      <p:sp>
+        <p:nvSpPr>
+          <p:cNvPr id="27" name="TextBox 26">
+            <a:extLst>
+              <a:ext uri="{FF2B5EF4-FFF2-40B4-BE49-F238E27FC236}">
+                <a16:creationId xmlns:a16="http://schemas.microsoft.com/office/drawing/2014/main" id="{DB8F9EC6-7677-F244-BFCB-F928C18ED942}"/>
+              </a:ext>
+            </a:extLst>
+          </p:cNvPr>
+          <p:cNvSpPr txBox="1"/>
+          <p:nvPr/>
+        </p:nvSpPr>
+        <p:spPr>
+          <a:xfrm>
+            <a:off x="6481153" y="5442039"/>
+            <a:ext cx="1349607" cy="307777"/>
+          </a:xfrm>
+          <a:prstGeom prst="rect">
+            <a:avLst/>
+          </a:prstGeom>
+          <a:noFill/>
+        </p:spPr>
+        <p:txBody>
+          <a:bodyPr wrap="square" rtlCol="0">
+            <a:spAutoFit/>
+          </a:bodyPr>
+          <a:lstStyle/>
+          <a:p>
+            <a:r>
+              <a:rPr lang="en-US" sz="1400" dirty="0">
+                <a:latin typeface="Times New Roman" panose="02020603050405020304" pitchFamily="18" charset="0"/>
+                <a:cs typeface="Times New Roman" panose="02020603050405020304" pitchFamily="18" charset="0"/>
+              </a:rPr>
+              <a:t>Measurement</a:t>
+            </a:r>
+          </a:p>
+        </p:txBody>
+      </p:sp>
+      <p:cxnSp>
+        <p:nvCxnSpPr>
+          <p:cNvPr id="28" name="Straight Connector 27">
+            <a:extLst>
+              <a:ext uri="{FF2B5EF4-FFF2-40B4-BE49-F238E27FC236}">
+                <a16:creationId xmlns:a16="http://schemas.microsoft.com/office/drawing/2014/main" id="{8E0C599D-CC3E-474F-BC0B-1D9B3DBC4CFE}"/>
+              </a:ext>
+            </a:extLst>
+          </p:cNvPr>
+          <p:cNvCxnSpPr>
+            <a:cxnSpLocks/>
+          </p:cNvCxnSpPr>
+          <p:nvPr/>
+        </p:nvCxnSpPr>
+        <p:spPr>
+          <a:xfrm>
+            <a:off x="4456717" y="1928926"/>
+            <a:ext cx="1114667" cy="1691328"/>
+          </a:xfrm>
+          <a:prstGeom prst="line">
+            <a:avLst/>
+          </a:prstGeom>
+          <a:ln w="12700">
+            <a:solidFill>
+              <a:schemeClr val="tx1"/>
+            </a:solidFill>
+          </a:ln>
+        </p:spPr>
+        <p:style>
+          <a:lnRef idx="1">
+            <a:schemeClr val="accent1"/>
+          </a:lnRef>
+          <a:fillRef idx="0">
+            <a:schemeClr val="accent1"/>
+          </a:fillRef>
+          <a:effectRef idx="0">
+            <a:schemeClr val="accent1"/>
+          </a:effectRef>
+          <a:fontRef idx="minor">
+            <a:schemeClr val="tx1"/>
+          </a:fontRef>
+        </p:style>
+      </p:cxnSp>
+      <p:cxnSp>
+        <p:nvCxnSpPr>
+          <p:cNvPr id="29" name="Straight Connector 28">
+            <a:extLst>
+              <a:ext uri="{FF2B5EF4-FFF2-40B4-BE49-F238E27FC236}">
+                <a16:creationId xmlns:a16="http://schemas.microsoft.com/office/drawing/2014/main" id="{4A67D464-7675-A644-BAE5-F2C25E3EAC07}"/>
+              </a:ext>
+            </a:extLst>
+          </p:cNvPr>
+          <p:cNvCxnSpPr>
+            <a:cxnSpLocks/>
+          </p:cNvCxnSpPr>
+          <p:nvPr/>
+        </p:nvCxnSpPr>
+        <p:spPr>
+          <a:xfrm>
+            <a:off x="7063959" y="1928926"/>
+            <a:ext cx="1114667" cy="1691328"/>
+          </a:xfrm>
+          <a:prstGeom prst="line">
+            <a:avLst/>
+          </a:prstGeom>
+          <a:ln w="12700">
+            <a:solidFill>
+              <a:schemeClr val="tx1"/>
+            </a:solidFill>
+          </a:ln>
+        </p:spPr>
+        <p:style>
+          <a:lnRef idx="1">
+            <a:schemeClr val="accent1"/>
+          </a:lnRef>
+          <a:fillRef idx="0">
+            <a:schemeClr val="accent1"/>
+          </a:fillRef>
+          <a:effectRef idx="0">
+            <a:schemeClr val="accent1"/>
+          </a:effectRef>
+          <a:fontRef idx="minor">
+            <a:schemeClr val="tx1"/>
+          </a:fontRef>
+        </p:style>
+      </p:cxnSp>
+      <p:cxnSp>
+        <p:nvCxnSpPr>
+          <p:cNvPr id="30" name="Straight Connector 29">
+            <a:extLst>
+              <a:ext uri="{FF2B5EF4-FFF2-40B4-BE49-F238E27FC236}">
+                <a16:creationId xmlns:a16="http://schemas.microsoft.com/office/drawing/2014/main" id="{CA9E3E88-D90B-5A43-B1FF-53E7646ADB8C}"/>
+              </a:ext>
+            </a:extLst>
+          </p:cNvPr>
+          <p:cNvCxnSpPr>
+            <a:cxnSpLocks/>
+          </p:cNvCxnSpPr>
+          <p:nvPr/>
+        </p:nvCxnSpPr>
+        <p:spPr>
+          <a:xfrm flipH="1">
+            <a:off x="1795680" y="3617267"/>
+            <a:ext cx="1114667" cy="1691328"/>
+          </a:xfrm>
+          <a:prstGeom prst="line">
+            <a:avLst/>
+          </a:prstGeom>
+          <a:ln w="12700">
+            <a:solidFill>
+              <a:schemeClr val="tx1"/>
+            </a:solidFill>
+          </a:ln>
+        </p:spPr>
+        <p:style>
+          <a:lnRef idx="1">
+            <a:schemeClr val="accent1"/>
+          </a:lnRef>
+          <a:fillRef idx="0">
+            <a:schemeClr val="accent1"/>
+          </a:fillRef>
+          <a:effectRef idx="0">
+            <a:schemeClr val="accent1"/>
+          </a:effectRef>
+          <a:fontRef idx="minor">
+            <a:schemeClr val="tx1"/>
+          </a:fontRef>
+        </p:style>
+      </p:cxnSp>
+      <p:cxnSp>
+        <p:nvCxnSpPr>
+          <p:cNvPr id="31" name="Straight Connector 30">
+            <a:extLst>
+              <a:ext uri="{FF2B5EF4-FFF2-40B4-BE49-F238E27FC236}">
+                <a16:creationId xmlns:a16="http://schemas.microsoft.com/office/drawing/2014/main" id="{4244C620-8A37-1547-8DF9-CD682EAAD949}"/>
+              </a:ext>
+            </a:extLst>
+          </p:cNvPr>
+          <p:cNvCxnSpPr>
+            <a:cxnSpLocks/>
+          </p:cNvCxnSpPr>
+          <p:nvPr/>
+        </p:nvCxnSpPr>
+        <p:spPr>
+          <a:xfrm flipH="1">
+            <a:off x="4450625" y="3617267"/>
+            <a:ext cx="1114667" cy="1691328"/>
+          </a:xfrm>
+          <a:prstGeom prst="line">
+            <a:avLst/>
+          </a:prstGeom>
+          <a:ln w="12700">
+            <a:solidFill>
+              <a:schemeClr val="tx1"/>
+            </a:solidFill>
+          </a:ln>
+        </p:spPr>
+        <p:style>
+          <a:lnRef idx="1">
+            <a:schemeClr val="accent1"/>
+          </a:lnRef>
+          <a:fillRef idx="0">
+            <a:schemeClr val="accent1"/>
+          </a:fillRef>
+          <a:effectRef idx="0">
+            <a:schemeClr val="accent1"/>
+          </a:effectRef>
+          <a:fontRef idx="minor">
+            <a:schemeClr val="tx1"/>
+          </a:fontRef>
+        </p:style>
+      </p:cxnSp>
+      <p:cxnSp>
+        <p:nvCxnSpPr>
+          <p:cNvPr id="33" name="Straight Connector 32">
+            <a:extLst>
+              <a:ext uri="{FF2B5EF4-FFF2-40B4-BE49-F238E27FC236}">
+                <a16:creationId xmlns:a16="http://schemas.microsoft.com/office/drawing/2014/main" id="{4DD78306-946A-BD42-BBD2-0F6A592B5478}"/>
+              </a:ext>
+            </a:extLst>
+          </p:cNvPr>
+          <p:cNvCxnSpPr>
+            <a:cxnSpLocks/>
+          </p:cNvCxnSpPr>
+          <p:nvPr/>
+        </p:nvCxnSpPr>
+        <p:spPr>
+          <a:xfrm flipH="1">
+            <a:off x="7061727" y="3617267"/>
+            <a:ext cx="1114667" cy="1691328"/>
+          </a:xfrm>
+          <a:prstGeom prst="line">
+            <a:avLst/>
+          </a:prstGeom>
+          <a:ln w="12700">
+            <a:solidFill>
+              <a:schemeClr val="tx1"/>
+            </a:solidFill>
+          </a:ln>
+        </p:spPr>
+        <p:style>
+          <a:lnRef idx="1">
+            <a:schemeClr val="accent1"/>
+          </a:lnRef>
+          <a:fillRef idx="0">
+            <a:schemeClr val="accent1"/>
+          </a:fillRef>
+          <a:effectRef idx="0">
+            <a:schemeClr val="accent1"/>
+          </a:effectRef>
+          <a:fontRef idx="minor">
+            <a:schemeClr val="tx1"/>
+          </a:fontRef>
+        </p:style>
+      </p:cxnSp>
+      <p:cxnSp>
+        <p:nvCxnSpPr>
+          <p:cNvPr id="34" name="Straight Connector 33">
+            <a:extLst>
+              <a:ext uri="{FF2B5EF4-FFF2-40B4-BE49-F238E27FC236}">
+                <a16:creationId xmlns:a16="http://schemas.microsoft.com/office/drawing/2014/main" id="{2B16EA65-34E0-3C4B-8D14-B3564AD79D23}"/>
+              </a:ext>
+            </a:extLst>
+          </p:cNvPr>
+          <p:cNvCxnSpPr/>
+          <p:nvPr/>
+        </p:nvCxnSpPr>
+        <p:spPr>
+          <a:xfrm>
+            <a:off x="1425676" y="2764758"/>
+            <a:ext cx="914400" cy="0"/>
+          </a:xfrm>
+          <a:prstGeom prst="line">
+            <a:avLst/>
+          </a:prstGeom>
+          <a:ln w="12700">
+            <a:solidFill>
+              <a:schemeClr val="tx1"/>
+            </a:solidFill>
+          </a:ln>
+        </p:spPr>
+        <p:style>
+          <a:lnRef idx="1">
+            <a:schemeClr val="accent1"/>
+          </a:lnRef>
+          <a:fillRef idx="0">
+            <a:schemeClr val="accent1"/>
+          </a:fillRef>
+          <a:effectRef idx="0">
+            <a:schemeClr val="accent1"/>
+          </a:effectRef>
+          <a:fontRef idx="minor">
+            <a:schemeClr val="tx1"/>
+          </a:fontRef>
+        </p:style>
+      </p:cxnSp>
+      <p:cxnSp>
+        <p:nvCxnSpPr>
+          <p:cNvPr id="35" name="Straight Connector 34">
+            <a:extLst>
+              <a:ext uri="{FF2B5EF4-FFF2-40B4-BE49-F238E27FC236}">
+                <a16:creationId xmlns:a16="http://schemas.microsoft.com/office/drawing/2014/main" id="{39EE4B37-1BBF-944E-96E3-9FD9542A743D}"/>
+              </a:ext>
+            </a:extLst>
+          </p:cNvPr>
+          <p:cNvCxnSpPr/>
+          <p:nvPr/>
+        </p:nvCxnSpPr>
+        <p:spPr>
+          <a:xfrm>
+            <a:off x="2601960" y="3141406"/>
+            <a:ext cx="914400" cy="0"/>
+          </a:xfrm>
+          <a:prstGeom prst="line">
+            <a:avLst/>
+          </a:prstGeom>
+          <a:ln w="12700">
+            <a:solidFill>
+              <a:schemeClr val="tx1"/>
+            </a:solidFill>
+          </a:ln>
+        </p:spPr>
+        <p:style>
+          <a:lnRef idx="1">
+            <a:schemeClr val="accent1"/>
+          </a:lnRef>
+          <a:fillRef idx="0">
+            <a:schemeClr val="accent1"/>
+          </a:fillRef>
+          <a:effectRef idx="0">
+            <a:schemeClr val="accent1"/>
+          </a:effectRef>
+          <a:fontRef idx="minor">
+            <a:schemeClr val="tx1"/>
+          </a:fontRef>
+        </p:style>
+      </p:cxnSp>
+      <p:cxnSp>
+        <p:nvCxnSpPr>
+          <p:cNvPr id="36" name="Straight Connector 35">
+            <a:extLst>
+              <a:ext uri="{FF2B5EF4-FFF2-40B4-BE49-F238E27FC236}">
+                <a16:creationId xmlns:a16="http://schemas.microsoft.com/office/drawing/2014/main" id="{CB8C89D2-FA1C-CB4B-8844-A24B0E04FBE7}"/>
+              </a:ext>
+            </a:extLst>
+          </p:cNvPr>
+          <p:cNvCxnSpPr/>
+          <p:nvPr/>
+        </p:nvCxnSpPr>
+        <p:spPr>
+          <a:xfrm>
+            <a:off x="4731903" y="2325328"/>
+            <a:ext cx="914400" cy="0"/>
+          </a:xfrm>
+          <a:prstGeom prst="line">
+            <a:avLst/>
+          </a:prstGeom>
+          <a:ln w="12700">
+            <a:solidFill>
+              <a:schemeClr val="tx1"/>
+            </a:solidFill>
+          </a:ln>
+        </p:spPr>
+        <p:style>
+          <a:lnRef idx="1">
+            <a:schemeClr val="accent1"/>
+          </a:lnRef>
+          <a:fillRef idx="0">
+            <a:schemeClr val="accent1"/>
+          </a:fillRef>
+          <a:effectRef idx="0">
+            <a:schemeClr val="accent1"/>
+          </a:effectRef>
+          <a:fontRef idx="minor">
+            <a:schemeClr val="tx1"/>
+          </a:fontRef>
+        </p:style>
+      </p:cxnSp>
+      <p:cxnSp>
+        <p:nvCxnSpPr>
+          <p:cNvPr id="37" name="Straight Connector 36">
+            <a:extLst>
+              <a:ext uri="{FF2B5EF4-FFF2-40B4-BE49-F238E27FC236}">
+                <a16:creationId xmlns:a16="http://schemas.microsoft.com/office/drawing/2014/main" id="{812D3AC7-DF8A-5345-8C63-0E2ED82896E0}"/>
+              </a:ext>
+            </a:extLst>
+          </p:cNvPr>
+          <p:cNvCxnSpPr/>
+          <p:nvPr/>
+        </p:nvCxnSpPr>
+        <p:spPr>
+          <a:xfrm>
+            <a:off x="4089818" y="2764758"/>
+            <a:ext cx="914400" cy="0"/>
+          </a:xfrm>
+          <a:prstGeom prst="line">
+            <a:avLst/>
+          </a:prstGeom>
+          <a:ln w="12700">
+            <a:solidFill>
+              <a:schemeClr val="tx1"/>
+            </a:solidFill>
+          </a:ln>
+        </p:spPr>
+        <p:style>
+          <a:lnRef idx="1">
+            <a:schemeClr val="accent1"/>
+          </a:lnRef>
+          <a:fillRef idx="0">
+            <a:schemeClr val="accent1"/>
+          </a:fillRef>
+          <a:effectRef idx="0">
+            <a:schemeClr val="accent1"/>
+          </a:effectRef>
+          <a:fontRef idx="minor">
+            <a:schemeClr val="tx1"/>
+          </a:fontRef>
+        </p:style>
+      </p:cxnSp>
+      <p:cxnSp>
+        <p:nvCxnSpPr>
+          <p:cNvPr id="38" name="Straight Connector 37">
+            <a:extLst>
+              <a:ext uri="{FF2B5EF4-FFF2-40B4-BE49-F238E27FC236}">
+                <a16:creationId xmlns:a16="http://schemas.microsoft.com/office/drawing/2014/main" id="{4FA731FC-48F0-694E-98E2-644C3024FBA0}"/>
+              </a:ext>
+            </a:extLst>
+          </p:cNvPr>
+          <p:cNvCxnSpPr/>
+          <p:nvPr/>
+        </p:nvCxnSpPr>
+        <p:spPr>
+          <a:xfrm>
+            <a:off x="6706894" y="2764758"/>
+            <a:ext cx="914400" cy="0"/>
+          </a:xfrm>
+          <a:prstGeom prst="line">
+            <a:avLst/>
+          </a:prstGeom>
+          <a:ln w="12700">
+            <a:solidFill>
+              <a:schemeClr val="tx1"/>
+            </a:solidFill>
+          </a:ln>
+        </p:spPr>
+        <p:style>
+          <a:lnRef idx="1">
+            <a:schemeClr val="accent1"/>
+          </a:lnRef>
+          <a:fillRef idx="0">
+            <a:schemeClr val="accent1"/>
+          </a:fillRef>
+          <a:effectRef idx="0">
+            <a:schemeClr val="accent1"/>
+          </a:effectRef>
+          <a:fontRef idx="minor">
+            <a:schemeClr val="tx1"/>
+          </a:fontRef>
+        </p:style>
+      </p:cxnSp>
+      <p:cxnSp>
+        <p:nvCxnSpPr>
+          <p:cNvPr id="39" name="Straight Connector 38">
+            <a:extLst>
+              <a:ext uri="{FF2B5EF4-FFF2-40B4-BE49-F238E27FC236}">
+                <a16:creationId xmlns:a16="http://schemas.microsoft.com/office/drawing/2014/main" id="{DF350FDC-3BE1-0F4D-A79E-F383FCA7A836}"/>
+              </a:ext>
+            </a:extLst>
+          </p:cNvPr>
+          <p:cNvCxnSpPr/>
+          <p:nvPr/>
+        </p:nvCxnSpPr>
+        <p:spPr>
+          <a:xfrm>
+            <a:off x="5248099" y="3141406"/>
+            <a:ext cx="914400" cy="0"/>
+          </a:xfrm>
+          <a:prstGeom prst="line">
+            <a:avLst/>
+          </a:prstGeom>
+          <a:ln w="12700">
+            <a:solidFill>
+              <a:schemeClr val="tx1"/>
+            </a:solidFill>
+          </a:ln>
+        </p:spPr>
+        <p:style>
+          <a:lnRef idx="1">
+            <a:schemeClr val="accent1"/>
+          </a:lnRef>
+          <a:fillRef idx="0">
+            <a:schemeClr val="accent1"/>
+          </a:fillRef>
+          <a:effectRef idx="0">
+            <a:schemeClr val="accent1"/>
+          </a:effectRef>
+          <a:fontRef idx="minor">
+            <a:schemeClr val="tx1"/>
+          </a:fontRef>
+        </p:style>
+      </p:cxnSp>
+      <p:cxnSp>
+        <p:nvCxnSpPr>
+          <p:cNvPr id="40" name="Straight Connector 39">
+            <a:extLst>
+              <a:ext uri="{FF2B5EF4-FFF2-40B4-BE49-F238E27FC236}">
+                <a16:creationId xmlns:a16="http://schemas.microsoft.com/office/drawing/2014/main" id="{F9E6AE0A-B61E-CD46-B0BF-F65E784AA303}"/>
+              </a:ext>
+            </a:extLst>
+          </p:cNvPr>
+          <p:cNvCxnSpPr/>
+          <p:nvPr/>
+        </p:nvCxnSpPr>
+        <p:spPr>
+          <a:xfrm>
+            <a:off x="7325183" y="2325328"/>
+            <a:ext cx="914400" cy="0"/>
+          </a:xfrm>
+          <a:prstGeom prst="line">
+            <a:avLst/>
+          </a:prstGeom>
+          <a:ln w="12700">
+            <a:solidFill>
+              <a:schemeClr val="tx1"/>
+            </a:solidFill>
+          </a:ln>
+        </p:spPr>
+        <p:style>
+          <a:lnRef idx="1">
+            <a:schemeClr val="accent1"/>
+          </a:lnRef>
+          <a:fillRef idx="0">
+            <a:schemeClr val="accent1"/>
+          </a:fillRef>
+          <a:effectRef idx="0">
+            <a:schemeClr val="accent1"/>
+          </a:effectRef>
+          <a:fontRef idx="minor">
+            <a:schemeClr val="tx1"/>
+          </a:fontRef>
+        </p:style>
+      </p:cxnSp>
+      <p:cxnSp>
+        <p:nvCxnSpPr>
+          <p:cNvPr id="41" name="Straight Connector 40">
+            <a:extLst>
+              <a:ext uri="{FF2B5EF4-FFF2-40B4-BE49-F238E27FC236}">
+                <a16:creationId xmlns:a16="http://schemas.microsoft.com/office/drawing/2014/main" id="{8FB28143-33FC-C747-9EBE-8FC3BA58EBE8}"/>
+              </a:ext>
+            </a:extLst>
+          </p:cNvPr>
+          <p:cNvCxnSpPr/>
+          <p:nvPr/>
+        </p:nvCxnSpPr>
+        <p:spPr>
+          <a:xfrm>
+            <a:off x="7858561" y="3141406"/>
+            <a:ext cx="914400" cy="0"/>
+          </a:xfrm>
+          <a:prstGeom prst="line">
+            <a:avLst/>
+          </a:prstGeom>
+          <a:ln w="12700">
+            <a:solidFill>
+              <a:schemeClr val="tx1"/>
+            </a:solidFill>
+          </a:ln>
+        </p:spPr>
+        <p:style>
+          <a:lnRef idx="1">
+            <a:schemeClr val="accent1"/>
+          </a:lnRef>
+          <a:fillRef idx="0">
+            <a:schemeClr val="accent1"/>
+          </a:fillRef>
+          <a:effectRef idx="0">
+            <a:schemeClr val="accent1"/>
+          </a:effectRef>
+          <a:fontRef idx="minor">
+            <a:schemeClr val="tx1"/>
+          </a:fontRef>
+        </p:style>
+      </p:cxnSp>
+      <p:cxnSp>
+        <p:nvCxnSpPr>
+          <p:cNvPr id="42" name="Straight Connector 41">
+            <a:extLst>
+              <a:ext uri="{FF2B5EF4-FFF2-40B4-BE49-F238E27FC236}">
+                <a16:creationId xmlns:a16="http://schemas.microsoft.com/office/drawing/2014/main" id="{419121F2-F42D-974A-99C0-1FB1111B3AB3}"/>
+              </a:ext>
+            </a:extLst>
+          </p:cNvPr>
+          <p:cNvCxnSpPr/>
+          <p:nvPr/>
+        </p:nvCxnSpPr>
+        <p:spPr>
+          <a:xfrm>
+            <a:off x="1386348" y="4551420"/>
+            <a:ext cx="914400" cy="0"/>
+          </a:xfrm>
+          <a:prstGeom prst="line">
+            <a:avLst/>
+          </a:prstGeom>
+          <a:ln w="12700">
+            <a:solidFill>
+              <a:schemeClr val="tx1"/>
+            </a:solidFill>
+          </a:ln>
+        </p:spPr>
+        <p:style>
+          <a:lnRef idx="1">
+            <a:schemeClr val="accent1"/>
+          </a:lnRef>
+          <a:fillRef idx="0">
+            <a:schemeClr val="accent1"/>
+          </a:fillRef>
+          <a:effectRef idx="0">
+            <a:schemeClr val="accent1"/>
+          </a:effectRef>
+          <a:fontRef idx="minor">
+            <a:schemeClr val="tx1"/>
+          </a:fontRef>
+        </p:style>
+      </p:cxnSp>
+      <p:cxnSp>
+        <p:nvCxnSpPr>
+          <p:cNvPr id="43" name="Straight Connector 42">
+            <a:extLst>
+              <a:ext uri="{FF2B5EF4-FFF2-40B4-BE49-F238E27FC236}">
+                <a16:creationId xmlns:a16="http://schemas.microsoft.com/office/drawing/2014/main" id="{429ABE50-BE39-F242-AF50-6B8541C6FCDC}"/>
+              </a:ext>
+            </a:extLst>
+          </p:cNvPr>
+          <p:cNvCxnSpPr/>
+          <p:nvPr/>
+        </p:nvCxnSpPr>
+        <p:spPr>
+          <a:xfrm>
+            <a:off x="2551072" y="4168877"/>
+            <a:ext cx="914400" cy="0"/>
+          </a:xfrm>
+          <a:prstGeom prst="line">
+            <a:avLst/>
+          </a:prstGeom>
+          <a:ln w="12700">
+            <a:solidFill>
+              <a:schemeClr val="tx1"/>
+            </a:solidFill>
+          </a:ln>
+        </p:spPr>
+        <p:style>
+          <a:lnRef idx="1">
+            <a:schemeClr val="accent1"/>
+          </a:lnRef>
+          <a:fillRef idx="0">
+            <a:schemeClr val="accent1"/>
+          </a:fillRef>
+          <a:effectRef idx="0">
+            <a:schemeClr val="accent1"/>
+          </a:effectRef>
+          <a:fontRef idx="minor">
+            <a:schemeClr val="tx1"/>
+          </a:fontRef>
+        </p:style>
+      </p:cxnSp>
+      <p:cxnSp>
+        <p:nvCxnSpPr>
+          <p:cNvPr id="44" name="Straight Connector 43">
+            <a:extLst>
+              <a:ext uri="{FF2B5EF4-FFF2-40B4-BE49-F238E27FC236}">
+                <a16:creationId xmlns:a16="http://schemas.microsoft.com/office/drawing/2014/main" id="{22C33E4D-CA83-914F-8B21-B00C57D4A7CE}"/>
+              </a:ext>
+            </a:extLst>
+          </p:cNvPr>
+          <p:cNvCxnSpPr/>
+          <p:nvPr/>
+        </p:nvCxnSpPr>
+        <p:spPr>
+          <a:xfrm>
+            <a:off x="1937993" y="5102940"/>
+            <a:ext cx="914400" cy="0"/>
+          </a:xfrm>
+          <a:prstGeom prst="line">
+            <a:avLst/>
+          </a:prstGeom>
+          <a:ln w="12700">
+            <a:solidFill>
+              <a:schemeClr val="tx1"/>
+            </a:solidFill>
+          </a:ln>
+        </p:spPr>
+        <p:style>
+          <a:lnRef idx="1">
+            <a:schemeClr val="accent1"/>
+          </a:lnRef>
+          <a:fillRef idx="0">
+            <a:schemeClr val="accent1"/>
+          </a:fillRef>
+          <a:effectRef idx="0">
+            <a:schemeClr val="accent1"/>
+          </a:effectRef>
+          <a:fontRef idx="minor">
+            <a:schemeClr val="tx1"/>
+          </a:fontRef>
+        </p:style>
+      </p:cxnSp>
+      <p:cxnSp>
+        <p:nvCxnSpPr>
+          <p:cNvPr id="45" name="Straight Connector 44">
+            <a:extLst>
+              <a:ext uri="{FF2B5EF4-FFF2-40B4-BE49-F238E27FC236}">
+                <a16:creationId xmlns:a16="http://schemas.microsoft.com/office/drawing/2014/main" id="{F6BC191F-D039-A24B-9DE0-A731E51E3284}"/>
+              </a:ext>
+            </a:extLst>
+          </p:cNvPr>
+          <p:cNvCxnSpPr/>
+          <p:nvPr/>
+        </p:nvCxnSpPr>
+        <p:spPr>
+          <a:xfrm>
+            <a:off x="4039884" y="4551420"/>
+            <a:ext cx="914400" cy="0"/>
+          </a:xfrm>
+          <a:prstGeom prst="line">
+            <a:avLst/>
+          </a:prstGeom>
+          <a:ln w="12700">
+            <a:solidFill>
+              <a:schemeClr val="tx1"/>
+            </a:solidFill>
+          </a:ln>
+        </p:spPr>
+        <p:style>
+          <a:lnRef idx="1">
+            <a:schemeClr val="accent1"/>
+          </a:lnRef>
+          <a:fillRef idx="0">
+            <a:schemeClr val="accent1"/>
+          </a:fillRef>
+          <a:effectRef idx="0">
+            <a:schemeClr val="accent1"/>
+          </a:effectRef>
+          <a:fontRef idx="minor">
+            <a:schemeClr val="tx1"/>
+          </a:fontRef>
+        </p:style>
+      </p:cxnSp>
+      <p:cxnSp>
+        <p:nvCxnSpPr>
+          <p:cNvPr id="46" name="Straight Connector 45">
+            <a:extLst>
+              <a:ext uri="{FF2B5EF4-FFF2-40B4-BE49-F238E27FC236}">
+                <a16:creationId xmlns:a16="http://schemas.microsoft.com/office/drawing/2014/main" id="{37ADEB83-ED7E-2B47-9C65-4627F591D7EF}"/>
+              </a:ext>
+            </a:extLst>
+          </p:cNvPr>
+          <p:cNvCxnSpPr/>
+          <p:nvPr/>
+        </p:nvCxnSpPr>
+        <p:spPr>
+          <a:xfrm>
+            <a:off x="5210500" y="4168877"/>
+            <a:ext cx="914400" cy="0"/>
+          </a:xfrm>
+          <a:prstGeom prst="line">
+            <a:avLst/>
+          </a:prstGeom>
+          <a:ln w="12700">
+            <a:solidFill>
+              <a:schemeClr val="tx1"/>
+            </a:solidFill>
+          </a:ln>
+        </p:spPr>
+        <p:style>
+          <a:lnRef idx="1">
+            <a:schemeClr val="accent1"/>
+          </a:lnRef>
+          <a:fillRef idx="0">
+            <a:schemeClr val="accent1"/>
+          </a:fillRef>
+          <a:effectRef idx="0">
+            <a:schemeClr val="accent1"/>
+          </a:effectRef>
+          <a:fontRef idx="minor">
+            <a:schemeClr val="tx1"/>
+          </a:fontRef>
+        </p:style>
+      </p:cxnSp>
+      <p:cxnSp>
+        <p:nvCxnSpPr>
+          <p:cNvPr id="47" name="Straight Connector 46">
+            <a:extLst>
+              <a:ext uri="{FF2B5EF4-FFF2-40B4-BE49-F238E27FC236}">
+                <a16:creationId xmlns:a16="http://schemas.microsoft.com/office/drawing/2014/main" id="{C2854810-CFB2-5A40-AF4A-EE35856AAA6B}"/>
+              </a:ext>
+            </a:extLst>
+          </p:cNvPr>
+          <p:cNvCxnSpPr/>
+          <p:nvPr/>
+        </p:nvCxnSpPr>
+        <p:spPr>
+          <a:xfrm>
+            <a:off x="4590489" y="5102940"/>
+            <a:ext cx="914400" cy="0"/>
+          </a:xfrm>
+          <a:prstGeom prst="line">
+            <a:avLst/>
+          </a:prstGeom>
+          <a:ln w="12700">
+            <a:solidFill>
+              <a:schemeClr val="tx1"/>
+            </a:solidFill>
+          </a:ln>
+        </p:spPr>
+        <p:style>
+          <a:lnRef idx="1">
+            <a:schemeClr val="accent1"/>
+          </a:lnRef>
+          <a:fillRef idx="0">
+            <a:schemeClr val="accent1"/>
+          </a:fillRef>
+          <a:effectRef idx="0">
+            <a:schemeClr val="accent1"/>
+          </a:effectRef>
+          <a:fontRef idx="minor">
+            <a:schemeClr val="tx1"/>
+          </a:fontRef>
+        </p:style>
+      </p:cxnSp>
+      <p:cxnSp>
+        <p:nvCxnSpPr>
+          <p:cNvPr id="48" name="Straight Connector 47">
+            <a:extLst>
+              <a:ext uri="{FF2B5EF4-FFF2-40B4-BE49-F238E27FC236}">
+                <a16:creationId xmlns:a16="http://schemas.microsoft.com/office/drawing/2014/main" id="{D7B6D8BA-63D2-7547-89D2-9BC8D7F74D0E}"/>
+              </a:ext>
+            </a:extLst>
+          </p:cNvPr>
+          <p:cNvCxnSpPr/>
+          <p:nvPr/>
+        </p:nvCxnSpPr>
+        <p:spPr>
+          <a:xfrm>
+            <a:off x="6638738" y="4551420"/>
+            <a:ext cx="914400" cy="0"/>
+          </a:xfrm>
+          <a:prstGeom prst="line">
+            <a:avLst/>
+          </a:prstGeom>
+          <a:ln w="12700">
+            <a:solidFill>
+              <a:schemeClr val="tx1"/>
+            </a:solidFill>
+          </a:ln>
+        </p:spPr>
+        <p:style>
+          <a:lnRef idx="1">
+            <a:schemeClr val="accent1"/>
+          </a:lnRef>
+          <a:fillRef idx="0">
+            <a:schemeClr val="accent1"/>
+          </a:fillRef>
+          <a:effectRef idx="0">
+            <a:schemeClr val="accent1"/>
+          </a:effectRef>
+          <a:fontRef idx="minor">
+            <a:schemeClr val="tx1"/>
+          </a:fontRef>
+        </p:style>
+      </p:cxnSp>
+      <p:cxnSp>
+        <p:nvCxnSpPr>
+          <p:cNvPr id="49" name="Straight Connector 48">
+            <a:extLst>
+              <a:ext uri="{FF2B5EF4-FFF2-40B4-BE49-F238E27FC236}">
+                <a16:creationId xmlns:a16="http://schemas.microsoft.com/office/drawing/2014/main" id="{98E74B38-C3A5-0246-A806-CA35D2951CBE}"/>
+              </a:ext>
+            </a:extLst>
+          </p:cNvPr>
+          <p:cNvCxnSpPr/>
+          <p:nvPr/>
+        </p:nvCxnSpPr>
+        <p:spPr>
+          <a:xfrm>
+            <a:off x="7817516" y="4168877"/>
+            <a:ext cx="914400" cy="0"/>
+          </a:xfrm>
+          <a:prstGeom prst="line">
+            <a:avLst/>
+          </a:prstGeom>
+          <a:ln w="12700">
+            <a:solidFill>
+              <a:schemeClr val="tx1"/>
+            </a:solidFill>
+          </a:ln>
+        </p:spPr>
+        <p:style>
+          <a:lnRef idx="1">
+            <a:schemeClr val="accent1"/>
+          </a:lnRef>
+          <a:fillRef idx="0">
+            <a:schemeClr val="accent1"/>
+          </a:fillRef>
+          <a:effectRef idx="0">
+            <a:schemeClr val="accent1"/>
+          </a:effectRef>
+          <a:fontRef idx="minor">
+            <a:schemeClr val="tx1"/>
+          </a:fontRef>
+        </p:style>
+      </p:cxnSp>
+      <p:cxnSp>
+        <p:nvCxnSpPr>
+          <p:cNvPr id="50" name="Straight Connector 49">
+            <a:extLst>
+              <a:ext uri="{FF2B5EF4-FFF2-40B4-BE49-F238E27FC236}">
+                <a16:creationId xmlns:a16="http://schemas.microsoft.com/office/drawing/2014/main" id="{768B16A8-0E53-0649-BE09-EE41D997380D}"/>
+              </a:ext>
+            </a:extLst>
+          </p:cNvPr>
+          <p:cNvCxnSpPr/>
+          <p:nvPr/>
+        </p:nvCxnSpPr>
+        <p:spPr>
+          <a:xfrm>
+            <a:off x="7194687" y="5102940"/>
+            <a:ext cx="914400" cy="0"/>
+          </a:xfrm>
+          <a:prstGeom prst="line">
+            <a:avLst/>
+          </a:prstGeom>
+          <a:ln w="12700">
+            <a:solidFill>
+              <a:schemeClr val="tx1"/>
+            </a:solidFill>
+          </a:ln>
+        </p:spPr>
+        <p:style>
+          <a:lnRef idx="1">
+            <a:schemeClr val="accent1"/>
+          </a:lnRef>
+          <a:fillRef idx="0">
+            <a:schemeClr val="accent1"/>
+          </a:fillRef>
+          <a:effectRef idx="0">
+            <a:schemeClr val="accent1"/>
+          </a:effectRef>
+          <a:fontRef idx="minor">
+            <a:schemeClr val="tx1"/>
+          </a:fontRef>
+        </p:style>
+      </p:cxnSp>
+      <p:sp>
+        <p:nvSpPr>
+          <p:cNvPr id="51" name="TextBox 50">
+            <a:extLst>
+              <a:ext uri="{FF2B5EF4-FFF2-40B4-BE49-F238E27FC236}">
+                <a16:creationId xmlns:a16="http://schemas.microsoft.com/office/drawing/2014/main" id="{5C5D31E8-59FF-D747-AAC6-C00F03C2323C}"/>
+              </a:ext>
+            </a:extLst>
+          </p:cNvPr>
+          <p:cNvSpPr txBox="1"/>
+          <p:nvPr/>
+        </p:nvSpPr>
+        <p:spPr>
+          <a:xfrm>
+            <a:off x="3707532" y="2353970"/>
+            <a:ext cx="1071534" cy="430887"/>
+          </a:xfrm>
+          <a:prstGeom prst="rect">
+            <a:avLst/>
+          </a:prstGeom>
+          <a:noFill/>
+        </p:spPr>
+        <p:txBody>
+          <a:bodyPr wrap="square" rtlCol="0">
+            <a:spAutoFit/>
+          </a:bodyPr>
+          <a:lstStyle/>
+          <a:p>
+            <a:r>
+              <a:rPr lang="en-US" sz="1100" dirty="0">
+                <a:latin typeface="Times New Roman" panose="02020603050405020304" pitchFamily="18" charset="0"/>
+                <a:cs typeface="Times New Roman" panose="02020603050405020304" pitchFamily="18" charset="0"/>
+              </a:rPr>
+              <a:t>Think it is not their specialty</a:t>
+            </a:r>
+          </a:p>
+        </p:txBody>
+      </p:sp>
+      <p:sp>
+        <p:nvSpPr>
+          <p:cNvPr id="52" name="TextBox 51">
+            <a:extLst>
+              <a:ext uri="{FF2B5EF4-FFF2-40B4-BE49-F238E27FC236}">
+                <a16:creationId xmlns:a16="http://schemas.microsoft.com/office/drawing/2014/main" id="{E9CFFA23-74D4-7147-BBFC-36DEF3223575}"/>
+              </a:ext>
+            </a:extLst>
+          </p:cNvPr>
+          <p:cNvSpPr txBox="1"/>
+          <p:nvPr/>
+        </p:nvSpPr>
+        <p:spPr>
+          <a:xfrm>
+            <a:off x="7320786" y="2066473"/>
+            <a:ext cx="1411129" cy="261610"/>
+          </a:xfrm>
+          <a:prstGeom prst="rect">
+            <a:avLst/>
+          </a:prstGeom>
+          <a:noFill/>
+        </p:spPr>
+        <p:txBody>
+          <a:bodyPr wrap="square" rtlCol="0">
+            <a:spAutoFit/>
+          </a:bodyPr>
+          <a:lstStyle/>
+          <a:p>
+            <a:r>
+              <a:rPr lang="en-US" sz="1100" dirty="0">
+                <a:latin typeface="Times New Roman" panose="02020603050405020304" pitchFamily="18" charset="0"/>
+                <a:cs typeface="Times New Roman" panose="02020603050405020304" pitchFamily="18" charset="0"/>
+              </a:rPr>
+              <a:t>Language Barriers</a:t>
+            </a:r>
+          </a:p>
+        </p:txBody>
+      </p:sp>
+      <p:sp>
+        <p:nvSpPr>
+          <p:cNvPr id="53" name="TextBox 52">
+            <a:extLst>
+              <a:ext uri="{FF2B5EF4-FFF2-40B4-BE49-F238E27FC236}">
+                <a16:creationId xmlns:a16="http://schemas.microsoft.com/office/drawing/2014/main" id="{9854437C-A930-6E40-817F-45CC13AB4B6E}"/>
+              </a:ext>
+            </a:extLst>
+          </p:cNvPr>
+          <p:cNvSpPr txBox="1"/>
+          <p:nvPr/>
+        </p:nvSpPr>
+        <p:spPr>
+          <a:xfrm>
+            <a:off x="2121540" y="4718940"/>
+            <a:ext cx="1411129" cy="430887"/>
+          </a:xfrm>
+          <a:prstGeom prst="rect">
+            <a:avLst/>
+          </a:prstGeom>
+          <a:noFill/>
+        </p:spPr>
+        <p:txBody>
+          <a:bodyPr wrap="square" rtlCol="0">
+            <a:spAutoFit/>
+          </a:bodyPr>
+          <a:lstStyle/>
+          <a:p>
+            <a:r>
+              <a:rPr lang="en-US" sz="1100" dirty="0">
+                <a:latin typeface="Times New Roman" panose="02020603050405020304" pitchFamily="18" charset="0"/>
+                <a:cs typeface="Times New Roman" panose="02020603050405020304" pitchFamily="18" charset="0"/>
+              </a:rPr>
+              <a:t>Lack of follow-up after appointments</a:t>
+            </a:r>
+          </a:p>
+        </p:txBody>
+      </p:sp>
+      <p:sp>
+        <p:nvSpPr>
+          <p:cNvPr id="54" name="TextBox 53">
+            <a:extLst>
+              <a:ext uri="{FF2B5EF4-FFF2-40B4-BE49-F238E27FC236}">
+                <a16:creationId xmlns:a16="http://schemas.microsoft.com/office/drawing/2014/main" id="{15AC1288-EFBB-DF47-88FA-A74AFE78B6E6}"/>
+              </a:ext>
+            </a:extLst>
+          </p:cNvPr>
+          <p:cNvSpPr txBox="1"/>
+          <p:nvPr/>
+        </p:nvSpPr>
+        <p:spPr>
+          <a:xfrm>
+            <a:off x="4742578" y="1943052"/>
+            <a:ext cx="1349607" cy="430887"/>
+          </a:xfrm>
+          <a:prstGeom prst="rect">
+            <a:avLst/>
+          </a:prstGeom>
+          <a:noFill/>
+        </p:spPr>
+        <p:txBody>
+          <a:bodyPr wrap="square" rtlCol="0">
+            <a:spAutoFit/>
+          </a:bodyPr>
+          <a:lstStyle/>
+          <a:p>
+            <a:r>
+              <a:rPr lang="en-US" sz="1100" dirty="0">
+                <a:latin typeface="Times New Roman" panose="02020603050405020304" pitchFamily="18" charset="0"/>
+                <a:cs typeface="Times New Roman" panose="02020603050405020304" pitchFamily="18" charset="0"/>
+              </a:rPr>
+              <a:t>Don’t think about it for every patient</a:t>
+            </a:r>
+          </a:p>
+        </p:txBody>
+      </p:sp>
+      <p:sp>
+        <p:nvSpPr>
+          <p:cNvPr id="55" name="TextBox 54">
+            <a:extLst>
+              <a:ext uri="{FF2B5EF4-FFF2-40B4-BE49-F238E27FC236}">
+                <a16:creationId xmlns:a16="http://schemas.microsoft.com/office/drawing/2014/main" id="{B0D8AE90-CE31-7744-BE98-DB7A1E091D9A}"/>
+              </a:ext>
+            </a:extLst>
+          </p:cNvPr>
+          <p:cNvSpPr txBox="1"/>
+          <p:nvPr/>
+        </p:nvSpPr>
+        <p:spPr>
+          <a:xfrm>
+            <a:off x="2028931" y="1919776"/>
+            <a:ext cx="1114667" cy="430887"/>
+          </a:xfrm>
+          <a:prstGeom prst="rect">
+            <a:avLst/>
+          </a:prstGeom>
+          <a:noFill/>
+        </p:spPr>
+        <p:txBody>
+          <a:bodyPr wrap="square" rtlCol="0">
+            <a:spAutoFit/>
+          </a:bodyPr>
+          <a:lstStyle/>
+          <a:p>
+            <a:r>
+              <a:rPr lang="en-US" sz="1100" dirty="0">
+                <a:latin typeface="Times New Roman" panose="02020603050405020304" pitchFamily="18" charset="0"/>
+                <a:cs typeface="Times New Roman" panose="02020603050405020304" pitchFamily="18" charset="0"/>
+              </a:rPr>
+              <a:t>Don’t know what HbA1c is</a:t>
+            </a:r>
+          </a:p>
+        </p:txBody>
+      </p:sp>
+      <p:sp>
+        <p:nvSpPr>
+          <p:cNvPr id="56" name="TextBox 55">
+            <a:extLst>
+              <a:ext uri="{FF2B5EF4-FFF2-40B4-BE49-F238E27FC236}">
+                <a16:creationId xmlns:a16="http://schemas.microsoft.com/office/drawing/2014/main" id="{02A498DE-860E-CD49-802A-54E67E052760}"/>
+              </a:ext>
+            </a:extLst>
+          </p:cNvPr>
+          <p:cNvSpPr txBox="1"/>
+          <p:nvPr/>
+        </p:nvSpPr>
+        <p:spPr>
+          <a:xfrm>
+            <a:off x="2561678" y="2747267"/>
+            <a:ext cx="1349607" cy="430887"/>
+          </a:xfrm>
+          <a:prstGeom prst="rect">
+            <a:avLst/>
+          </a:prstGeom>
+          <a:noFill/>
+        </p:spPr>
+        <p:txBody>
+          <a:bodyPr wrap="square" rtlCol="0">
+            <a:spAutoFit/>
+          </a:bodyPr>
+          <a:lstStyle/>
+          <a:p>
+            <a:r>
+              <a:rPr lang="en-US" sz="1100" dirty="0">
+                <a:latin typeface="Times New Roman" panose="02020603050405020304" pitchFamily="18" charset="0"/>
+                <a:cs typeface="Times New Roman" panose="02020603050405020304" pitchFamily="18" charset="0"/>
+              </a:rPr>
+              <a:t>Don’t want to know results</a:t>
+            </a:r>
+          </a:p>
+        </p:txBody>
+      </p:sp>
+      <p:sp>
+        <p:nvSpPr>
+          <p:cNvPr id="57" name="TextBox 56">
+            <a:extLst>
+              <a:ext uri="{FF2B5EF4-FFF2-40B4-BE49-F238E27FC236}">
+                <a16:creationId xmlns:a16="http://schemas.microsoft.com/office/drawing/2014/main" id="{2B1AA56D-F27C-EC48-A833-B95C35357076}"/>
+              </a:ext>
+            </a:extLst>
+          </p:cNvPr>
+          <p:cNvSpPr txBox="1"/>
+          <p:nvPr/>
+        </p:nvSpPr>
+        <p:spPr>
+          <a:xfrm>
+            <a:off x="4002237" y="4175389"/>
+            <a:ext cx="945552" cy="430887"/>
+          </a:xfrm>
+          <a:prstGeom prst="rect">
+            <a:avLst/>
+          </a:prstGeom>
+          <a:noFill/>
+        </p:spPr>
+        <p:txBody>
+          <a:bodyPr wrap="square" rtlCol="0">
+            <a:spAutoFit/>
+          </a:bodyPr>
+          <a:lstStyle/>
+          <a:p>
+            <a:r>
+              <a:rPr lang="en-US" sz="1100" dirty="0">
+                <a:latin typeface="Times New Roman" panose="02020603050405020304" pitchFamily="18" charset="0"/>
+                <a:cs typeface="Times New Roman" panose="02020603050405020304" pitchFamily="18" charset="0"/>
+              </a:rPr>
+              <a:t>Requires blood draw</a:t>
+            </a:r>
+          </a:p>
+        </p:txBody>
+      </p:sp>
+      <p:sp>
+        <p:nvSpPr>
+          <p:cNvPr id="58" name="TextBox 57">
+            <a:extLst>
+              <a:ext uri="{FF2B5EF4-FFF2-40B4-BE49-F238E27FC236}">
+                <a16:creationId xmlns:a16="http://schemas.microsoft.com/office/drawing/2014/main" id="{4AC127EA-6FB2-1240-B3BF-C1FAE1FEC60F}"/>
+              </a:ext>
+            </a:extLst>
+          </p:cNvPr>
+          <p:cNvSpPr txBox="1"/>
+          <p:nvPr/>
+        </p:nvSpPr>
+        <p:spPr>
+          <a:xfrm>
+            <a:off x="5386175" y="3740438"/>
+            <a:ext cx="1411129" cy="430887"/>
+          </a:xfrm>
+          <a:prstGeom prst="rect">
+            <a:avLst/>
+          </a:prstGeom>
+          <a:noFill/>
+        </p:spPr>
+        <p:txBody>
+          <a:bodyPr wrap="square" rtlCol="0">
+            <a:spAutoFit/>
+          </a:bodyPr>
+          <a:lstStyle/>
+          <a:p>
+            <a:r>
+              <a:rPr lang="en-US" sz="1100" dirty="0">
+                <a:latin typeface="Times New Roman" panose="02020603050405020304" pitchFamily="18" charset="0"/>
+                <a:cs typeface="Times New Roman" panose="02020603050405020304" pitchFamily="18" charset="0"/>
+              </a:rPr>
+              <a:t>Machine is usually only used in clinic</a:t>
+            </a:r>
+          </a:p>
+        </p:txBody>
+      </p:sp>
+      <p:sp>
+        <p:nvSpPr>
+          <p:cNvPr id="59" name="TextBox 58">
+            <a:extLst>
+              <a:ext uri="{FF2B5EF4-FFF2-40B4-BE49-F238E27FC236}">
+                <a16:creationId xmlns:a16="http://schemas.microsoft.com/office/drawing/2014/main" id="{03A86273-32ED-9E4D-B887-95F2D99BF5B8}"/>
+              </a:ext>
+            </a:extLst>
+          </p:cNvPr>
+          <p:cNvSpPr txBox="1"/>
+          <p:nvPr/>
+        </p:nvSpPr>
+        <p:spPr>
+          <a:xfrm>
+            <a:off x="8026351" y="3744502"/>
+            <a:ext cx="1411129" cy="430887"/>
+          </a:xfrm>
+          <a:prstGeom prst="rect">
+            <a:avLst/>
+          </a:prstGeom>
+          <a:noFill/>
+        </p:spPr>
+        <p:txBody>
+          <a:bodyPr wrap="square" rtlCol="0">
+            <a:spAutoFit/>
+          </a:bodyPr>
+          <a:lstStyle/>
+          <a:p>
+            <a:r>
+              <a:rPr lang="en-US" sz="1100" dirty="0">
+                <a:latin typeface="Times New Roman" panose="02020603050405020304" pitchFamily="18" charset="0"/>
+                <a:cs typeface="Times New Roman" panose="02020603050405020304" pitchFamily="18" charset="0"/>
+              </a:rPr>
+              <a:t>Patient’s don’t understand result</a:t>
+            </a:r>
+          </a:p>
+        </p:txBody>
+      </p:sp>
+      <p:sp>
+        <p:nvSpPr>
+          <p:cNvPr id="60" name="TextBox 59">
+            <a:extLst>
+              <a:ext uri="{FF2B5EF4-FFF2-40B4-BE49-F238E27FC236}">
+                <a16:creationId xmlns:a16="http://schemas.microsoft.com/office/drawing/2014/main" id="{0BF9C389-D352-1A44-8223-302C799F1EBE}"/>
+              </a:ext>
+            </a:extLst>
+          </p:cNvPr>
+          <p:cNvSpPr txBox="1"/>
+          <p:nvPr/>
+        </p:nvSpPr>
+        <p:spPr>
+          <a:xfrm>
+            <a:off x="6343501" y="2370302"/>
+            <a:ext cx="1114667" cy="430887"/>
+          </a:xfrm>
+          <a:prstGeom prst="rect">
+            <a:avLst/>
+          </a:prstGeom>
+          <a:noFill/>
+        </p:spPr>
+        <p:txBody>
+          <a:bodyPr wrap="square" rtlCol="0">
+            <a:spAutoFit/>
+          </a:bodyPr>
+          <a:lstStyle/>
+          <a:p>
+            <a:r>
+              <a:rPr lang="en-US" sz="1100" dirty="0">
+                <a:latin typeface="Times New Roman" panose="02020603050405020304" pitchFamily="18" charset="0"/>
+                <a:cs typeface="Times New Roman" panose="02020603050405020304" pitchFamily="18" charset="0"/>
+              </a:rPr>
+              <a:t>Low income (no insurance)</a:t>
+            </a:r>
+          </a:p>
+        </p:txBody>
+      </p:sp>
+      <p:sp>
+        <p:nvSpPr>
+          <p:cNvPr id="61" name="TextBox 60">
+            <a:extLst>
+              <a:ext uri="{FF2B5EF4-FFF2-40B4-BE49-F238E27FC236}">
+                <a16:creationId xmlns:a16="http://schemas.microsoft.com/office/drawing/2014/main" id="{B7454927-E06D-CD49-AF20-40DCA119E7FE}"/>
+              </a:ext>
+            </a:extLst>
+          </p:cNvPr>
+          <p:cNvSpPr txBox="1"/>
+          <p:nvPr/>
+        </p:nvSpPr>
+        <p:spPr>
+          <a:xfrm>
+            <a:off x="5225998" y="2753768"/>
+            <a:ext cx="1114667" cy="430887"/>
+          </a:xfrm>
+          <a:prstGeom prst="rect">
+            <a:avLst/>
+          </a:prstGeom>
+          <a:noFill/>
+        </p:spPr>
+        <p:txBody>
+          <a:bodyPr wrap="square" rtlCol="0">
+            <a:spAutoFit/>
+          </a:bodyPr>
+          <a:lstStyle/>
+          <a:p>
+            <a:r>
+              <a:rPr lang="en-US" sz="1100" dirty="0">
+                <a:latin typeface="Times New Roman" panose="02020603050405020304" pitchFamily="18" charset="0"/>
+                <a:cs typeface="Times New Roman" panose="02020603050405020304" pitchFamily="18" charset="0"/>
+              </a:rPr>
+              <a:t>Not the focus of the visit</a:t>
+            </a:r>
+          </a:p>
+        </p:txBody>
+      </p:sp>
+      <p:sp>
+        <p:nvSpPr>
+          <p:cNvPr id="62" name="TextBox 61">
+            <a:extLst>
+              <a:ext uri="{FF2B5EF4-FFF2-40B4-BE49-F238E27FC236}">
+                <a16:creationId xmlns:a16="http://schemas.microsoft.com/office/drawing/2014/main" id="{3EBD6502-430E-BB4F-AECF-5A9DB89A4517}"/>
+              </a:ext>
+            </a:extLst>
+          </p:cNvPr>
+          <p:cNvSpPr txBox="1"/>
+          <p:nvPr/>
+        </p:nvSpPr>
+        <p:spPr>
+          <a:xfrm>
+            <a:off x="2715125" y="3767946"/>
+            <a:ext cx="1411129" cy="430887"/>
+          </a:xfrm>
+          <a:prstGeom prst="rect">
+            <a:avLst/>
+          </a:prstGeom>
+          <a:noFill/>
+        </p:spPr>
+        <p:txBody>
+          <a:bodyPr wrap="square" rtlCol="0">
+            <a:spAutoFit/>
+          </a:bodyPr>
+          <a:lstStyle/>
+          <a:p>
+            <a:r>
+              <a:rPr lang="en-US" sz="1100" dirty="0">
+                <a:latin typeface="Times New Roman" panose="02020603050405020304" pitchFamily="18" charset="0"/>
+                <a:cs typeface="Times New Roman" panose="02020603050405020304" pitchFamily="18" charset="0"/>
+              </a:rPr>
+              <a:t>Time consuming to visit doctor</a:t>
+            </a:r>
+          </a:p>
+        </p:txBody>
+      </p:sp>
+      <p:sp>
+        <p:nvSpPr>
+          <p:cNvPr id="63" name="TextBox 62">
+            <a:extLst>
+              <a:ext uri="{FF2B5EF4-FFF2-40B4-BE49-F238E27FC236}">
+                <a16:creationId xmlns:a16="http://schemas.microsoft.com/office/drawing/2014/main" id="{D90644E4-9EA3-E348-A362-5FDD4EF451FF}"/>
+              </a:ext>
+            </a:extLst>
+          </p:cNvPr>
+          <p:cNvSpPr txBox="1"/>
+          <p:nvPr/>
+        </p:nvSpPr>
+        <p:spPr>
+          <a:xfrm>
+            <a:off x="7424639" y="4644738"/>
+            <a:ext cx="2231630" cy="430887"/>
+          </a:xfrm>
+          <a:prstGeom prst="rect">
+            <a:avLst/>
+          </a:prstGeom>
+          <a:noFill/>
+        </p:spPr>
+        <p:txBody>
+          <a:bodyPr wrap="square" rtlCol="0">
+            <a:spAutoFit/>
+          </a:bodyPr>
+          <a:lstStyle/>
+          <a:p>
+            <a:r>
+              <a:rPr lang="en-US" sz="1100" dirty="0">
+                <a:latin typeface="Times New Roman" panose="02020603050405020304" pitchFamily="18" charset="0"/>
+                <a:cs typeface="Times New Roman" panose="02020603050405020304" pitchFamily="18" charset="0"/>
+              </a:rPr>
+              <a:t>Patient’s aren’t willing to change lifestyle based on results</a:t>
+            </a:r>
+          </a:p>
+        </p:txBody>
+      </p:sp>
+      <p:sp>
+        <p:nvSpPr>
+          <p:cNvPr id="64" name="TextBox 63">
+            <a:extLst>
+              <a:ext uri="{FF2B5EF4-FFF2-40B4-BE49-F238E27FC236}">
+                <a16:creationId xmlns:a16="http://schemas.microsoft.com/office/drawing/2014/main" id="{D62373AC-5E5C-F840-AD8B-88D548128E87}"/>
+              </a:ext>
+            </a:extLst>
+          </p:cNvPr>
+          <p:cNvSpPr txBox="1"/>
+          <p:nvPr/>
+        </p:nvSpPr>
+        <p:spPr>
+          <a:xfrm>
+            <a:off x="1364166" y="4148057"/>
+            <a:ext cx="1114668" cy="430887"/>
+          </a:xfrm>
+          <a:prstGeom prst="rect">
+            <a:avLst/>
+          </a:prstGeom>
+          <a:noFill/>
+        </p:spPr>
+        <p:txBody>
+          <a:bodyPr wrap="square" rtlCol="0">
+            <a:spAutoFit/>
+          </a:bodyPr>
+          <a:lstStyle/>
+          <a:p>
+            <a:r>
+              <a:rPr lang="en-US" sz="1100" dirty="0">
+                <a:latin typeface="Times New Roman" panose="02020603050405020304" pitchFamily="18" charset="0"/>
+                <a:cs typeface="Times New Roman" panose="02020603050405020304" pitchFamily="18" charset="0"/>
+              </a:rPr>
+              <a:t>Don’t like to see a doctor</a:t>
+            </a:r>
+          </a:p>
+        </p:txBody>
+      </p:sp>
+      <p:sp>
+        <p:nvSpPr>
+          <p:cNvPr id="9" name="Triangle 8">
+            <a:extLst>
+              <a:ext uri="{FF2B5EF4-FFF2-40B4-BE49-F238E27FC236}">
+                <a16:creationId xmlns:a16="http://schemas.microsoft.com/office/drawing/2014/main" id="{D89269EA-DB51-1D43-AC29-5B5E6DAB6CE9}"/>
+              </a:ext>
+            </a:extLst>
+          </p:cNvPr>
+          <p:cNvSpPr/>
+          <p:nvPr/>
+        </p:nvSpPr>
+        <p:spPr>
+          <a:xfrm rot="5400000">
+            <a:off x="9702869" y="3396116"/>
+            <a:ext cx="373626" cy="429560"/>
+          </a:xfrm>
+          <a:prstGeom prst="triangle">
+            <a:avLst/>
+          </a:prstGeom>
+          <a:solidFill>
+            <a:schemeClr val="tx1"/>
+          </a:solidFill>
+          <a:ln>
+            <a:solidFill>
+              <a:schemeClr val="tx1"/>
+            </a:solidFill>
+          </a:ln>
+        </p:spPr>
+        <p:style>
+          <a:lnRef idx="2">
+            <a:schemeClr val="accent1">
+              <a:shade val="50000"/>
+            </a:schemeClr>
+          </a:lnRef>
+          <a:fillRef idx="1">
+            <a:schemeClr val="accent1"/>
+          </a:fillRef>
+          <a:effectRef idx="0">
+            <a:schemeClr val="accent1"/>
+          </a:effectRef>
+          <a:fontRef idx="minor">
+            <a:schemeClr val="lt1"/>
+          </a:fontRef>
+        </p:style>
+        <p:txBody>
+          <a:bodyPr rtlCol="0" anchor="ctr"/>
+          <a:lstStyle/>
+          <a:p>
+            <a:pPr algn="ctr"/>
+            <a:endParaRPr lang="en-US">
+              <a:latin typeface="Times New Roman" panose="02020603050405020304" pitchFamily="18" charset="0"/>
+              <a:cs typeface="Times New Roman" panose="02020603050405020304" pitchFamily="18" charset="0"/>
+            </a:endParaRPr>
+          </a:p>
+        </p:txBody>
+      </p:sp>
+      <p:sp>
+        <p:nvSpPr>
+          <p:cNvPr id="66" name="TextBox 65">
+            <a:extLst>
+              <a:ext uri="{FF2B5EF4-FFF2-40B4-BE49-F238E27FC236}">
+                <a16:creationId xmlns:a16="http://schemas.microsoft.com/office/drawing/2014/main" id="{DC26039E-E3A6-5646-A652-0FE615B49ECD}"/>
+              </a:ext>
+            </a:extLst>
+          </p:cNvPr>
+          <p:cNvSpPr txBox="1"/>
+          <p:nvPr/>
+        </p:nvSpPr>
+        <p:spPr>
+          <a:xfrm>
+            <a:off x="10294835" y="3395507"/>
+            <a:ext cx="1349607" cy="523220"/>
+          </a:xfrm>
+          <a:prstGeom prst="rect">
+            <a:avLst/>
+          </a:prstGeom>
+          <a:noFill/>
+        </p:spPr>
+        <p:txBody>
+          <a:bodyPr wrap="square" rtlCol="0">
+            <a:spAutoFit/>
+          </a:bodyPr>
+          <a:lstStyle/>
+          <a:p>
+            <a:r>
+              <a:rPr lang="en-US" sz="1400" dirty="0">
+                <a:latin typeface="Times New Roman" panose="02020603050405020304" pitchFamily="18" charset="0"/>
+                <a:cs typeface="Times New Roman" panose="02020603050405020304" pitchFamily="18" charset="0"/>
+              </a:rPr>
+              <a:t>Low HbA1c Screening</a:t>
+            </a:r>
+          </a:p>
+        </p:txBody>
+      </p:sp>
+      <p:sp>
+        <p:nvSpPr>
+          <p:cNvPr id="67" name="TextBox 66">
+            <a:extLst>
+              <a:ext uri="{FF2B5EF4-FFF2-40B4-BE49-F238E27FC236}">
+                <a16:creationId xmlns:a16="http://schemas.microsoft.com/office/drawing/2014/main" id="{DAD8B1E6-8A68-0545-BB09-91E7FBF63894}"/>
+              </a:ext>
+            </a:extLst>
+          </p:cNvPr>
+          <p:cNvSpPr txBox="1"/>
+          <p:nvPr/>
+        </p:nvSpPr>
+        <p:spPr>
+          <a:xfrm>
+            <a:off x="7834309" y="2737265"/>
+            <a:ext cx="1349607" cy="430887"/>
+          </a:xfrm>
+          <a:prstGeom prst="rect">
+            <a:avLst/>
+          </a:prstGeom>
+          <a:noFill/>
+        </p:spPr>
+        <p:txBody>
+          <a:bodyPr wrap="square" rtlCol="0">
+            <a:spAutoFit/>
+          </a:bodyPr>
+          <a:lstStyle/>
+          <a:p>
+            <a:r>
+              <a:rPr lang="en-US" sz="1100" dirty="0">
+                <a:latin typeface="Times New Roman" panose="02020603050405020304" pitchFamily="18" charset="0"/>
+                <a:cs typeface="Times New Roman" panose="02020603050405020304" pitchFamily="18" charset="0"/>
+              </a:rPr>
+              <a:t>Don’t know what diabetes is</a:t>
+            </a:r>
+          </a:p>
+        </p:txBody>
+      </p:sp>
     </p:spTree>
     <p:extLst>
       <p:ext uri="{BB962C8B-B14F-4D97-AF65-F5344CB8AC3E}">
-        <p14:creationId xmlns:p14="http://schemas.microsoft.com/office/powerpoint/2010/main" val="2001725047"/>
+        <p14:creationId xmlns:p14="http://schemas.microsoft.com/office/powerpoint/2010/main" val="1528444051"/>
       </p:ext>
     </p:extLst>
   </p:cSld>
